--- a/DB2 Presentation PtVince.pptx
+++ b/DB2 Presentation PtVince.pptx
@@ -5,64 +5,53 @@
     <p:sldMasterId id="2147483657" r:id="rId1"/>
   </p:sldMasterIdLst>
   <p:notesMasterIdLst>
-    <p:notesMasterId r:id="rId12"/>
+    <p:notesMasterId r:id="rId8"/>
   </p:notesMasterIdLst>
   <p:sldIdLst>
-    <p:sldId id="295" r:id="rId2"/>
-    <p:sldId id="261" r:id="rId3"/>
-    <p:sldId id="296" r:id="rId4"/>
-    <p:sldId id="304" r:id="rId5"/>
-    <p:sldId id="298" r:id="rId6"/>
-    <p:sldId id="300" r:id="rId7"/>
-    <p:sldId id="299" r:id="rId8"/>
-    <p:sldId id="301" r:id="rId9"/>
-    <p:sldId id="302" r:id="rId10"/>
-    <p:sldId id="303" r:id="rId11"/>
+    <p:sldId id="298" r:id="rId2"/>
+    <p:sldId id="300" r:id="rId3"/>
+    <p:sldId id="299" r:id="rId4"/>
+    <p:sldId id="301" r:id="rId5"/>
+    <p:sldId id="302" r:id="rId6"/>
+    <p:sldId id="303" r:id="rId7"/>
   </p:sldIdLst>
   <p:sldSz cx="9144000" cy="5143500" type="screen16x9"/>
   <p:notesSz cx="6858000" cy="9144000"/>
   <p:embeddedFontLst>
     <p:embeddedFont>
       <p:font typeface="Arvo" panose="02000000000000000000" pitchFamily="2" charset="77"/>
+      <p:regular r:id="rId9"/>
+      <p:bold r:id="rId10"/>
+      <p:italic r:id="rId11"/>
+      <p:boldItalic r:id="rId12"/>
+    </p:embeddedFont>
+    <p:embeddedFont>
+      <p:font typeface="Calibri" panose="020F0502020204030204" pitchFamily="34" charset="0"/>
       <p:regular r:id="rId13"/>
       <p:bold r:id="rId14"/>
       <p:italic r:id="rId15"/>
       <p:boldItalic r:id="rId16"/>
     </p:embeddedFont>
     <p:embeddedFont>
-      <p:font typeface="Calibri" panose="020F0502020204030204" pitchFamily="34" charset="0"/>
+      <p:font typeface="Roboto Condensed" panose="02000000000000000000" pitchFamily="2" charset="0"/>
       <p:regular r:id="rId17"/>
       <p:bold r:id="rId18"/>
       <p:italic r:id="rId19"/>
       <p:boldItalic r:id="rId20"/>
     </p:embeddedFont>
     <p:embeddedFont>
-      <p:font typeface="Roboto Condensed" panose="02000000000000000000" pitchFamily="2" charset="0"/>
+      <p:font typeface="Roboto Condensed Light" panose="02000000000000000000" pitchFamily="2" charset="0"/>
       <p:regular r:id="rId21"/>
       <p:bold r:id="rId22"/>
       <p:italic r:id="rId23"/>
       <p:boldItalic r:id="rId24"/>
     </p:embeddedFont>
     <p:embeddedFont>
-      <p:font typeface="Roboto Condensed Light" panose="02000000000000000000" pitchFamily="2" charset="0"/>
+      <p:font typeface="Roboto Mono" pitchFamily="49" charset="0"/>
       <p:regular r:id="rId25"/>
       <p:bold r:id="rId26"/>
       <p:italic r:id="rId27"/>
       <p:boldItalic r:id="rId28"/>
-    </p:embeddedFont>
-    <p:embeddedFont>
-      <p:font typeface="Roboto Mono" pitchFamily="49" charset="0"/>
-      <p:regular r:id="rId29"/>
-      <p:bold r:id="rId30"/>
-      <p:italic r:id="rId31"/>
-      <p:boldItalic r:id="rId32"/>
-    </p:embeddedFont>
-    <p:embeddedFont>
-      <p:font typeface="Roboto Mono Light" pitchFamily="49" charset="0"/>
-      <p:regular r:id="rId33"/>
-      <p:bold r:id="rId34"/>
-      <p:italic r:id="rId35"/>
-      <p:boldItalic r:id="rId36"/>
     </p:embeddedFont>
   </p:embeddedFontLst>
   <p:defaultTextStyle>
@@ -748,110 +737,6 @@
   <p:cSld>
     <p:spTree>
       <p:nvGrpSpPr>
-        <p:cNvPr id="1" name="Shape 180"/>
-        <p:cNvGrpSpPr/>
-        <p:nvPr/>
-      </p:nvGrpSpPr>
-      <p:grpSpPr>
-        <a:xfrm>
-          <a:off x="0" y="0"/>
-          <a:ext cx="0" cy="0"/>
-          <a:chOff x="0" y="0"/>
-          <a:chExt cx="0" cy="0"/>
-        </a:xfrm>
-      </p:grpSpPr>
-      <p:sp>
-        <p:nvSpPr>
-          <p:cNvPr id="181" name="Google Shape;181;g35f391192_00:notes"/>
-          <p:cNvSpPr>
-            <a:spLocks noGrp="1" noRot="1" noChangeAspect="1"/>
-          </p:cNvSpPr>
-          <p:nvPr>
-            <p:ph type="sldImg" idx="2"/>
-          </p:nvPr>
-        </p:nvSpPr>
-        <p:spPr>
-          <a:xfrm>
-            <a:off x="381000" y="685800"/>
-            <a:ext cx="6096000" cy="3429000"/>
-          </a:xfrm>
-          <a:custGeom>
-            <a:avLst/>
-            <a:gdLst/>
-            <a:ahLst/>
-            <a:cxnLst/>
-            <a:rect l="l" t="t" r="r" b="b"/>
-            <a:pathLst>
-              <a:path w="120000" h="120000" extrusionOk="0">
-                <a:moveTo>
-                  <a:pt x="0" y="0"/>
-                </a:moveTo>
-                <a:lnTo>
-                  <a:pt x="120000" y="0"/>
-                </a:lnTo>
-                <a:lnTo>
-                  <a:pt x="120000" y="120000"/>
-                </a:lnTo>
-                <a:lnTo>
-                  <a:pt x="0" y="120000"/>
-                </a:lnTo>
-                <a:close/>
-              </a:path>
-            </a:pathLst>
-          </a:custGeom>
-        </p:spPr>
-      </p:sp>
-      <p:sp>
-        <p:nvSpPr>
-          <p:cNvPr id="182" name="Google Shape;182;g35f391192_00:notes"/>
-          <p:cNvSpPr txBox="1">
-            <a:spLocks noGrp="1"/>
-          </p:cNvSpPr>
-          <p:nvPr>
-            <p:ph type="body" idx="1"/>
-          </p:nvPr>
-        </p:nvSpPr>
-        <p:spPr>
-          <a:xfrm>
-            <a:off x="685800" y="4343400"/>
-            <a:ext cx="5486400" cy="4114800"/>
-          </a:xfrm>
-          <a:prstGeom prst="rect">
-            <a:avLst/>
-          </a:prstGeom>
-        </p:spPr>
-        <p:txBody>
-          <a:bodyPr spcFirstLastPara="1" wrap="square" lIns="91425" tIns="91425" rIns="91425" bIns="91425" anchor="t" anchorCtr="0">
-            <a:noAutofit/>
-          </a:bodyPr>
-          <a:lstStyle/>
-          <a:p>
-            <a:pPr marL="0" lvl="0" indent="0" algn="l" rtl="0">
-              <a:spcBef>
-                <a:spcPts val="0"/>
-              </a:spcBef>
-              <a:spcAft>
-                <a:spcPts val="0"/>
-              </a:spcAft>
-              <a:buNone/>
-            </a:pPr>
-            <a:endParaRPr dirty="0"/>
-          </a:p>
-        </p:txBody>
-      </p:sp>
-    </p:spTree>
-  </p:cSld>
-  <p:clrMapOvr>
-    <a:masterClrMapping/>
-  </p:clrMapOvr>
-</p:notes>
-</file>
-
-<file path=ppt/notesSlides/notesSlide10.xml><?xml version="1.0" encoding="utf-8"?>
-<p:notes xmlns:a="http://schemas.openxmlformats.org/drawingml/2006/main" xmlns:r="http://schemas.openxmlformats.org/officeDocument/2006/relationships" xmlns:p="http://schemas.openxmlformats.org/presentationml/2006/main" showMasterSp="0" showMasterPhAnim="0">
-  <p:cSld>
-    <p:spTree>
-      <p:nvGrpSpPr>
         <p:cNvPr id="1" name="Shape 232"/>
         <p:cNvGrpSpPr/>
         <p:nvPr/>
@@ -946,7 +831,7 @@
     </p:spTree>
     <p:extLst>
       <p:ext uri="{BB962C8B-B14F-4D97-AF65-F5344CB8AC3E}">
-        <p14:creationId xmlns:p14="http://schemas.microsoft.com/office/powerpoint/2010/main" val="3063002874"/>
+        <p14:creationId xmlns:p14="http://schemas.microsoft.com/office/powerpoint/2010/main" val="3567429693"/>
       </p:ext>
     </p:extLst>
   </p:cSld>
@@ -1048,11 +933,16 @@
               </a:spcAft>
               <a:buNone/>
             </a:pPr>
-            <a:endParaRPr/>
+            <a:endParaRPr dirty="0"/>
           </a:p>
         </p:txBody>
       </p:sp>
     </p:spTree>
+    <p:extLst>
+      <p:ext uri="{BB962C8B-B14F-4D97-AF65-F5344CB8AC3E}">
+        <p14:creationId xmlns:p14="http://schemas.microsoft.com/office/powerpoint/2010/main" val="1130654391"/>
+      </p:ext>
+    </p:extLst>
   </p:cSld>
   <p:clrMapOvr>
     <a:masterClrMapping/>
@@ -1159,7 +1049,7 @@
     </p:spTree>
     <p:extLst>
       <p:ext uri="{BB962C8B-B14F-4D97-AF65-F5344CB8AC3E}">
-        <p14:creationId xmlns:p14="http://schemas.microsoft.com/office/powerpoint/2010/main" val="4286135350"/>
+        <p14:creationId xmlns:p14="http://schemas.microsoft.com/office/powerpoint/2010/main" val="4255970476"/>
       </p:ext>
     </p:extLst>
   </p:cSld>
@@ -1268,7 +1158,7 @@
     </p:spTree>
     <p:extLst>
       <p:ext uri="{BB962C8B-B14F-4D97-AF65-F5344CB8AC3E}">
-        <p14:creationId xmlns:p14="http://schemas.microsoft.com/office/powerpoint/2010/main" val="2903229148"/>
+        <p14:creationId xmlns:p14="http://schemas.microsoft.com/office/powerpoint/2010/main" val="2839333601"/>
       </p:ext>
     </p:extLst>
   </p:cSld>
@@ -1377,7 +1267,7 @@
     </p:spTree>
     <p:extLst>
       <p:ext uri="{BB962C8B-B14F-4D97-AF65-F5344CB8AC3E}">
-        <p14:creationId xmlns:p14="http://schemas.microsoft.com/office/powerpoint/2010/main" val="3567429693"/>
+        <p14:creationId xmlns:p14="http://schemas.microsoft.com/office/powerpoint/2010/main" val="3705782549"/>
       </p:ext>
     </p:extLst>
   </p:cSld>
@@ -1486,334 +1376,7 @@
     </p:spTree>
     <p:extLst>
       <p:ext uri="{BB962C8B-B14F-4D97-AF65-F5344CB8AC3E}">
-        <p14:creationId xmlns:p14="http://schemas.microsoft.com/office/powerpoint/2010/main" val="1130654391"/>
-      </p:ext>
-    </p:extLst>
-  </p:cSld>
-  <p:clrMapOvr>
-    <a:masterClrMapping/>
-  </p:clrMapOvr>
-</p:notes>
-</file>
-
-<file path=ppt/notesSlides/notesSlide7.xml><?xml version="1.0" encoding="utf-8"?>
-<p:notes xmlns:a="http://schemas.openxmlformats.org/drawingml/2006/main" xmlns:r="http://schemas.openxmlformats.org/officeDocument/2006/relationships" xmlns:p="http://schemas.openxmlformats.org/presentationml/2006/main" showMasterSp="0" showMasterPhAnim="0">
-  <p:cSld>
-    <p:spTree>
-      <p:nvGrpSpPr>
-        <p:cNvPr id="1" name="Shape 232"/>
-        <p:cNvGrpSpPr/>
-        <p:nvPr/>
-      </p:nvGrpSpPr>
-      <p:grpSpPr>
-        <a:xfrm>
-          <a:off x="0" y="0"/>
-          <a:ext cx="0" cy="0"/>
-          <a:chOff x="0" y="0"/>
-          <a:chExt cx="0" cy="0"/>
-        </a:xfrm>
-      </p:grpSpPr>
-      <p:sp>
-        <p:nvSpPr>
-          <p:cNvPr id="233" name="Google Shape;233;p:notes"/>
-          <p:cNvSpPr>
-            <a:spLocks noGrp="1" noRot="1" noChangeAspect="1"/>
-          </p:cNvSpPr>
-          <p:nvPr>
-            <p:ph type="sldImg" idx="2"/>
-          </p:nvPr>
-        </p:nvSpPr>
-        <p:spPr>
-          <a:xfrm>
-            <a:off x="381000" y="685800"/>
-            <a:ext cx="6096000" cy="3429000"/>
-          </a:xfrm>
-          <a:custGeom>
-            <a:avLst/>
-            <a:gdLst/>
-            <a:ahLst/>
-            <a:cxnLst/>
-            <a:rect l="l" t="t" r="r" b="b"/>
-            <a:pathLst>
-              <a:path w="120000" h="120000" extrusionOk="0">
-                <a:moveTo>
-                  <a:pt x="0" y="0"/>
-                </a:moveTo>
-                <a:lnTo>
-                  <a:pt x="120000" y="0"/>
-                </a:lnTo>
-                <a:lnTo>
-                  <a:pt x="120000" y="120000"/>
-                </a:lnTo>
-                <a:lnTo>
-                  <a:pt x="0" y="120000"/>
-                </a:lnTo>
-                <a:close/>
-              </a:path>
-            </a:pathLst>
-          </a:custGeom>
-        </p:spPr>
-      </p:sp>
-      <p:sp>
-        <p:nvSpPr>
-          <p:cNvPr id="234" name="Google Shape;234;p:notes"/>
-          <p:cNvSpPr txBox="1">
-            <a:spLocks noGrp="1"/>
-          </p:cNvSpPr>
-          <p:nvPr>
-            <p:ph type="body" idx="1"/>
-          </p:nvPr>
-        </p:nvSpPr>
-        <p:spPr>
-          <a:xfrm>
-            <a:off x="685800" y="4343400"/>
-            <a:ext cx="5486400" cy="4114800"/>
-          </a:xfrm>
-          <a:prstGeom prst="rect">
-            <a:avLst/>
-          </a:prstGeom>
-        </p:spPr>
-        <p:txBody>
-          <a:bodyPr spcFirstLastPara="1" wrap="square" lIns="91425" tIns="91425" rIns="91425" bIns="91425" anchor="t" anchorCtr="0">
-            <a:noAutofit/>
-          </a:bodyPr>
-          <a:lstStyle/>
-          <a:p>
-            <a:pPr marL="0" lvl="0" indent="0" algn="l" rtl="0">
-              <a:spcBef>
-                <a:spcPts val="0"/>
-              </a:spcBef>
-              <a:spcAft>
-                <a:spcPts val="0"/>
-              </a:spcAft>
-              <a:buNone/>
-            </a:pPr>
-            <a:endParaRPr dirty="0"/>
-          </a:p>
-        </p:txBody>
-      </p:sp>
-    </p:spTree>
-    <p:extLst>
-      <p:ext uri="{BB962C8B-B14F-4D97-AF65-F5344CB8AC3E}">
-        <p14:creationId xmlns:p14="http://schemas.microsoft.com/office/powerpoint/2010/main" val="4255970476"/>
-      </p:ext>
-    </p:extLst>
-  </p:cSld>
-  <p:clrMapOvr>
-    <a:masterClrMapping/>
-  </p:clrMapOvr>
-</p:notes>
-</file>
-
-<file path=ppt/notesSlides/notesSlide8.xml><?xml version="1.0" encoding="utf-8"?>
-<p:notes xmlns:a="http://schemas.openxmlformats.org/drawingml/2006/main" xmlns:r="http://schemas.openxmlformats.org/officeDocument/2006/relationships" xmlns:p="http://schemas.openxmlformats.org/presentationml/2006/main" showMasterSp="0" showMasterPhAnim="0">
-  <p:cSld>
-    <p:spTree>
-      <p:nvGrpSpPr>
-        <p:cNvPr id="1" name="Shape 232"/>
-        <p:cNvGrpSpPr/>
-        <p:nvPr/>
-      </p:nvGrpSpPr>
-      <p:grpSpPr>
-        <a:xfrm>
-          <a:off x="0" y="0"/>
-          <a:ext cx="0" cy="0"/>
-          <a:chOff x="0" y="0"/>
-          <a:chExt cx="0" cy="0"/>
-        </a:xfrm>
-      </p:grpSpPr>
-      <p:sp>
-        <p:nvSpPr>
-          <p:cNvPr id="233" name="Google Shape;233;p:notes"/>
-          <p:cNvSpPr>
-            <a:spLocks noGrp="1" noRot="1" noChangeAspect="1"/>
-          </p:cNvSpPr>
-          <p:nvPr>
-            <p:ph type="sldImg" idx="2"/>
-          </p:nvPr>
-        </p:nvSpPr>
-        <p:spPr>
-          <a:xfrm>
-            <a:off x="381000" y="685800"/>
-            <a:ext cx="6096000" cy="3429000"/>
-          </a:xfrm>
-          <a:custGeom>
-            <a:avLst/>
-            <a:gdLst/>
-            <a:ahLst/>
-            <a:cxnLst/>
-            <a:rect l="l" t="t" r="r" b="b"/>
-            <a:pathLst>
-              <a:path w="120000" h="120000" extrusionOk="0">
-                <a:moveTo>
-                  <a:pt x="0" y="0"/>
-                </a:moveTo>
-                <a:lnTo>
-                  <a:pt x="120000" y="0"/>
-                </a:lnTo>
-                <a:lnTo>
-                  <a:pt x="120000" y="120000"/>
-                </a:lnTo>
-                <a:lnTo>
-                  <a:pt x="0" y="120000"/>
-                </a:lnTo>
-                <a:close/>
-              </a:path>
-            </a:pathLst>
-          </a:custGeom>
-        </p:spPr>
-      </p:sp>
-      <p:sp>
-        <p:nvSpPr>
-          <p:cNvPr id="234" name="Google Shape;234;p:notes"/>
-          <p:cNvSpPr txBox="1">
-            <a:spLocks noGrp="1"/>
-          </p:cNvSpPr>
-          <p:nvPr>
-            <p:ph type="body" idx="1"/>
-          </p:nvPr>
-        </p:nvSpPr>
-        <p:spPr>
-          <a:xfrm>
-            <a:off x="685800" y="4343400"/>
-            <a:ext cx="5486400" cy="4114800"/>
-          </a:xfrm>
-          <a:prstGeom prst="rect">
-            <a:avLst/>
-          </a:prstGeom>
-        </p:spPr>
-        <p:txBody>
-          <a:bodyPr spcFirstLastPara="1" wrap="square" lIns="91425" tIns="91425" rIns="91425" bIns="91425" anchor="t" anchorCtr="0">
-            <a:noAutofit/>
-          </a:bodyPr>
-          <a:lstStyle/>
-          <a:p>
-            <a:pPr marL="0" lvl="0" indent="0" algn="l" rtl="0">
-              <a:spcBef>
-                <a:spcPts val="0"/>
-              </a:spcBef>
-              <a:spcAft>
-                <a:spcPts val="0"/>
-              </a:spcAft>
-              <a:buNone/>
-            </a:pPr>
-            <a:endParaRPr dirty="0"/>
-          </a:p>
-        </p:txBody>
-      </p:sp>
-    </p:spTree>
-    <p:extLst>
-      <p:ext uri="{BB962C8B-B14F-4D97-AF65-F5344CB8AC3E}">
-        <p14:creationId xmlns:p14="http://schemas.microsoft.com/office/powerpoint/2010/main" val="2839333601"/>
-      </p:ext>
-    </p:extLst>
-  </p:cSld>
-  <p:clrMapOvr>
-    <a:masterClrMapping/>
-  </p:clrMapOvr>
-</p:notes>
-</file>
-
-<file path=ppt/notesSlides/notesSlide9.xml><?xml version="1.0" encoding="utf-8"?>
-<p:notes xmlns:a="http://schemas.openxmlformats.org/drawingml/2006/main" xmlns:r="http://schemas.openxmlformats.org/officeDocument/2006/relationships" xmlns:p="http://schemas.openxmlformats.org/presentationml/2006/main" showMasterSp="0" showMasterPhAnim="0">
-  <p:cSld>
-    <p:spTree>
-      <p:nvGrpSpPr>
-        <p:cNvPr id="1" name="Shape 232"/>
-        <p:cNvGrpSpPr/>
-        <p:nvPr/>
-      </p:nvGrpSpPr>
-      <p:grpSpPr>
-        <a:xfrm>
-          <a:off x="0" y="0"/>
-          <a:ext cx="0" cy="0"/>
-          <a:chOff x="0" y="0"/>
-          <a:chExt cx="0" cy="0"/>
-        </a:xfrm>
-      </p:grpSpPr>
-      <p:sp>
-        <p:nvSpPr>
-          <p:cNvPr id="233" name="Google Shape;233;p:notes"/>
-          <p:cNvSpPr>
-            <a:spLocks noGrp="1" noRot="1" noChangeAspect="1"/>
-          </p:cNvSpPr>
-          <p:nvPr>
-            <p:ph type="sldImg" idx="2"/>
-          </p:nvPr>
-        </p:nvSpPr>
-        <p:spPr>
-          <a:xfrm>
-            <a:off x="381000" y="685800"/>
-            <a:ext cx="6096000" cy="3429000"/>
-          </a:xfrm>
-          <a:custGeom>
-            <a:avLst/>
-            <a:gdLst/>
-            <a:ahLst/>
-            <a:cxnLst/>
-            <a:rect l="l" t="t" r="r" b="b"/>
-            <a:pathLst>
-              <a:path w="120000" h="120000" extrusionOk="0">
-                <a:moveTo>
-                  <a:pt x="0" y="0"/>
-                </a:moveTo>
-                <a:lnTo>
-                  <a:pt x="120000" y="0"/>
-                </a:lnTo>
-                <a:lnTo>
-                  <a:pt x="120000" y="120000"/>
-                </a:lnTo>
-                <a:lnTo>
-                  <a:pt x="0" y="120000"/>
-                </a:lnTo>
-                <a:close/>
-              </a:path>
-            </a:pathLst>
-          </a:custGeom>
-        </p:spPr>
-      </p:sp>
-      <p:sp>
-        <p:nvSpPr>
-          <p:cNvPr id="234" name="Google Shape;234;p:notes"/>
-          <p:cNvSpPr txBox="1">
-            <a:spLocks noGrp="1"/>
-          </p:cNvSpPr>
-          <p:nvPr>
-            <p:ph type="body" idx="1"/>
-          </p:nvPr>
-        </p:nvSpPr>
-        <p:spPr>
-          <a:xfrm>
-            <a:off x="685800" y="4343400"/>
-            <a:ext cx="5486400" cy="4114800"/>
-          </a:xfrm>
-          <a:prstGeom prst="rect">
-            <a:avLst/>
-          </a:prstGeom>
-        </p:spPr>
-        <p:txBody>
-          <a:bodyPr spcFirstLastPara="1" wrap="square" lIns="91425" tIns="91425" rIns="91425" bIns="91425" anchor="t" anchorCtr="0">
-            <a:noAutofit/>
-          </a:bodyPr>
-          <a:lstStyle/>
-          <a:p>
-            <a:pPr marL="0" lvl="0" indent="0" algn="l" rtl="0">
-              <a:spcBef>
-                <a:spcPts val="0"/>
-              </a:spcBef>
-              <a:spcAft>
-                <a:spcPts val="0"/>
-              </a:spcAft>
-              <a:buNone/>
-            </a:pPr>
-            <a:endParaRPr dirty="0"/>
-          </a:p>
-        </p:txBody>
-      </p:sp>
-    </p:spTree>
-    <p:extLst>
-      <p:ext uri="{BB962C8B-B14F-4D97-AF65-F5344CB8AC3E}">
-        <p14:creationId xmlns:p14="http://schemas.microsoft.com/office/powerpoint/2010/main" val="3705782549"/>
+        <p14:creationId xmlns:p14="http://schemas.microsoft.com/office/powerpoint/2010/main" val="3063002874"/>
       </p:ext>
     </p:extLst>
   </p:cSld>
@@ -1824,564 +1387,6 @@
 </file>
 
 <file path=ppt/slideLayouts/slideLayout1.xml><?xml version="1.0" encoding="utf-8"?>
-<p:sldLayout xmlns:a="http://schemas.openxmlformats.org/drawingml/2006/main" xmlns:r="http://schemas.openxmlformats.org/officeDocument/2006/relationships" xmlns:p="http://schemas.openxmlformats.org/presentationml/2006/main" matchingName="Title" type="title">
-  <p:cSld name="TITLE">
-    <p:spTree>
-      <p:nvGrpSpPr>
-        <p:cNvPr id="1" name="Shape 9"/>
-        <p:cNvGrpSpPr/>
-        <p:nvPr/>
-      </p:nvGrpSpPr>
-      <p:grpSpPr>
-        <a:xfrm>
-          <a:off x="0" y="0"/>
-          <a:ext cx="0" cy="0"/>
-          <a:chOff x="0" y="0"/>
-          <a:chExt cx="0" cy="0"/>
-        </a:xfrm>
-      </p:grpSpPr>
-      <p:sp>
-        <p:nvSpPr>
-          <p:cNvPr id="10" name="Google Shape;10;p2"/>
-          <p:cNvSpPr/>
-          <p:nvPr/>
-        </p:nvSpPr>
-        <p:spPr>
-          <a:xfrm>
-            <a:off x="7544483" y="657775"/>
-            <a:ext cx="1299300" cy="432900"/>
-          </a:xfrm>
-          <a:prstGeom prst="triangle">
-            <a:avLst>
-              <a:gd name="adj" fmla="val 32425"/>
-            </a:avLst>
-          </a:prstGeom>
-          <a:solidFill>
-            <a:schemeClr val="accent2"/>
-          </a:solidFill>
-          <a:ln>
-            <a:noFill/>
-          </a:ln>
-        </p:spPr>
-        <p:txBody>
-          <a:bodyPr spcFirstLastPara="1" wrap="square" lIns="91425" tIns="91425" rIns="91425" bIns="91425" anchor="ctr" anchorCtr="0">
-            <a:noAutofit/>
-          </a:bodyPr>
-          <a:lstStyle/>
-          <a:p>
-            <a:pPr marL="0" lvl="0" indent="0" algn="l" rtl="0">
-              <a:spcBef>
-                <a:spcPts val="0"/>
-              </a:spcBef>
-              <a:spcAft>
-                <a:spcPts val="0"/>
-              </a:spcAft>
-              <a:buNone/>
-            </a:pPr>
-            <a:endParaRPr>
-              <a:latin typeface="Arvo"/>
-              <a:ea typeface="Arvo"/>
-              <a:cs typeface="Arvo"/>
-              <a:sym typeface="Arvo"/>
-            </a:endParaRPr>
-          </a:p>
-        </p:txBody>
-      </p:sp>
-      <p:grpSp>
-        <p:nvGrpSpPr>
-          <p:cNvPr id="11" name="Google Shape;11;p2"/>
-          <p:cNvGrpSpPr/>
-          <p:nvPr/>
-        </p:nvGrpSpPr>
-        <p:grpSpPr>
-          <a:xfrm>
-            <a:off x="0" y="-7088"/>
-            <a:ext cx="8661398" cy="5150588"/>
-            <a:chOff x="0" y="-7088"/>
-            <a:chExt cx="8661398" cy="5150588"/>
-          </a:xfrm>
-        </p:grpSpPr>
-        <p:sp>
-          <p:nvSpPr>
-            <p:cNvPr id="12" name="Google Shape;12;p2"/>
-            <p:cNvSpPr/>
-            <p:nvPr/>
-          </p:nvSpPr>
-          <p:spPr>
-            <a:xfrm>
-              <a:off x="0" y="0"/>
-              <a:ext cx="3525000" cy="5143500"/>
-            </a:xfrm>
-            <a:prstGeom prst="rect">
-              <a:avLst/>
-            </a:prstGeom>
-            <a:solidFill>
-              <a:schemeClr val="accent4"/>
-            </a:solidFill>
-            <a:ln>
-              <a:noFill/>
-            </a:ln>
-          </p:spPr>
-          <p:txBody>
-            <a:bodyPr spcFirstLastPara="1" wrap="square" lIns="91425" tIns="91425" rIns="91425" bIns="91425" anchor="ctr" anchorCtr="0">
-              <a:noAutofit/>
-            </a:bodyPr>
-            <a:lstStyle/>
-            <a:p>
-              <a:pPr marL="0" lvl="0" indent="0" algn="l" rtl="0">
-                <a:spcBef>
-                  <a:spcPts val="0"/>
-                </a:spcBef>
-                <a:spcAft>
-                  <a:spcPts val="0"/>
-                </a:spcAft>
-                <a:buNone/>
-              </a:pPr>
-              <a:endParaRPr/>
-            </a:p>
-          </p:txBody>
-        </p:sp>
-        <p:sp>
-          <p:nvSpPr>
-            <p:cNvPr id="13" name="Google Shape;13;p2"/>
-            <p:cNvSpPr/>
-            <p:nvPr/>
-          </p:nvSpPr>
-          <p:spPr>
-            <a:xfrm rot="10800000" flipH="1">
-              <a:off x="3517898" y="-7088"/>
-              <a:ext cx="5143500" cy="5143500"/>
-            </a:xfrm>
-            <a:prstGeom prst="rtTriangle">
-              <a:avLst/>
-            </a:prstGeom>
-            <a:solidFill>
-              <a:schemeClr val="accent4"/>
-            </a:solidFill>
-            <a:ln>
-              <a:noFill/>
-            </a:ln>
-          </p:spPr>
-          <p:txBody>
-            <a:bodyPr spcFirstLastPara="1" wrap="square" lIns="91425" tIns="91425" rIns="91425" bIns="91425" anchor="ctr" anchorCtr="0">
-              <a:noAutofit/>
-            </a:bodyPr>
-            <a:lstStyle/>
-            <a:p>
-              <a:pPr marL="0" lvl="0" indent="0" algn="l" rtl="0">
-                <a:spcBef>
-                  <a:spcPts val="0"/>
-                </a:spcBef>
-                <a:spcAft>
-                  <a:spcPts val="0"/>
-                </a:spcAft>
-                <a:buNone/>
-              </a:pPr>
-              <a:endParaRPr>
-                <a:latin typeface="Arvo"/>
-                <a:ea typeface="Arvo"/>
-                <a:cs typeface="Arvo"/>
-                <a:sym typeface="Arvo"/>
-              </a:endParaRPr>
-            </a:p>
-          </p:txBody>
-        </p:sp>
-      </p:grpSp>
-      <p:grpSp>
-        <p:nvGrpSpPr>
-          <p:cNvPr id="14" name="Google Shape;14;p2"/>
-          <p:cNvGrpSpPr/>
-          <p:nvPr/>
-        </p:nvGrpSpPr>
-        <p:grpSpPr>
-          <a:xfrm rot="10800000" flipH="1">
-            <a:off x="1" y="1090763"/>
-            <a:ext cx="8847502" cy="2961975"/>
-            <a:chOff x="-8178042" y="-4493254"/>
-            <a:chExt cx="19483598" cy="6522736"/>
-          </a:xfrm>
-        </p:grpSpPr>
-        <p:sp>
-          <p:nvSpPr>
-            <p:cNvPr id="15" name="Google Shape;15;p2"/>
-            <p:cNvSpPr/>
-            <p:nvPr/>
-          </p:nvSpPr>
-          <p:spPr>
-            <a:xfrm>
-              <a:off x="-8178042" y="-4493118"/>
-              <a:ext cx="12968400" cy="6522600"/>
-            </a:xfrm>
-            <a:prstGeom prst="rect">
-              <a:avLst/>
-            </a:prstGeom>
-            <a:solidFill>
-              <a:schemeClr val="accent1"/>
-            </a:solidFill>
-            <a:ln>
-              <a:noFill/>
-            </a:ln>
-          </p:spPr>
-          <p:txBody>
-            <a:bodyPr spcFirstLastPara="1" wrap="square" lIns="91425" tIns="91425" rIns="91425" bIns="91425" anchor="ctr" anchorCtr="0">
-              <a:noAutofit/>
-            </a:bodyPr>
-            <a:lstStyle/>
-            <a:p>
-              <a:pPr marL="0" lvl="0" indent="0" algn="l" rtl="0">
-                <a:spcBef>
-                  <a:spcPts val="0"/>
-                </a:spcBef>
-                <a:spcAft>
-                  <a:spcPts val="0"/>
-                </a:spcAft>
-                <a:buNone/>
-              </a:pPr>
-              <a:endParaRPr>
-                <a:latin typeface="Arvo"/>
-                <a:ea typeface="Arvo"/>
-                <a:cs typeface="Arvo"/>
-                <a:sym typeface="Arvo"/>
-              </a:endParaRPr>
-            </a:p>
-          </p:txBody>
-        </p:sp>
-        <p:sp>
-          <p:nvSpPr>
-            <p:cNvPr id="16" name="Google Shape;16;p2"/>
-            <p:cNvSpPr/>
-            <p:nvPr/>
-          </p:nvSpPr>
-          <p:spPr>
-            <a:xfrm>
-              <a:off x="4782955" y="-4493254"/>
-              <a:ext cx="6522600" cy="6522600"/>
-            </a:xfrm>
-            <a:prstGeom prst="rtTriangle">
-              <a:avLst/>
-            </a:prstGeom>
-            <a:solidFill>
-              <a:schemeClr val="accent1"/>
-            </a:solidFill>
-            <a:ln>
-              <a:noFill/>
-            </a:ln>
-          </p:spPr>
-          <p:txBody>
-            <a:bodyPr spcFirstLastPara="1" wrap="square" lIns="91425" tIns="91425" rIns="91425" bIns="91425" anchor="ctr" anchorCtr="0">
-              <a:noAutofit/>
-            </a:bodyPr>
-            <a:lstStyle/>
-            <a:p>
-              <a:pPr marL="0" lvl="0" indent="0" algn="l" rtl="0">
-                <a:spcBef>
-                  <a:spcPts val="0"/>
-                </a:spcBef>
-                <a:spcAft>
-                  <a:spcPts val="0"/>
-                </a:spcAft>
-                <a:buNone/>
-              </a:pPr>
-              <a:endParaRPr>
-                <a:latin typeface="Arvo"/>
-                <a:ea typeface="Arvo"/>
-                <a:cs typeface="Arvo"/>
-                <a:sym typeface="Arvo"/>
-              </a:endParaRPr>
-            </a:p>
-          </p:txBody>
-        </p:sp>
-      </p:grpSp>
-      <p:grpSp>
-        <p:nvGrpSpPr>
-          <p:cNvPr id="17" name="Google Shape;17;p2"/>
-          <p:cNvGrpSpPr/>
-          <p:nvPr/>
-        </p:nvGrpSpPr>
-        <p:grpSpPr>
-          <a:xfrm>
-            <a:off x="3677236" y="4278349"/>
-            <a:ext cx="5480829" cy="432996"/>
-            <a:chOff x="5582265" y="4646738"/>
-            <a:chExt cx="5480829" cy="432996"/>
-          </a:xfrm>
-        </p:grpSpPr>
-        <p:sp>
-          <p:nvSpPr>
-            <p:cNvPr id="18" name="Google Shape;18;p2"/>
-            <p:cNvSpPr/>
-            <p:nvPr/>
-          </p:nvSpPr>
-          <p:spPr>
-            <a:xfrm rot="10800000">
-              <a:off x="5582265" y="4948334"/>
-              <a:ext cx="394200" cy="131400"/>
-            </a:xfrm>
-            <a:prstGeom prst="triangle">
-              <a:avLst>
-                <a:gd name="adj" fmla="val 32425"/>
-              </a:avLst>
-            </a:prstGeom>
-            <a:solidFill>
-              <a:schemeClr val="accent6"/>
-            </a:solidFill>
-            <a:ln>
-              <a:noFill/>
-            </a:ln>
-          </p:spPr>
-          <p:txBody>
-            <a:bodyPr spcFirstLastPara="1" wrap="square" lIns="91425" tIns="91425" rIns="91425" bIns="91425" anchor="ctr" anchorCtr="0">
-              <a:noAutofit/>
-            </a:bodyPr>
-            <a:lstStyle/>
-            <a:p>
-              <a:pPr marL="0" lvl="0" indent="0" algn="l" rtl="0">
-                <a:spcBef>
-                  <a:spcPts val="0"/>
-                </a:spcBef>
-                <a:spcAft>
-                  <a:spcPts val="0"/>
-                </a:spcAft>
-                <a:buNone/>
-              </a:pPr>
-              <a:endParaRPr/>
-            </a:p>
-          </p:txBody>
-        </p:sp>
-        <p:grpSp>
-          <p:nvGrpSpPr>
-            <p:cNvPr id="19" name="Google Shape;19;p2"/>
-            <p:cNvGrpSpPr/>
-            <p:nvPr/>
-          </p:nvGrpSpPr>
-          <p:grpSpPr>
-            <a:xfrm flipH="1">
-              <a:off x="5585232" y="4646738"/>
-              <a:ext cx="5477861" cy="304551"/>
-              <a:chOff x="-24158748" y="330075"/>
-              <a:chExt cx="30568423" cy="1699506"/>
-            </a:xfrm>
-          </p:grpSpPr>
-          <p:sp>
-            <p:nvSpPr>
-              <p:cNvPr id="20" name="Google Shape;20;p2"/>
-              <p:cNvSpPr/>
-              <p:nvPr/>
-            </p:nvSpPr>
-            <p:spPr>
-              <a:xfrm>
-                <a:off x="-24158748" y="330081"/>
-                <a:ext cx="28908000" cy="1699500"/>
-              </a:xfrm>
-              <a:prstGeom prst="rect">
-                <a:avLst/>
-              </a:prstGeom>
-              <a:solidFill>
-                <a:schemeClr val="accent5"/>
-              </a:solidFill>
-              <a:ln>
-                <a:noFill/>
-              </a:ln>
-            </p:spPr>
-            <p:txBody>
-              <a:bodyPr spcFirstLastPara="1" wrap="square" lIns="91425" tIns="91425" rIns="91425" bIns="91425" anchor="ctr" anchorCtr="0">
-                <a:noAutofit/>
-              </a:bodyPr>
-              <a:lstStyle/>
-              <a:p>
-                <a:pPr marL="0" lvl="0" indent="0" algn="l" rtl="0">
-                  <a:spcBef>
-                    <a:spcPts val="0"/>
-                  </a:spcBef>
-                  <a:spcAft>
-                    <a:spcPts val="0"/>
-                  </a:spcAft>
-                  <a:buNone/>
-                </a:pPr>
-                <a:endParaRPr/>
-              </a:p>
-            </p:txBody>
-          </p:sp>
-          <p:sp>
-            <p:nvSpPr>
-              <p:cNvPr id="21" name="Google Shape;21;p2"/>
-              <p:cNvSpPr/>
-              <p:nvPr/>
-            </p:nvSpPr>
-            <p:spPr>
-              <a:xfrm>
-                <a:off x="4710175" y="330075"/>
-                <a:ext cx="1699500" cy="1699500"/>
-              </a:xfrm>
-              <a:prstGeom prst="rtTriangle">
-                <a:avLst/>
-              </a:prstGeom>
-              <a:solidFill>
-                <a:schemeClr val="accent5"/>
-              </a:solidFill>
-              <a:ln>
-                <a:noFill/>
-              </a:ln>
-            </p:spPr>
-            <p:txBody>
-              <a:bodyPr spcFirstLastPara="1" wrap="square" lIns="91425" tIns="91425" rIns="91425" bIns="91425" anchor="ctr" anchorCtr="0">
-                <a:noAutofit/>
-              </a:bodyPr>
-              <a:lstStyle/>
-              <a:p>
-                <a:pPr marL="0" lvl="0" indent="0" algn="l" rtl="0">
-                  <a:spcBef>
-                    <a:spcPts val="0"/>
-                  </a:spcBef>
-                  <a:spcAft>
-                    <a:spcPts val="0"/>
-                  </a:spcAft>
-                  <a:buNone/>
-                </a:pPr>
-                <a:endParaRPr/>
-              </a:p>
-            </p:txBody>
-          </p:sp>
-        </p:grpSp>
-      </p:grpSp>
-      <p:sp>
-        <p:nvSpPr>
-          <p:cNvPr id="22" name="Google Shape;22;p2"/>
-          <p:cNvSpPr txBox="1">
-            <a:spLocks noGrp="1"/>
-          </p:cNvSpPr>
-          <p:nvPr>
-            <p:ph type="ctrTitle"/>
-          </p:nvPr>
-        </p:nvSpPr>
-        <p:spPr>
-          <a:xfrm>
-            <a:off x="685800" y="1090750"/>
-            <a:ext cx="5367900" cy="2961900"/>
-          </a:xfrm>
-          <a:prstGeom prst="rect">
-            <a:avLst/>
-          </a:prstGeom>
-        </p:spPr>
-        <p:txBody>
-          <a:bodyPr spcFirstLastPara="1" wrap="square" lIns="91425" tIns="91425" rIns="91425" bIns="91425" anchor="ctr" anchorCtr="0">
-            <a:noAutofit/>
-          </a:bodyPr>
-          <a:lstStyle>
-            <a:lvl1pPr lvl="0">
-              <a:spcBef>
-                <a:spcPts val="0"/>
-              </a:spcBef>
-              <a:spcAft>
-                <a:spcPts val="0"/>
-              </a:spcAft>
-              <a:buSzPts val="4800"/>
-              <a:buNone/>
-              <a:defRPr sz="4800"/>
-            </a:lvl1pPr>
-            <a:lvl2pPr lvl="1" algn="ctr">
-              <a:spcBef>
-                <a:spcPts val="0"/>
-              </a:spcBef>
-              <a:spcAft>
-                <a:spcPts val="0"/>
-              </a:spcAft>
-              <a:buSzPts val="4800"/>
-              <a:buNone/>
-              <a:defRPr sz="4800"/>
-            </a:lvl2pPr>
-            <a:lvl3pPr lvl="2" algn="ctr">
-              <a:spcBef>
-                <a:spcPts val="0"/>
-              </a:spcBef>
-              <a:spcAft>
-                <a:spcPts val="0"/>
-              </a:spcAft>
-              <a:buSzPts val="4800"/>
-              <a:buNone/>
-              <a:defRPr sz="4800"/>
-            </a:lvl3pPr>
-            <a:lvl4pPr lvl="3" algn="ctr">
-              <a:spcBef>
-                <a:spcPts val="0"/>
-              </a:spcBef>
-              <a:spcAft>
-                <a:spcPts val="0"/>
-              </a:spcAft>
-              <a:buSzPts val="4800"/>
-              <a:buNone/>
-              <a:defRPr sz="4800"/>
-            </a:lvl4pPr>
-            <a:lvl5pPr lvl="4" algn="ctr">
-              <a:spcBef>
-                <a:spcPts val="0"/>
-              </a:spcBef>
-              <a:spcAft>
-                <a:spcPts val="0"/>
-              </a:spcAft>
-              <a:buSzPts val="4800"/>
-              <a:buNone/>
-              <a:defRPr sz="4800"/>
-            </a:lvl5pPr>
-            <a:lvl6pPr lvl="5" algn="ctr">
-              <a:spcBef>
-                <a:spcPts val="0"/>
-              </a:spcBef>
-              <a:spcAft>
-                <a:spcPts val="0"/>
-              </a:spcAft>
-              <a:buSzPts val="4800"/>
-              <a:buNone/>
-              <a:defRPr sz="4800"/>
-            </a:lvl6pPr>
-            <a:lvl7pPr lvl="6" algn="ctr">
-              <a:spcBef>
-                <a:spcPts val="0"/>
-              </a:spcBef>
-              <a:spcAft>
-                <a:spcPts val="0"/>
-              </a:spcAft>
-              <a:buSzPts val="4800"/>
-              <a:buNone/>
-              <a:defRPr sz="4800"/>
-            </a:lvl7pPr>
-            <a:lvl8pPr lvl="7" algn="ctr">
-              <a:spcBef>
-                <a:spcPts val="0"/>
-              </a:spcBef>
-              <a:spcAft>
-                <a:spcPts val="0"/>
-              </a:spcAft>
-              <a:buSzPts val="4800"/>
-              <a:buNone/>
-              <a:defRPr sz="4800"/>
-            </a:lvl8pPr>
-            <a:lvl9pPr lvl="8" algn="ctr">
-              <a:spcBef>
-                <a:spcPts val="0"/>
-              </a:spcBef>
-              <a:spcAft>
-                <a:spcPts val="0"/>
-              </a:spcAft>
-              <a:buSzPts val="4800"/>
-              <a:buNone/>
-              <a:defRPr sz="4800"/>
-            </a:lvl9pPr>
-          </a:lstStyle>
-          <a:p>
-            <a:endParaRPr/>
-          </a:p>
-        </p:txBody>
-      </p:sp>
-    </p:spTree>
-  </p:cSld>
-  <p:clrMapOvr>
-    <a:masterClrMapping/>
-  </p:clrMapOvr>
-</p:sldLayout>
-</file>
-
-<file path=ppt/slideLayouts/slideLayout2.xml><?xml version="1.0" encoding="utf-8"?>
 <p:sldLayout xmlns:a="http://schemas.openxmlformats.org/drawingml/2006/main" xmlns:r="http://schemas.openxmlformats.org/officeDocument/2006/relationships" xmlns:p="http://schemas.openxmlformats.org/presentationml/2006/main" matchingName="Title + 1 column" type="tx">
   <p:cSld name="TITLE_AND_BODY">
     <p:spTree>
@@ -3928,8 +2933,7 @@
   </p:cSld>
   <p:clrMap bg1="lt1" tx1="dk1" bg2="dk2" tx2="lt2" accent1="accent1" accent2="accent2" accent3="accent3" accent4="accent4" accent5="accent5" accent6="accent6" hlink="hlink" folHlink="folHlink"/>
   <p:sldLayoutIdLst>
-    <p:sldLayoutId id="2147483648" r:id="rId1"/>
-    <p:sldLayoutId id="2147483651" r:id="rId2"/>
+    <p:sldLayoutId id="2147483651" r:id="rId1"/>
   </p:sldLayoutIdLst>
   <p:transition>
     <p:fade thruBlk="1"/>
@@ -4632,2908 +3636,6 @@
   <p:cSld>
     <p:spTree>
       <p:nvGrpSpPr>
-        <p:cNvPr id="1" name="Shape 183"/>
-        <p:cNvGrpSpPr/>
-        <p:nvPr/>
-      </p:nvGrpSpPr>
-      <p:grpSpPr>
-        <a:xfrm>
-          <a:off x="0" y="0"/>
-          <a:ext cx="0" cy="0"/>
-          <a:chOff x="0" y="0"/>
-          <a:chExt cx="0" cy="0"/>
-        </a:xfrm>
-      </p:grpSpPr>
-      <p:sp>
-        <p:nvSpPr>
-          <p:cNvPr id="184" name="Google Shape;184;p11"/>
-          <p:cNvSpPr txBox="1">
-            <a:spLocks noGrp="1"/>
-          </p:cNvSpPr>
-          <p:nvPr>
-            <p:ph type="ctrTitle"/>
-          </p:nvPr>
-        </p:nvSpPr>
-        <p:spPr>
-          <a:xfrm>
-            <a:off x="685800" y="1090749"/>
-            <a:ext cx="6216614" cy="2974411"/>
-          </a:xfrm>
-          <a:prstGeom prst="rect">
-            <a:avLst/>
-          </a:prstGeom>
-        </p:spPr>
-        <p:txBody>
-          <a:bodyPr spcFirstLastPara="1" wrap="square" lIns="91425" tIns="91425" rIns="91425" bIns="91425" anchor="ctr" anchorCtr="0">
-            <a:noAutofit/>
-          </a:bodyPr>
-          <a:lstStyle/>
-          <a:p>
-            <a:pPr lvl="0"/>
-            <a:r>
-              <a:rPr lang="en" dirty="0"/>
-              <a:t>JPA Project</a:t>
-            </a:r>
-            <a:r>
-              <a:rPr lang="en" b="0" dirty="0"/>
-              <a:t> </a:t>
-            </a:r>
-            <a:r>
-              <a:rPr lang="en" sz="4400" b="0" dirty="0"/>
-              <a:t>– Group 91</a:t>
-            </a:r>
-            <a:br>
-              <a:rPr lang="en" dirty="0"/>
-            </a:br>
-            <a:r>
-              <a:rPr lang="en" sz="3200" dirty="0">
-                <a:solidFill>
-                  <a:srgbClr val="FF9800"/>
-                </a:solidFill>
-              </a:rPr>
-              <a:t>Data Bases 2</a:t>
-            </a:r>
-            <a:br>
-              <a:rPr lang="en" sz="1600" dirty="0">
-                <a:solidFill>
-                  <a:schemeClr val="bg1"/>
-                </a:solidFill>
-              </a:rPr>
-            </a:br>
-            <a:br>
-              <a:rPr lang="en" sz="900" dirty="0">
-                <a:solidFill>
-                  <a:schemeClr val="bg1"/>
-                </a:solidFill>
-              </a:rPr>
-            </a:br>
-            <a:br>
-              <a:rPr lang="en" sz="900" dirty="0">
-                <a:solidFill>
-                  <a:schemeClr val="bg1"/>
-                </a:solidFill>
-              </a:rPr>
-            </a:br>
-            <a:r>
-              <a:rPr lang="en" sz="1600" i="1" dirty="0">
-                <a:solidFill>
-                  <a:srgbClr val="FF9800"/>
-                </a:solidFill>
-              </a:rPr>
-              <a:t>Students		</a:t>
-            </a:r>
-            <a:r>
-              <a:rPr lang="en" sz="1400" i="1" dirty="0" err="1">
-                <a:solidFill>
-                  <a:srgbClr val="FF9800"/>
-                </a:solidFill>
-              </a:rPr>
-              <a:t>Codice</a:t>
-            </a:r>
-            <a:r>
-              <a:rPr lang="en" sz="1400" i="1" dirty="0">
-                <a:solidFill>
-                  <a:srgbClr val="FF9800"/>
-                </a:solidFill>
-              </a:rPr>
-              <a:t> persona</a:t>
-            </a:r>
-            <a:br>
-              <a:rPr lang="en" sz="1600" dirty="0">
-                <a:solidFill>
-                  <a:schemeClr val="bg1"/>
-                </a:solidFill>
-              </a:rPr>
-            </a:br>
-            <a:r>
-              <a:rPr lang="en" sz="1600" b="0" dirty="0">
-                <a:solidFill>
-                  <a:schemeClr val="bg1"/>
-                </a:solidFill>
-              </a:rPr>
-              <a:t>Vincenzo Riccio 	</a:t>
-            </a:r>
-            <a:r>
-              <a:rPr lang="en" sz="1600" b="0" i="1" dirty="0">
-                <a:solidFill>
-                  <a:schemeClr val="bg1"/>
-                </a:solidFill>
-              </a:rPr>
-              <a:t>10804402</a:t>
-            </a:r>
-            <a:br>
-              <a:rPr lang="en" sz="1600" b="0" dirty="0">
-                <a:solidFill>
-                  <a:schemeClr val="bg1"/>
-                </a:solidFill>
-              </a:rPr>
-            </a:br>
-            <a:r>
-              <a:rPr lang="en" sz="1600" b="0" dirty="0">
-                <a:solidFill>
-                  <a:schemeClr val="bg1"/>
-                </a:solidFill>
-              </a:rPr>
-              <a:t>Emanuele Triuzzi	</a:t>
-            </a:r>
-            <a:r>
-              <a:rPr lang="en" sz="1600" b="0" i="1" dirty="0">
-                <a:solidFill>
-                  <a:schemeClr val="bg1"/>
-                </a:solidFill>
-              </a:rPr>
-              <a:t>10794440</a:t>
-            </a:r>
-            <a:endParaRPr b="0" i="1" dirty="0"/>
-          </a:p>
-        </p:txBody>
-      </p:sp>
-      <p:sp>
-        <p:nvSpPr>
-          <p:cNvPr id="2" name="TextBox 1">
-            <a:extLst>
-              <a:ext uri="{FF2B5EF4-FFF2-40B4-BE49-F238E27FC236}">
-                <a16:creationId xmlns:a16="http://schemas.microsoft.com/office/drawing/2014/main" id="{9909465D-1488-4C39-8B83-357BE2E00F46}"/>
-              </a:ext>
-            </a:extLst>
-          </p:cNvPr>
-          <p:cNvSpPr txBox="1"/>
-          <p:nvPr/>
-        </p:nvSpPr>
-        <p:spPr>
-          <a:xfrm>
-            <a:off x="4127156" y="2916282"/>
-            <a:ext cx="1591253" cy="830997"/>
-          </a:xfrm>
-          <a:prstGeom prst="rect">
-            <a:avLst/>
-          </a:prstGeom>
-          <a:noFill/>
-        </p:spPr>
-        <p:txBody>
-          <a:bodyPr wrap="square" rtlCol="0">
-            <a:spAutoFit/>
-          </a:bodyPr>
-          <a:lstStyle/>
-          <a:p>
-            <a:pPr algn="r"/>
-            <a:r>
-              <a:rPr lang="en-GB" sz="1600" b="1" i="1" dirty="0">
-                <a:solidFill>
-                  <a:srgbClr val="FF9800"/>
-                </a:solidFill>
-                <a:latin typeface="Roboto Condensed"/>
-                <a:ea typeface="Roboto Condensed"/>
-                <a:sym typeface="Roboto Condensed"/>
-              </a:rPr>
-              <a:t>Professor</a:t>
-            </a:r>
-            <a:br>
-              <a:rPr lang="en-GB" sz="1600" b="1" i="1" dirty="0">
-                <a:solidFill>
-                  <a:srgbClr val="FF9800"/>
-                </a:solidFill>
-                <a:latin typeface="Roboto Condensed"/>
-                <a:ea typeface="Roboto Condensed"/>
-                <a:sym typeface="Roboto Condensed"/>
-              </a:rPr>
-            </a:br>
-            <a:r>
-              <a:rPr lang="en-GB" sz="1600" dirty="0">
-                <a:solidFill>
-                  <a:schemeClr val="bg1"/>
-                </a:solidFill>
-                <a:latin typeface="Roboto Condensed"/>
-                <a:ea typeface="Roboto Condensed"/>
-                <a:sym typeface="Roboto Condensed"/>
-              </a:rPr>
-              <a:t>Piero Fraternali</a:t>
-            </a:r>
-            <a:br>
-              <a:rPr lang="en-GB" sz="1600" b="1" dirty="0">
-                <a:solidFill>
-                  <a:schemeClr val="bg1"/>
-                </a:solidFill>
-                <a:latin typeface="Roboto Condensed"/>
-                <a:ea typeface="Roboto Condensed"/>
-                <a:sym typeface="Roboto Condensed"/>
-              </a:rPr>
-            </a:br>
-            <a:r>
-              <a:rPr lang="en-GB" sz="1600" i="1" dirty="0">
-                <a:solidFill>
-                  <a:srgbClr val="FF9800"/>
-                </a:solidFill>
-                <a:latin typeface="Roboto Condensed"/>
-                <a:ea typeface="Roboto Condensed"/>
-                <a:sym typeface="Roboto Condensed"/>
-              </a:rPr>
-              <a:t>A.Y. 2020-2021</a:t>
-            </a:r>
-          </a:p>
-        </p:txBody>
-      </p:sp>
-      <p:pic>
-        <p:nvPicPr>
-          <p:cNvPr id="4" name="Picture 3" descr="Text&#10;&#10;Description automatically generated">
-            <a:extLst>
-              <a:ext uri="{FF2B5EF4-FFF2-40B4-BE49-F238E27FC236}">
-                <a16:creationId xmlns:a16="http://schemas.microsoft.com/office/drawing/2014/main" id="{75E6EF5D-7901-4803-B72C-E0ACE94ABE70}"/>
-              </a:ext>
-            </a:extLst>
-          </p:cNvPr>
-          <p:cNvPicPr>
-            <a:picLocks noChangeAspect="1"/>
-          </p:cNvPicPr>
-          <p:nvPr/>
-        </p:nvPicPr>
-        <p:blipFill>
-          <a:blip r:embed="rId3"/>
-          <a:stretch>
-            <a:fillRect/>
-          </a:stretch>
-        </p:blipFill>
-        <p:spPr>
-          <a:xfrm>
-            <a:off x="685800" y="4159868"/>
-            <a:ext cx="2077504" cy="765795"/>
-          </a:xfrm>
-          <a:prstGeom prst="rect">
-            <a:avLst/>
-          </a:prstGeom>
-        </p:spPr>
-      </p:pic>
-      <p:sp>
-        <p:nvSpPr>
-          <p:cNvPr id="7" name="TextBox 6">
-            <a:extLst>
-              <a:ext uri="{FF2B5EF4-FFF2-40B4-BE49-F238E27FC236}">
-                <a16:creationId xmlns:a16="http://schemas.microsoft.com/office/drawing/2014/main" id="{FB03DB44-26B9-4A1D-8D1A-87A6F2CBA734}"/>
-              </a:ext>
-            </a:extLst>
-          </p:cNvPr>
-          <p:cNvSpPr txBox="1"/>
-          <p:nvPr/>
-        </p:nvSpPr>
-        <p:spPr>
-          <a:xfrm>
-            <a:off x="7598254" y="4286177"/>
-            <a:ext cx="1246312" cy="307777"/>
-          </a:xfrm>
-          <a:prstGeom prst="rect">
-            <a:avLst/>
-          </a:prstGeom>
-          <a:noFill/>
-        </p:spPr>
-        <p:txBody>
-          <a:bodyPr wrap="square">
-            <a:spAutoFit/>
-          </a:bodyPr>
-          <a:lstStyle/>
-          <a:p>
-            <a:r>
-              <a:rPr lang="en-GB" sz="1400" i="1" dirty="0">
-                <a:solidFill>
-                  <a:schemeClr val="bg1"/>
-                </a:solidFill>
-                <a:latin typeface="Roboto Condensed"/>
-                <a:ea typeface="Roboto Condensed"/>
-                <a:sym typeface="Roboto Condensed"/>
-              </a:rPr>
-              <a:t>20</a:t>
-            </a:r>
-            <a:r>
-              <a:rPr lang="en-GB" sz="1400" i="1" baseline="30000" dirty="0">
-                <a:solidFill>
-                  <a:schemeClr val="bg1"/>
-                </a:solidFill>
-                <a:latin typeface="Roboto Condensed"/>
-                <a:ea typeface="Roboto Condensed"/>
-                <a:sym typeface="Roboto Condensed"/>
-              </a:rPr>
-              <a:t>th</a:t>
-            </a:r>
-            <a:r>
-              <a:rPr lang="en-GB" sz="1400" i="1" dirty="0">
-                <a:solidFill>
-                  <a:schemeClr val="bg1"/>
-                </a:solidFill>
-                <a:latin typeface="Roboto Condensed"/>
-                <a:ea typeface="Roboto Condensed"/>
-                <a:sym typeface="Roboto Condensed"/>
-              </a:rPr>
-              <a:t> June, 2021</a:t>
-            </a:r>
-            <a:endParaRPr lang="en-GB" dirty="0">
-              <a:solidFill>
-                <a:schemeClr val="bg1"/>
-              </a:solidFill>
-            </a:endParaRPr>
-          </a:p>
-        </p:txBody>
-      </p:sp>
-    </p:spTree>
-  </p:cSld>
-  <p:clrMapOvr>
-    <a:masterClrMapping/>
-  </p:clrMapOvr>
-</p:sld>
-</file>
-
-<file path=ppt/slides/slide10.xml><?xml version="1.0" encoding="utf-8"?>
-<p:sld xmlns:a="http://schemas.openxmlformats.org/drawingml/2006/main" xmlns:r="http://schemas.openxmlformats.org/officeDocument/2006/relationships" xmlns:p="http://schemas.openxmlformats.org/presentationml/2006/main">
-  <p:cSld>
-    <p:spTree>
-      <p:nvGrpSpPr>
-        <p:cNvPr id="1" name="Shape 235"/>
-        <p:cNvGrpSpPr/>
-        <p:nvPr/>
-      </p:nvGrpSpPr>
-      <p:grpSpPr>
-        <a:xfrm>
-          <a:off x="0" y="0"/>
-          <a:ext cx="0" cy="0"/>
-          <a:chOff x="0" y="0"/>
-          <a:chExt cx="0" cy="0"/>
-        </a:xfrm>
-      </p:grpSpPr>
-      <p:sp>
-        <p:nvSpPr>
-          <p:cNvPr id="236" name="Google Shape;236;p16"/>
-          <p:cNvSpPr txBox="1">
-            <a:spLocks noGrp="1"/>
-          </p:cNvSpPr>
-          <p:nvPr>
-            <p:ph type="title"/>
-          </p:nvPr>
-        </p:nvSpPr>
-        <p:spPr>
-          <a:xfrm>
-            <a:off x="814275" y="392575"/>
-            <a:ext cx="5492400" cy="766200"/>
-          </a:xfrm>
-          <a:prstGeom prst="rect">
-            <a:avLst/>
-          </a:prstGeom>
-        </p:spPr>
-        <p:txBody>
-          <a:bodyPr spcFirstLastPara="1" wrap="square" lIns="91425" tIns="91425" rIns="91425" bIns="91425" anchor="ctr" anchorCtr="0">
-            <a:noAutofit/>
-          </a:bodyPr>
-          <a:lstStyle/>
-          <a:p>
-            <a:pPr lvl="0"/>
-            <a:r>
-              <a:rPr lang="en" dirty="0"/>
-              <a:t>Views: administrator</a:t>
-            </a:r>
-            <a:endParaRPr dirty="0"/>
-          </a:p>
-        </p:txBody>
-      </p:sp>
-      <p:sp>
-        <p:nvSpPr>
-          <p:cNvPr id="238" name="Google Shape;238;p16"/>
-          <p:cNvSpPr txBox="1">
-            <a:spLocks noGrp="1"/>
-          </p:cNvSpPr>
-          <p:nvPr>
-            <p:ph type="sldNum" idx="12"/>
-          </p:nvPr>
-        </p:nvSpPr>
-        <p:spPr>
-          <a:xfrm>
-            <a:off x="7618000" y="4636500"/>
-            <a:ext cx="1487400" cy="315600"/>
-          </a:xfrm>
-          <a:prstGeom prst="rect">
-            <a:avLst/>
-          </a:prstGeom>
-        </p:spPr>
-        <p:txBody>
-          <a:bodyPr spcFirstLastPara="1" wrap="square" lIns="91425" tIns="91425" rIns="91425" bIns="91425" anchor="ctr" anchorCtr="0">
-            <a:noAutofit/>
-          </a:bodyPr>
-          <a:lstStyle/>
-          <a:p>
-            <a:pPr marL="0" lvl="0" indent="0" algn="r" rtl="0">
-              <a:spcBef>
-                <a:spcPts val="0"/>
-              </a:spcBef>
-              <a:spcAft>
-                <a:spcPts val="0"/>
-              </a:spcAft>
-              <a:buNone/>
-            </a:pPr>
-            <a:fld id="{00000000-1234-1234-1234-123412341234}" type="slidenum">
-              <a:rPr lang="en"/>
-              <a:t>10</a:t>
-            </a:fld>
-            <a:endParaRPr/>
-          </a:p>
-        </p:txBody>
-      </p:sp>
-      <p:sp>
-        <p:nvSpPr>
-          <p:cNvPr id="25" name="Google Shape;193;p12">
-            <a:extLst>
-              <a:ext uri="{FF2B5EF4-FFF2-40B4-BE49-F238E27FC236}">
-                <a16:creationId xmlns:a16="http://schemas.microsoft.com/office/drawing/2014/main" id="{DC8A4BBC-0CC8-DF4A-90F1-4C9EFA84B777}"/>
-              </a:ext>
-            </a:extLst>
-          </p:cNvPr>
-          <p:cNvSpPr txBox="1">
-            <a:spLocks noGrp="1"/>
-          </p:cNvSpPr>
-          <p:nvPr>
-            <p:ph type="body" idx="1"/>
-          </p:nvPr>
-        </p:nvSpPr>
-        <p:spPr>
-          <a:xfrm>
-            <a:off x="61388" y="1268537"/>
-            <a:ext cx="8398800" cy="2944019"/>
-          </a:xfrm>
-          <a:prstGeom prst="rect">
-            <a:avLst/>
-          </a:prstGeom>
-        </p:spPr>
-        <p:txBody>
-          <a:bodyPr spcFirstLastPara="1" wrap="square" lIns="91425" tIns="91425" rIns="91425" bIns="91425" anchor="ctr" anchorCtr="0">
-            <a:noAutofit/>
-          </a:bodyPr>
-          <a:lstStyle/>
-          <a:p>
-            <a:pPr>
-              <a:spcBef>
-                <a:spcPts val="1200"/>
-              </a:spcBef>
-              <a:buSzPct val="120000"/>
-            </a:pPr>
-            <a:r>
-              <a:rPr lang="en-GB" sz="1500" noProof="1">
-                <a:latin typeface="Roboto Mono" pitchFamily="49" charset="0"/>
-                <a:ea typeface="Roboto Mono" pitchFamily="49" charset="0"/>
-                <a:cs typeface="Courier New" panose="02070309020205020404" pitchFamily="49" charset="0"/>
-              </a:rPr>
-              <a:t>adminHome.html</a:t>
-            </a:r>
-            <a:r>
-              <a:rPr lang="en-GB" sz="1500" noProof="1"/>
-              <a:t>: </a:t>
-            </a:r>
-            <a:r>
-              <a:rPr lang="en-GB" sz="1600" dirty="0"/>
-              <a:t>the home page of an administrator. It contains the product of the day and the links for the creation, the inspection and the deletion pages.</a:t>
-            </a:r>
-            <a:endParaRPr lang="en-GB" sz="1500" noProof="1"/>
-          </a:p>
-          <a:p>
-            <a:pPr>
-              <a:spcBef>
-                <a:spcPts val="1200"/>
-              </a:spcBef>
-              <a:buSzPct val="120000"/>
-            </a:pPr>
-            <a:r>
-              <a:rPr lang="en-GB" sz="1500" noProof="1">
-                <a:latin typeface="Roboto Mono" pitchFamily="49" charset="0"/>
-                <a:ea typeface="Roboto Mono" pitchFamily="49" charset="0"/>
-                <a:cs typeface="Courier New" panose="02070309020205020404" pitchFamily="49" charset="0"/>
-              </a:rPr>
-              <a:t>creationPage.html</a:t>
-            </a:r>
-            <a:r>
-              <a:rPr lang="en-GB" sz="1500" noProof="1"/>
-              <a:t>: the creation page for a product. It includes the form for creating the product</a:t>
-            </a:r>
-          </a:p>
-          <a:p>
-            <a:pPr>
-              <a:spcBef>
-                <a:spcPts val="1200"/>
-              </a:spcBef>
-              <a:buSzPct val="120000"/>
-            </a:pPr>
-            <a:r>
-              <a:rPr lang="en-GB" sz="1500" noProof="1">
-                <a:latin typeface="Roboto Mono" pitchFamily="49" charset="0"/>
-                <a:ea typeface="Roboto Mono" pitchFamily="49" charset="0"/>
-                <a:cs typeface="Courier New" panose="02070309020205020404" pitchFamily="49" charset="0"/>
-              </a:rPr>
-              <a:t>inspectionPage.html</a:t>
-            </a:r>
-            <a:r>
-              <a:rPr lang="en-GB" sz="1500" noProof="1"/>
-              <a:t>: the inspection page for a past product. It allows to inspect the reviews of a past date </a:t>
-            </a:r>
-          </a:p>
-          <a:p>
-            <a:pPr>
-              <a:spcBef>
-                <a:spcPts val="1200"/>
-              </a:spcBef>
-              <a:buSzPct val="120000"/>
-            </a:pPr>
-            <a:r>
-              <a:rPr lang="en-GB" sz="1500" noProof="1">
-                <a:latin typeface="Roboto Mono" pitchFamily="49" charset="0"/>
-                <a:ea typeface="Roboto Mono" pitchFamily="49" charset="0"/>
-                <a:cs typeface="Courier New" panose="02070309020205020404" pitchFamily="49" charset="0"/>
-              </a:rPr>
-              <a:t>deletionPage.html</a:t>
-            </a:r>
-            <a:r>
-              <a:rPr lang="en-GB" sz="1500" noProof="1"/>
-              <a:t>: the deletion page for erasing the questionnaire data of a past product</a:t>
-            </a:r>
-          </a:p>
-        </p:txBody>
-      </p:sp>
-      <p:grpSp>
-        <p:nvGrpSpPr>
-          <p:cNvPr id="26" name="Google Shape;1014;p46">
-            <a:extLst>
-              <a:ext uri="{FF2B5EF4-FFF2-40B4-BE49-F238E27FC236}">
-                <a16:creationId xmlns:a16="http://schemas.microsoft.com/office/drawing/2014/main" id="{36B0FC23-0F8A-D945-9326-369654E1FE14}"/>
-              </a:ext>
-            </a:extLst>
-          </p:cNvPr>
-          <p:cNvGrpSpPr/>
-          <p:nvPr/>
-        </p:nvGrpSpPr>
-        <p:grpSpPr>
-          <a:xfrm>
-            <a:off x="222577" y="599765"/>
-            <a:ext cx="349624" cy="331179"/>
-            <a:chOff x="2583100" y="2973775"/>
-            <a:chExt cx="461550" cy="437200"/>
-          </a:xfrm>
-        </p:grpSpPr>
-        <p:sp>
-          <p:nvSpPr>
-            <p:cNvPr id="27" name="Google Shape;1015;p46">
-              <a:extLst>
-                <a:ext uri="{FF2B5EF4-FFF2-40B4-BE49-F238E27FC236}">
-                  <a16:creationId xmlns:a16="http://schemas.microsoft.com/office/drawing/2014/main" id="{18A24707-8497-9746-82E8-F4378AE7771B}"/>
-                </a:ext>
-              </a:extLst>
-            </p:cNvPr>
-            <p:cNvSpPr/>
-            <p:nvPr/>
-          </p:nvSpPr>
-          <p:spPr>
-            <a:xfrm>
-              <a:off x="2701225" y="3315975"/>
-              <a:ext cx="225300" cy="95000"/>
-            </a:xfrm>
-            <a:custGeom>
-              <a:avLst/>
-              <a:gdLst/>
-              <a:ahLst/>
-              <a:cxnLst/>
-              <a:rect l="l" t="t" r="r" b="b"/>
-              <a:pathLst>
-                <a:path w="9012" h="3800" fill="none" extrusionOk="0">
-                  <a:moveTo>
-                    <a:pt x="2947" y="0"/>
-                  </a:moveTo>
-                  <a:lnTo>
-                    <a:pt x="2947" y="2947"/>
-                  </a:lnTo>
-                  <a:lnTo>
-                    <a:pt x="853" y="2947"/>
-                  </a:lnTo>
-                  <a:lnTo>
-                    <a:pt x="853" y="2947"/>
-                  </a:lnTo>
-                  <a:lnTo>
-                    <a:pt x="682" y="2947"/>
-                  </a:lnTo>
-                  <a:lnTo>
-                    <a:pt x="512" y="2996"/>
-                  </a:lnTo>
-                  <a:lnTo>
-                    <a:pt x="365" y="3093"/>
-                  </a:lnTo>
-                  <a:lnTo>
-                    <a:pt x="244" y="3191"/>
-                  </a:lnTo>
-                  <a:lnTo>
-                    <a:pt x="146" y="3313"/>
-                  </a:lnTo>
-                  <a:lnTo>
-                    <a:pt x="49" y="3459"/>
-                  </a:lnTo>
-                  <a:lnTo>
-                    <a:pt x="0" y="3629"/>
-                  </a:lnTo>
-                  <a:lnTo>
-                    <a:pt x="0" y="3800"/>
-                  </a:lnTo>
-                  <a:lnTo>
-                    <a:pt x="9011" y="3800"/>
-                  </a:lnTo>
-                  <a:lnTo>
-                    <a:pt x="9011" y="3800"/>
-                  </a:lnTo>
-                  <a:lnTo>
-                    <a:pt x="9011" y="3629"/>
-                  </a:lnTo>
-                  <a:lnTo>
-                    <a:pt x="8963" y="3459"/>
-                  </a:lnTo>
-                  <a:lnTo>
-                    <a:pt x="8865" y="3313"/>
-                  </a:lnTo>
-                  <a:lnTo>
-                    <a:pt x="8768" y="3191"/>
-                  </a:lnTo>
-                  <a:lnTo>
-                    <a:pt x="8646" y="3093"/>
-                  </a:lnTo>
-                  <a:lnTo>
-                    <a:pt x="8500" y="2996"/>
-                  </a:lnTo>
-                  <a:lnTo>
-                    <a:pt x="8330" y="2947"/>
-                  </a:lnTo>
-                  <a:lnTo>
-                    <a:pt x="8159" y="2947"/>
-                  </a:lnTo>
-                  <a:lnTo>
-                    <a:pt x="6065" y="2947"/>
-                  </a:lnTo>
-                  <a:lnTo>
-                    <a:pt x="6065" y="0"/>
-                  </a:lnTo>
-                </a:path>
-              </a:pathLst>
-            </a:custGeom>
-            <a:noFill/>
-            <a:ln w="12175" cap="rnd" cmpd="sng">
-              <a:solidFill>
-                <a:schemeClr val="accent5"/>
-              </a:solidFill>
-              <a:prstDash val="solid"/>
-              <a:round/>
-              <a:headEnd type="none" w="sm" len="sm"/>
-              <a:tailEnd type="none" w="sm" len="sm"/>
-            </a:ln>
-          </p:spPr>
-          <p:txBody>
-            <a:bodyPr spcFirstLastPara="1" wrap="square" lIns="91425" tIns="91425" rIns="91425" bIns="91425" anchor="ctr" anchorCtr="0">
-              <a:noAutofit/>
-            </a:bodyPr>
-            <a:lstStyle/>
-            <a:p>
-              <a:pPr marL="0" lvl="0" indent="0" algn="l" rtl="0">
-                <a:spcBef>
-                  <a:spcPts val="0"/>
-                </a:spcBef>
-                <a:spcAft>
-                  <a:spcPts val="0"/>
-                </a:spcAft>
-                <a:buNone/>
-              </a:pPr>
-              <a:endParaRPr/>
-            </a:p>
-          </p:txBody>
-        </p:sp>
-        <p:sp>
-          <p:nvSpPr>
-            <p:cNvPr id="28" name="Google Shape;1016;p46">
-              <a:extLst>
-                <a:ext uri="{FF2B5EF4-FFF2-40B4-BE49-F238E27FC236}">
-                  <a16:creationId xmlns:a16="http://schemas.microsoft.com/office/drawing/2014/main" id="{B14D1393-5971-CC4D-8390-B80EEBE46938}"/>
-                </a:ext>
-              </a:extLst>
-            </p:cNvPr>
-            <p:cNvSpPr/>
-            <p:nvPr/>
-          </p:nvSpPr>
-          <p:spPr>
-            <a:xfrm>
-              <a:off x="2583100" y="2973775"/>
-              <a:ext cx="461550" cy="336125"/>
-            </a:xfrm>
-            <a:custGeom>
-              <a:avLst/>
-              <a:gdLst/>
-              <a:ahLst/>
-              <a:cxnLst/>
-              <a:rect l="l" t="t" r="r" b="b"/>
-              <a:pathLst>
-                <a:path w="18462" h="13445" fill="none" extrusionOk="0">
-                  <a:moveTo>
-                    <a:pt x="17974" y="1"/>
-                  </a:moveTo>
-                  <a:lnTo>
-                    <a:pt x="487" y="1"/>
-                  </a:lnTo>
-                  <a:lnTo>
-                    <a:pt x="487" y="1"/>
-                  </a:lnTo>
-                  <a:lnTo>
-                    <a:pt x="390" y="1"/>
-                  </a:lnTo>
-                  <a:lnTo>
-                    <a:pt x="317" y="50"/>
-                  </a:lnTo>
-                  <a:lnTo>
-                    <a:pt x="220" y="74"/>
-                  </a:lnTo>
-                  <a:lnTo>
-                    <a:pt x="146" y="147"/>
-                  </a:lnTo>
-                  <a:lnTo>
-                    <a:pt x="98" y="220"/>
-                  </a:lnTo>
-                  <a:lnTo>
-                    <a:pt x="49" y="293"/>
-                  </a:lnTo>
-                  <a:lnTo>
-                    <a:pt x="25" y="390"/>
-                  </a:lnTo>
-                  <a:lnTo>
-                    <a:pt x="0" y="488"/>
-                  </a:lnTo>
-                  <a:lnTo>
-                    <a:pt x="0" y="12958"/>
-                  </a:lnTo>
-                  <a:lnTo>
-                    <a:pt x="0" y="12958"/>
-                  </a:lnTo>
-                  <a:lnTo>
-                    <a:pt x="25" y="13055"/>
-                  </a:lnTo>
-                  <a:lnTo>
-                    <a:pt x="49" y="13152"/>
-                  </a:lnTo>
-                  <a:lnTo>
-                    <a:pt x="98" y="13226"/>
-                  </a:lnTo>
-                  <a:lnTo>
-                    <a:pt x="146" y="13299"/>
-                  </a:lnTo>
-                  <a:lnTo>
-                    <a:pt x="220" y="13372"/>
-                  </a:lnTo>
-                  <a:lnTo>
-                    <a:pt x="317" y="13396"/>
-                  </a:lnTo>
-                  <a:lnTo>
-                    <a:pt x="390" y="13445"/>
-                  </a:lnTo>
-                  <a:lnTo>
-                    <a:pt x="487" y="13445"/>
-                  </a:lnTo>
-                  <a:lnTo>
-                    <a:pt x="17974" y="13445"/>
-                  </a:lnTo>
-                  <a:lnTo>
-                    <a:pt x="17974" y="13445"/>
-                  </a:lnTo>
-                  <a:lnTo>
-                    <a:pt x="18072" y="13445"/>
-                  </a:lnTo>
-                  <a:lnTo>
-                    <a:pt x="18145" y="13396"/>
-                  </a:lnTo>
-                  <a:lnTo>
-                    <a:pt x="18242" y="13372"/>
-                  </a:lnTo>
-                  <a:lnTo>
-                    <a:pt x="18315" y="13299"/>
-                  </a:lnTo>
-                  <a:lnTo>
-                    <a:pt x="18364" y="13226"/>
-                  </a:lnTo>
-                  <a:lnTo>
-                    <a:pt x="18413" y="13152"/>
-                  </a:lnTo>
-                  <a:lnTo>
-                    <a:pt x="18437" y="13055"/>
-                  </a:lnTo>
-                  <a:lnTo>
-                    <a:pt x="18461" y="12958"/>
-                  </a:lnTo>
-                  <a:lnTo>
-                    <a:pt x="18461" y="488"/>
-                  </a:lnTo>
-                  <a:lnTo>
-                    <a:pt x="18461" y="488"/>
-                  </a:lnTo>
-                  <a:lnTo>
-                    <a:pt x="18437" y="390"/>
-                  </a:lnTo>
-                  <a:lnTo>
-                    <a:pt x="18413" y="293"/>
-                  </a:lnTo>
-                  <a:lnTo>
-                    <a:pt x="18364" y="220"/>
-                  </a:lnTo>
-                  <a:lnTo>
-                    <a:pt x="18315" y="147"/>
-                  </a:lnTo>
-                  <a:lnTo>
-                    <a:pt x="18242" y="74"/>
-                  </a:lnTo>
-                  <a:lnTo>
-                    <a:pt x="18145" y="50"/>
-                  </a:lnTo>
-                  <a:lnTo>
-                    <a:pt x="18072" y="1"/>
-                  </a:lnTo>
-                  <a:lnTo>
-                    <a:pt x="17974" y="1"/>
-                  </a:lnTo>
-                  <a:lnTo>
-                    <a:pt x="17974" y="1"/>
-                  </a:lnTo>
-                  <a:close/>
-                  <a:moveTo>
-                    <a:pt x="17000" y="11983"/>
-                  </a:moveTo>
-                  <a:lnTo>
-                    <a:pt x="1462" y="11983"/>
-                  </a:lnTo>
-                  <a:lnTo>
-                    <a:pt x="1462" y="1462"/>
-                  </a:lnTo>
-                  <a:lnTo>
-                    <a:pt x="17000" y="1462"/>
-                  </a:lnTo>
-                  <a:lnTo>
-                    <a:pt x="17000" y="11983"/>
-                  </a:lnTo>
-                  <a:close/>
-                </a:path>
-              </a:pathLst>
-            </a:custGeom>
-            <a:noFill/>
-            <a:ln w="12175" cap="rnd" cmpd="sng">
-              <a:solidFill>
-                <a:schemeClr val="accent5"/>
-              </a:solidFill>
-              <a:prstDash val="solid"/>
-              <a:round/>
-              <a:headEnd type="none" w="sm" len="sm"/>
-              <a:tailEnd type="none" w="sm" len="sm"/>
-            </a:ln>
-          </p:spPr>
-          <p:txBody>
-            <a:bodyPr spcFirstLastPara="1" wrap="square" lIns="91425" tIns="91425" rIns="91425" bIns="91425" anchor="ctr" anchorCtr="0">
-              <a:noAutofit/>
-            </a:bodyPr>
-            <a:lstStyle/>
-            <a:p>
-              <a:pPr marL="0" lvl="0" indent="0" algn="l" rtl="0">
-                <a:spcBef>
-                  <a:spcPts val="0"/>
-                </a:spcBef>
-                <a:spcAft>
-                  <a:spcPts val="0"/>
-                </a:spcAft>
-                <a:buNone/>
-              </a:pPr>
-              <a:endParaRPr/>
-            </a:p>
-          </p:txBody>
-        </p:sp>
-      </p:grpSp>
-    </p:spTree>
-    <p:extLst>
-      <p:ext uri="{BB962C8B-B14F-4D97-AF65-F5344CB8AC3E}">
-        <p14:creationId xmlns:p14="http://schemas.microsoft.com/office/powerpoint/2010/main" val="1699396584"/>
-      </p:ext>
-    </p:extLst>
-  </p:cSld>
-  <p:clrMapOvr>
-    <a:masterClrMapping/>
-  </p:clrMapOvr>
-</p:sld>
-</file>
-
-<file path=ppt/slides/slide2.xml><?xml version="1.0" encoding="utf-8"?>
-<p:sld xmlns:a="http://schemas.openxmlformats.org/drawingml/2006/main" xmlns:r="http://schemas.openxmlformats.org/officeDocument/2006/relationships" xmlns:p="http://schemas.openxmlformats.org/presentationml/2006/main">
-  <p:cSld>
-    <p:spTree>
-      <p:nvGrpSpPr>
-        <p:cNvPr id="1" name="Shape 235"/>
-        <p:cNvGrpSpPr/>
-        <p:nvPr/>
-      </p:nvGrpSpPr>
-      <p:grpSpPr>
-        <a:xfrm>
-          <a:off x="0" y="0"/>
-          <a:ext cx="0" cy="0"/>
-          <a:chOff x="0" y="0"/>
-          <a:chExt cx="0" cy="0"/>
-        </a:xfrm>
-      </p:grpSpPr>
-      <p:pic>
-        <p:nvPicPr>
-          <p:cNvPr id="3" name="Immagine 2">
-            <a:extLst>
-              <a:ext uri="{FF2B5EF4-FFF2-40B4-BE49-F238E27FC236}">
-                <a16:creationId xmlns:a16="http://schemas.microsoft.com/office/drawing/2014/main" id="{2924D049-3ABA-684E-AD77-231AD3F59C56}"/>
-              </a:ext>
-            </a:extLst>
-          </p:cNvPr>
-          <p:cNvPicPr>
-            <a:picLocks noChangeAspect="1"/>
-          </p:cNvPicPr>
-          <p:nvPr/>
-        </p:nvPicPr>
-        <p:blipFill rotWithShape="1">
-          <a:blip r:embed="rId3"/>
-          <a:srcRect t="3169" b="5056"/>
-          <a:stretch/>
-        </p:blipFill>
-        <p:spPr>
-          <a:xfrm>
-            <a:off x="47711" y="1326713"/>
-            <a:ext cx="6888137" cy="3762564"/>
-          </a:xfrm>
-          <a:prstGeom prst="rect">
-            <a:avLst/>
-          </a:prstGeom>
-        </p:spPr>
-      </p:pic>
-      <p:sp>
-        <p:nvSpPr>
-          <p:cNvPr id="236" name="Google Shape;236;p16"/>
-          <p:cNvSpPr txBox="1">
-            <a:spLocks noGrp="1"/>
-          </p:cNvSpPr>
-          <p:nvPr>
-            <p:ph type="title"/>
-          </p:nvPr>
-        </p:nvSpPr>
-        <p:spPr>
-          <a:xfrm>
-            <a:off x="814275" y="392575"/>
-            <a:ext cx="5492400" cy="766200"/>
-          </a:xfrm>
-          <a:prstGeom prst="rect">
-            <a:avLst/>
-          </a:prstGeom>
-        </p:spPr>
-        <p:txBody>
-          <a:bodyPr spcFirstLastPara="1" wrap="square" lIns="91425" tIns="91425" rIns="91425" bIns="91425" anchor="ctr" anchorCtr="0">
-            <a:noAutofit/>
-          </a:bodyPr>
-          <a:lstStyle/>
-          <a:p>
-            <a:pPr marL="0" lvl="0" indent="0" algn="l" rtl="0">
-              <a:spcBef>
-                <a:spcPts val="0"/>
-              </a:spcBef>
-              <a:spcAft>
-                <a:spcPts val="0"/>
-              </a:spcAft>
-              <a:buNone/>
-            </a:pPr>
-            <a:r>
-              <a:rPr lang="en" dirty="0"/>
-              <a:t>Entity Relationship</a:t>
-            </a:r>
-            <a:endParaRPr dirty="0"/>
-          </a:p>
-        </p:txBody>
-      </p:sp>
-      <p:sp>
-        <p:nvSpPr>
-          <p:cNvPr id="238" name="Google Shape;238;p16"/>
-          <p:cNvSpPr txBox="1">
-            <a:spLocks noGrp="1"/>
-          </p:cNvSpPr>
-          <p:nvPr>
-            <p:ph type="sldNum" idx="12"/>
-          </p:nvPr>
-        </p:nvSpPr>
-        <p:spPr>
-          <a:xfrm>
-            <a:off x="7618000" y="4636500"/>
-            <a:ext cx="1487400" cy="315600"/>
-          </a:xfrm>
-          <a:prstGeom prst="rect">
-            <a:avLst/>
-          </a:prstGeom>
-        </p:spPr>
-        <p:txBody>
-          <a:bodyPr spcFirstLastPara="1" wrap="square" lIns="91425" tIns="91425" rIns="91425" bIns="91425" anchor="ctr" anchorCtr="0">
-            <a:noAutofit/>
-          </a:bodyPr>
-          <a:lstStyle/>
-          <a:p>
-            <a:pPr marL="0" lvl="0" indent="0" algn="r" rtl="0">
-              <a:spcBef>
-                <a:spcPts val="0"/>
-              </a:spcBef>
-              <a:spcAft>
-                <a:spcPts val="0"/>
-              </a:spcAft>
-              <a:buNone/>
-            </a:pPr>
-            <a:fld id="{00000000-1234-1234-1234-123412341234}" type="slidenum">
-              <a:rPr lang="en"/>
-              <a:t>2</a:t>
-            </a:fld>
-            <a:endParaRPr dirty="0"/>
-          </a:p>
-        </p:txBody>
-      </p:sp>
-      <p:grpSp>
-        <p:nvGrpSpPr>
-          <p:cNvPr id="13" name="Google Shape;1266;p46">
-            <a:extLst>
-              <a:ext uri="{FF2B5EF4-FFF2-40B4-BE49-F238E27FC236}">
-                <a16:creationId xmlns:a16="http://schemas.microsoft.com/office/drawing/2014/main" id="{581CA542-2380-9944-A343-D534B681B847}"/>
-              </a:ext>
-            </a:extLst>
-          </p:cNvPr>
-          <p:cNvGrpSpPr/>
-          <p:nvPr/>
-        </p:nvGrpSpPr>
-        <p:grpSpPr>
-          <a:xfrm>
-            <a:off x="252853" y="606715"/>
-            <a:ext cx="407743" cy="391135"/>
-            <a:chOff x="5233525" y="4954450"/>
-            <a:chExt cx="538275" cy="516350"/>
-          </a:xfrm>
-        </p:grpSpPr>
-        <p:sp>
-          <p:nvSpPr>
-            <p:cNvPr id="14" name="Google Shape;1267;p46">
-              <a:extLst>
-                <a:ext uri="{FF2B5EF4-FFF2-40B4-BE49-F238E27FC236}">
-                  <a16:creationId xmlns:a16="http://schemas.microsoft.com/office/drawing/2014/main" id="{926E6E37-C76A-6B44-9077-E2106F9DDBB8}"/>
-                </a:ext>
-              </a:extLst>
-            </p:cNvPr>
-            <p:cNvSpPr/>
-            <p:nvPr/>
-          </p:nvSpPr>
-          <p:spPr>
-            <a:xfrm>
-              <a:off x="5637825" y="4954450"/>
-              <a:ext cx="89525" cy="89525"/>
-            </a:xfrm>
-            <a:custGeom>
-              <a:avLst/>
-              <a:gdLst/>
-              <a:ahLst/>
-              <a:cxnLst/>
-              <a:rect l="l" t="t" r="r" b="b"/>
-              <a:pathLst>
-                <a:path w="3581" h="3581" fill="none" extrusionOk="0">
-                  <a:moveTo>
-                    <a:pt x="1023" y="3410"/>
-                  </a:moveTo>
-                  <a:lnTo>
-                    <a:pt x="1023" y="3410"/>
-                  </a:lnTo>
-                  <a:lnTo>
-                    <a:pt x="1193" y="3483"/>
-                  </a:lnTo>
-                  <a:lnTo>
-                    <a:pt x="1388" y="3532"/>
-                  </a:lnTo>
-                  <a:lnTo>
-                    <a:pt x="1583" y="3556"/>
-                  </a:lnTo>
-                  <a:lnTo>
-                    <a:pt x="1778" y="3581"/>
-                  </a:lnTo>
-                  <a:lnTo>
-                    <a:pt x="1778" y="3581"/>
-                  </a:lnTo>
-                  <a:lnTo>
-                    <a:pt x="1973" y="3556"/>
-                  </a:lnTo>
-                  <a:lnTo>
-                    <a:pt x="2143" y="3532"/>
-                  </a:lnTo>
-                  <a:lnTo>
-                    <a:pt x="2314" y="3508"/>
-                  </a:lnTo>
-                  <a:lnTo>
-                    <a:pt x="2484" y="3435"/>
-                  </a:lnTo>
-                  <a:lnTo>
-                    <a:pt x="2630" y="3361"/>
-                  </a:lnTo>
-                  <a:lnTo>
-                    <a:pt x="2776" y="3264"/>
-                  </a:lnTo>
-                  <a:lnTo>
-                    <a:pt x="2923" y="3167"/>
-                  </a:lnTo>
-                  <a:lnTo>
-                    <a:pt x="3044" y="3045"/>
-                  </a:lnTo>
-                  <a:lnTo>
-                    <a:pt x="3166" y="2923"/>
-                  </a:lnTo>
-                  <a:lnTo>
-                    <a:pt x="3264" y="2801"/>
-                  </a:lnTo>
-                  <a:lnTo>
-                    <a:pt x="3361" y="2631"/>
-                  </a:lnTo>
-                  <a:lnTo>
-                    <a:pt x="3434" y="2485"/>
-                  </a:lnTo>
-                  <a:lnTo>
-                    <a:pt x="3483" y="2314"/>
-                  </a:lnTo>
-                  <a:lnTo>
-                    <a:pt x="3531" y="2144"/>
-                  </a:lnTo>
-                  <a:lnTo>
-                    <a:pt x="3556" y="1973"/>
-                  </a:lnTo>
-                  <a:lnTo>
-                    <a:pt x="3580" y="1803"/>
-                  </a:lnTo>
-                  <a:lnTo>
-                    <a:pt x="3580" y="1803"/>
-                  </a:lnTo>
-                  <a:lnTo>
-                    <a:pt x="3556" y="1608"/>
-                  </a:lnTo>
-                  <a:lnTo>
-                    <a:pt x="3531" y="1437"/>
-                  </a:lnTo>
-                  <a:lnTo>
-                    <a:pt x="3483" y="1267"/>
-                  </a:lnTo>
-                  <a:lnTo>
-                    <a:pt x="3434" y="1096"/>
-                  </a:lnTo>
-                  <a:lnTo>
-                    <a:pt x="3361" y="950"/>
-                  </a:lnTo>
-                  <a:lnTo>
-                    <a:pt x="3264" y="804"/>
-                  </a:lnTo>
-                  <a:lnTo>
-                    <a:pt x="3166" y="658"/>
-                  </a:lnTo>
-                  <a:lnTo>
-                    <a:pt x="3044" y="536"/>
-                  </a:lnTo>
-                  <a:lnTo>
-                    <a:pt x="2923" y="414"/>
-                  </a:lnTo>
-                  <a:lnTo>
-                    <a:pt x="2776" y="317"/>
-                  </a:lnTo>
-                  <a:lnTo>
-                    <a:pt x="2630" y="220"/>
-                  </a:lnTo>
-                  <a:lnTo>
-                    <a:pt x="2484" y="147"/>
-                  </a:lnTo>
-                  <a:lnTo>
-                    <a:pt x="2314" y="98"/>
-                  </a:lnTo>
-                  <a:lnTo>
-                    <a:pt x="2143" y="49"/>
-                  </a:lnTo>
-                  <a:lnTo>
-                    <a:pt x="1973" y="25"/>
-                  </a:lnTo>
-                  <a:lnTo>
-                    <a:pt x="1778" y="0"/>
-                  </a:lnTo>
-                  <a:lnTo>
-                    <a:pt x="1778" y="0"/>
-                  </a:lnTo>
-                  <a:lnTo>
-                    <a:pt x="1607" y="25"/>
-                  </a:lnTo>
-                  <a:lnTo>
-                    <a:pt x="1437" y="49"/>
-                  </a:lnTo>
-                  <a:lnTo>
-                    <a:pt x="1266" y="98"/>
-                  </a:lnTo>
-                  <a:lnTo>
-                    <a:pt x="1096" y="147"/>
-                  </a:lnTo>
-                  <a:lnTo>
-                    <a:pt x="925" y="220"/>
-                  </a:lnTo>
-                  <a:lnTo>
-                    <a:pt x="779" y="317"/>
-                  </a:lnTo>
-                  <a:lnTo>
-                    <a:pt x="658" y="414"/>
-                  </a:lnTo>
-                  <a:lnTo>
-                    <a:pt x="536" y="536"/>
-                  </a:lnTo>
-                  <a:lnTo>
-                    <a:pt x="414" y="658"/>
-                  </a:lnTo>
-                  <a:lnTo>
-                    <a:pt x="317" y="804"/>
-                  </a:lnTo>
-                  <a:lnTo>
-                    <a:pt x="219" y="950"/>
-                  </a:lnTo>
-                  <a:lnTo>
-                    <a:pt x="146" y="1096"/>
-                  </a:lnTo>
-                  <a:lnTo>
-                    <a:pt x="73" y="1267"/>
-                  </a:lnTo>
-                  <a:lnTo>
-                    <a:pt x="49" y="1437"/>
-                  </a:lnTo>
-                  <a:lnTo>
-                    <a:pt x="24" y="1608"/>
-                  </a:lnTo>
-                  <a:lnTo>
-                    <a:pt x="0" y="1803"/>
-                  </a:lnTo>
-                  <a:lnTo>
-                    <a:pt x="0" y="1803"/>
-                  </a:lnTo>
-                  <a:lnTo>
-                    <a:pt x="24" y="2071"/>
-                  </a:lnTo>
-                  <a:lnTo>
-                    <a:pt x="97" y="2339"/>
-                  </a:lnTo>
-                  <a:lnTo>
-                    <a:pt x="195" y="2582"/>
-                  </a:lnTo>
-                  <a:lnTo>
-                    <a:pt x="317" y="2801"/>
-                  </a:lnTo>
-                </a:path>
-              </a:pathLst>
-            </a:custGeom>
-            <a:noFill/>
-            <a:ln w="12175" cap="rnd" cmpd="sng">
-              <a:solidFill>
-                <a:schemeClr val="accent5"/>
-              </a:solidFill>
-              <a:prstDash val="solid"/>
-              <a:round/>
-              <a:headEnd type="none" w="sm" len="sm"/>
-              <a:tailEnd type="none" w="sm" len="sm"/>
-            </a:ln>
-          </p:spPr>
-          <p:txBody>
-            <a:bodyPr spcFirstLastPara="1" wrap="square" lIns="91425" tIns="91425" rIns="91425" bIns="91425" anchor="ctr" anchorCtr="0">
-              <a:noAutofit/>
-            </a:bodyPr>
-            <a:lstStyle/>
-            <a:p>
-              <a:pPr marL="0" lvl="0" indent="0" algn="l" rtl="0">
-                <a:spcBef>
-                  <a:spcPts val="0"/>
-                </a:spcBef>
-                <a:spcAft>
-                  <a:spcPts val="0"/>
-                </a:spcAft>
-                <a:buNone/>
-              </a:pPr>
-              <a:endParaRPr/>
-            </a:p>
-          </p:txBody>
-        </p:sp>
-        <p:sp>
-          <p:nvSpPr>
-            <p:cNvPr id="15" name="Google Shape;1268;p46">
-              <a:extLst>
-                <a:ext uri="{FF2B5EF4-FFF2-40B4-BE49-F238E27FC236}">
-                  <a16:creationId xmlns:a16="http://schemas.microsoft.com/office/drawing/2014/main" id="{FA76C63D-44C3-224E-87BA-F41DBEE3D566}"/>
-                </a:ext>
-              </a:extLst>
-            </p:cNvPr>
-            <p:cNvSpPr/>
-            <p:nvPr/>
-          </p:nvSpPr>
-          <p:spPr>
-            <a:xfrm>
-              <a:off x="5323025" y="4980625"/>
-              <a:ext cx="88925" cy="88925"/>
-            </a:xfrm>
-            <a:custGeom>
-              <a:avLst/>
-              <a:gdLst/>
-              <a:ahLst/>
-              <a:cxnLst/>
-              <a:rect l="l" t="t" r="r" b="b"/>
-              <a:pathLst>
-                <a:path w="3557" h="3557" fill="none" extrusionOk="0">
-                  <a:moveTo>
-                    <a:pt x="3191" y="2850"/>
-                  </a:moveTo>
-                  <a:lnTo>
-                    <a:pt x="3191" y="2850"/>
-                  </a:lnTo>
-                  <a:lnTo>
-                    <a:pt x="3313" y="2680"/>
-                  </a:lnTo>
-                  <a:lnTo>
-                    <a:pt x="3410" y="2509"/>
-                  </a:lnTo>
-                  <a:lnTo>
-                    <a:pt x="3483" y="2314"/>
-                  </a:lnTo>
-                  <a:lnTo>
-                    <a:pt x="3532" y="2095"/>
-                  </a:lnTo>
-                  <a:lnTo>
-                    <a:pt x="3532" y="2095"/>
-                  </a:lnTo>
-                  <a:lnTo>
-                    <a:pt x="3556" y="1925"/>
-                  </a:lnTo>
-                  <a:lnTo>
-                    <a:pt x="3556" y="1730"/>
-                  </a:lnTo>
-                  <a:lnTo>
-                    <a:pt x="3556" y="1559"/>
-                  </a:lnTo>
-                  <a:lnTo>
-                    <a:pt x="3508" y="1389"/>
-                  </a:lnTo>
-                  <a:lnTo>
-                    <a:pt x="3459" y="1218"/>
-                  </a:lnTo>
-                  <a:lnTo>
-                    <a:pt x="3410" y="1072"/>
-                  </a:lnTo>
-                  <a:lnTo>
-                    <a:pt x="3337" y="902"/>
-                  </a:lnTo>
-                  <a:lnTo>
-                    <a:pt x="3240" y="756"/>
-                  </a:lnTo>
-                  <a:lnTo>
-                    <a:pt x="3142" y="634"/>
-                  </a:lnTo>
-                  <a:lnTo>
-                    <a:pt x="3021" y="512"/>
-                  </a:lnTo>
-                  <a:lnTo>
-                    <a:pt x="2899" y="390"/>
-                  </a:lnTo>
-                  <a:lnTo>
-                    <a:pt x="2753" y="293"/>
-                  </a:lnTo>
-                  <a:lnTo>
-                    <a:pt x="2606" y="196"/>
-                  </a:lnTo>
-                  <a:lnTo>
-                    <a:pt x="2436" y="122"/>
-                  </a:lnTo>
-                  <a:lnTo>
-                    <a:pt x="2266" y="74"/>
-                  </a:lnTo>
-                  <a:lnTo>
-                    <a:pt x="2095" y="25"/>
-                  </a:lnTo>
-                  <a:lnTo>
-                    <a:pt x="2095" y="25"/>
-                  </a:lnTo>
-                  <a:lnTo>
-                    <a:pt x="1925" y="1"/>
-                  </a:lnTo>
-                  <a:lnTo>
-                    <a:pt x="1730" y="1"/>
-                  </a:lnTo>
-                  <a:lnTo>
-                    <a:pt x="1559" y="1"/>
-                  </a:lnTo>
-                  <a:lnTo>
-                    <a:pt x="1389" y="25"/>
-                  </a:lnTo>
-                  <a:lnTo>
-                    <a:pt x="1218" y="74"/>
-                  </a:lnTo>
-                  <a:lnTo>
-                    <a:pt x="1072" y="147"/>
-                  </a:lnTo>
-                  <a:lnTo>
-                    <a:pt x="902" y="220"/>
-                  </a:lnTo>
-                  <a:lnTo>
-                    <a:pt x="756" y="317"/>
-                  </a:lnTo>
-                  <a:lnTo>
-                    <a:pt x="634" y="415"/>
-                  </a:lnTo>
-                  <a:lnTo>
-                    <a:pt x="512" y="537"/>
-                  </a:lnTo>
-                  <a:lnTo>
-                    <a:pt x="390" y="658"/>
-                  </a:lnTo>
-                  <a:lnTo>
-                    <a:pt x="293" y="804"/>
-                  </a:lnTo>
-                  <a:lnTo>
-                    <a:pt x="195" y="951"/>
-                  </a:lnTo>
-                  <a:lnTo>
-                    <a:pt x="122" y="1097"/>
-                  </a:lnTo>
-                  <a:lnTo>
-                    <a:pt x="74" y="1267"/>
-                  </a:lnTo>
-                  <a:lnTo>
-                    <a:pt x="25" y="1462"/>
-                  </a:lnTo>
-                  <a:lnTo>
-                    <a:pt x="25" y="1462"/>
-                  </a:lnTo>
-                  <a:lnTo>
-                    <a:pt x="1" y="1633"/>
-                  </a:lnTo>
-                  <a:lnTo>
-                    <a:pt x="1" y="1803"/>
-                  </a:lnTo>
-                  <a:lnTo>
-                    <a:pt x="1" y="1998"/>
-                  </a:lnTo>
-                  <a:lnTo>
-                    <a:pt x="25" y="2168"/>
-                  </a:lnTo>
-                  <a:lnTo>
-                    <a:pt x="74" y="2339"/>
-                  </a:lnTo>
-                  <a:lnTo>
-                    <a:pt x="147" y="2485"/>
-                  </a:lnTo>
-                  <a:lnTo>
-                    <a:pt x="220" y="2655"/>
-                  </a:lnTo>
-                  <a:lnTo>
-                    <a:pt x="317" y="2777"/>
-                  </a:lnTo>
-                  <a:lnTo>
-                    <a:pt x="415" y="2923"/>
-                  </a:lnTo>
-                  <a:lnTo>
-                    <a:pt x="536" y="3045"/>
-                  </a:lnTo>
-                  <a:lnTo>
-                    <a:pt x="658" y="3167"/>
-                  </a:lnTo>
-                  <a:lnTo>
-                    <a:pt x="804" y="3264"/>
-                  </a:lnTo>
-                  <a:lnTo>
-                    <a:pt x="950" y="3362"/>
-                  </a:lnTo>
-                  <a:lnTo>
-                    <a:pt x="1096" y="3435"/>
-                  </a:lnTo>
-                  <a:lnTo>
-                    <a:pt x="1267" y="3483"/>
-                  </a:lnTo>
-                  <a:lnTo>
-                    <a:pt x="1462" y="3532"/>
-                  </a:lnTo>
-                  <a:lnTo>
-                    <a:pt x="1462" y="3532"/>
-                  </a:lnTo>
-                  <a:lnTo>
-                    <a:pt x="1705" y="3557"/>
-                  </a:lnTo>
-                  <a:lnTo>
-                    <a:pt x="1973" y="3557"/>
-                  </a:lnTo>
-                  <a:lnTo>
-                    <a:pt x="2217" y="3508"/>
-                  </a:lnTo>
-                  <a:lnTo>
-                    <a:pt x="2460" y="3435"/>
-                  </a:lnTo>
-                </a:path>
-              </a:pathLst>
-            </a:custGeom>
-            <a:noFill/>
-            <a:ln w="12175" cap="rnd" cmpd="sng">
-              <a:solidFill>
-                <a:schemeClr val="accent5"/>
-              </a:solidFill>
-              <a:prstDash val="solid"/>
-              <a:round/>
-              <a:headEnd type="none" w="sm" len="sm"/>
-              <a:tailEnd type="none" w="sm" len="sm"/>
-            </a:ln>
-          </p:spPr>
-          <p:txBody>
-            <a:bodyPr spcFirstLastPara="1" wrap="square" lIns="91425" tIns="91425" rIns="91425" bIns="91425" anchor="ctr" anchorCtr="0">
-              <a:noAutofit/>
-            </a:bodyPr>
-            <a:lstStyle/>
-            <a:p>
-              <a:pPr marL="0" lvl="0" indent="0" algn="l" rtl="0">
-                <a:spcBef>
-                  <a:spcPts val="0"/>
-                </a:spcBef>
-                <a:spcAft>
-                  <a:spcPts val="0"/>
-                </a:spcAft>
-                <a:buNone/>
-              </a:pPr>
-              <a:endParaRPr/>
-            </a:p>
-          </p:txBody>
-        </p:sp>
-        <p:sp>
-          <p:nvSpPr>
-            <p:cNvPr id="16" name="Google Shape;1269;p46">
-              <a:extLst>
-                <a:ext uri="{FF2B5EF4-FFF2-40B4-BE49-F238E27FC236}">
-                  <a16:creationId xmlns:a16="http://schemas.microsoft.com/office/drawing/2014/main" id="{758AA347-DC5C-DD4D-9EA8-C3D552DBC07F}"/>
-                </a:ext>
-              </a:extLst>
-            </p:cNvPr>
-            <p:cNvSpPr/>
-            <p:nvPr/>
-          </p:nvSpPr>
-          <p:spPr>
-            <a:xfrm>
-              <a:off x="5233525" y="5255225"/>
-              <a:ext cx="89525" cy="89525"/>
-            </a:xfrm>
-            <a:custGeom>
-              <a:avLst/>
-              <a:gdLst/>
-              <a:ahLst/>
-              <a:cxnLst/>
-              <a:rect l="l" t="t" r="r" b="b"/>
-              <a:pathLst>
-                <a:path w="3581" h="3581" fill="none" extrusionOk="0">
-                  <a:moveTo>
-                    <a:pt x="3215" y="707"/>
-                  </a:moveTo>
-                  <a:lnTo>
-                    <a:pt x="3215" y="707"/>
-                  </a:lnTo>
-                  <a:lnTo>
-                    <a:pt x="3093" y="585"/>
-                  </a:lnTo>
-                  <a:lnTo>
-                    <a:pt x="2972" y="464"/>
-                  </a:lnTo>
-                  <a:lnTo>
-                    <a:pt x="2850" y="342"/>
-                  </a:lnTo>
-                  <a:lnTo>
-                    <a:pt x="2679" y="244"/>
-                  </a:lnTo>
-                  <a:lnTo>
-                    <a:pt x="2679" y="244"/>
-                  </a:lnTo>
-                  <a:lnTo>
-                    <a:pt x="2533" y="171"/>
-                  </a:lnTo>
-                  <a:lnTo>
-                    <a:pt x="2363" y="98"/>
-                  </a:lnTo>
-                  <a:lnTo>
-                    <a:pt x="2192" y="50"/>
-                  </a:lnTo>
-                  <a:lnTo>
-                    <a:pt x="2022" y="25"/>
-                  </a:lnTo>
-                  <a:lnTo>
-                    <a:pt x="1851" y="1"/>
-                  </a:lnTo>
-                  <a:lnTo>
-                    <a:pt x="1681" y="25"/>
-                  </a:lnTo>
-                  <a:lnTo>
-                    <a:pt x="1510" y="25"/>
-                  </a:lnTo>
-                  <a:lnTo>
-                    <a:pt x="1340" y="74"/>
-                  </a:lnTo>
-                  <a:lnTo>
-                    <a:pt x="1169" y="123"/>
-                  </a:lnTo>
-                  <a:lnTo>
-                    <a:pt x="1023" y="196"/>
-                  </a:lnTo>
-                  <a:lnTo>
-                    <a:pt x="877" y="269"/>
-                  </a:lnTo>
-                  <a:lnTo>
-                    <a:pt x="731" y="366"/>
-                  </a:lnTo>
-                  <a:lnTo>
-                    <a:pt x="585" y="488"/>
-                  </a:lnTo>
-                  <a:lnTo>
-                    <a:pt x="463" y="610"/>
-                  </a:lnTo>
-                  <a:lnTo>
-                    <a:pt x="341" y="731"/>
-                  </a:lnTo>
-                  <a:lnTo>
-                    <a:pt x="244" y="902"/>
-                  </a:lnTo>
-                  <a:lnTo>
-                    <a:pt x="244" y="902"/>
-                  </a:lnTo>
-                  <a:lnTo>
-                    <a:pt x="171" y="1048"/>
-                  </a:lnTo>
-                  <a:lnTo>
-                    <a:pt x="98" y="1219"/>
-                  </a:lnTo>
-                  <a:lnTo>
-                    <a:pt x="49" y="1389"/>
-                  </a:lnTo>
-                  <a:lnTo>
-                    <a:pt x="25" y="1560"/>
-                  </a:lnTo>
-                  <a:lnTo>
-                    <a:pt x="0" y="1730"/>
-                  </a:lnTo>
-                  <a:lnTo>
-                    <a:pt x="0" y="1900"/>
-                  </a:lnTo>
-                  <a:lnTo>
-                    <a:pt x="25" y="2071"/>
-                  </a:lnTo>
-                  <a:lnTo>
-                    <a:pt x="73" y="2241"/>
-                  </a:lnTo>
-                  <a:lnTo>
-                    <a:pt x="122" y="2412"/>
-                  </a:lnTo>
-                  <a:lnTo>
-                    <a:pt x="195" y="2558"/>
-                  </a:lnTo>
-                  <a:lnTo>
-                    <a:pt x="268" y="2729"/>
-                  </a:lnTo>
-                  <a:lnTo>
-                    <a:pt x="366" y="2850"/>
-                  </a:lnTo>
-                  <a:lnTo>
-                    <a:pt x="463" y="2996"/>
-                  </a:lnTo>
-                  <a:lnTo>
-                    <a:pt x="609" y="3118"/>
-                  </a:lnTo>
-                  <a:lnTo>
-                    <a:pt x="731" y="3240"/>
-                  </a:lnTo>
-                  <a:lnTo>
-                    <a:pt x="901" y="3337"/>
-                  </a:lnTo>
-                  <a:lnTo>
-                    <a:pt x="901" y="3337"/>
-                  </a:lnTo>
-                  <a:lnTo>
-                    <a:pt x="1048" y="3410"/>
-                  </a:lnTo>
-                  <a:lnTo>
-                    <a:pt x="1218" y="3484"/>
-                  </a:lnTo>
-                  <a:lnTo>
-                    <a:pt x="1389" y="3532"/>
-                  </a:lnTo>
-                  <a:lnTo>
-                    <a:pt x="1559" y="3557"/>
-                  </a:lnTo>
-                  <a:lnTo>
-                    <a:pt x="1730" y="3581"/>
-                  </a:lnTo>
-                  <a:lnTo>
-                    <a:pt x="1900" y="3581"/>
-                  </a:lnTo>
-                  <a:lnTo>
-                    <a:pt x="2071" y="3557"/>
-                  </a:lnTo>
-                  <a:lnTo>
-                    <a:pt x="2241" y="3508"/>
-                  </a:lnTo>
-                  <a:lnTo>
-                    <a:pt x="2411" y="3459"/>
-                  </a:lnTo>
-                  <a:lnTo>
-                    <a:pt x="2558" y="3410"/>
-                  </a:lnTo>
-                  <a:lnTo>
-                    <a:pt x="2704" y="3313"/>
-                  </a:lnTo>
-                  <a:lnTo>
-                    <a:pt x="2850" y="3216"/>
-                  </a:lnTo>
-                  <a:lnTo>
-                    <a:pt x="2996" y="3118"/>
-                  </a:lnTo>
-                  <a:lnTo>
-                    <a:pt x="3118" y="2996"/>
-                  </a:lnTo>
-                  <a:lnTo>
-                    <a:pt x="3240" y="2850"/>
-                  </a:lnTo>
-                  <a:lnTo>
-                    <a:pt x="3337" y="2704"/>
-                  </a:lnTo>
-                  <a:lnTo>
-                    <a:pt x="3337" y="2704"/>
-                  </a:lnTo>
-                  <a:lnTo>
-                    <a:pt x="3459" y="2412"/>
-                  </a:lnTo>
-                  <a:lnTo>
-                    <a:pt x="3532" y="2144"/>
-                  </a:lnTo>
-                  <a:lnTo>
-                    <a:pt x="3581" y="1852"/>
-                  </a:lnTo>
-                  <a:lnTo>
-                    <a:pt x="3556" y="1560"/>
-                  </a:lnTo>
-                </a:path>
-              </a:pathLst>
-            </a:custGeom>
-            <a:noFill/>
-            <a:ln w="12175" cap="rnd" cmpd="sng">
-              <a:solidFill>
-                <a:schemeClr val="accent5"/>
-              </a:solidFill>
-              <a:prstDash val="solid"/>
-              <a:round/>
-              <a:headEnd type="none" w="sm" len="sm"/>
-              <a:tailEnd type="none" w="sm" len="sm"/>
-            </a:ln>
-          </p:spPr>
-          <p:txBody>
-            <a:bodyPr spcFirstLastPara="1" wrap="square" lIns="91425" tIns="91425" rIns="91425" bIns="91425" anchor="ctr" anchorCtr="0">
-              <a:noAutofit/>
-            </a:bodyPr>
-            <a:lstStyle/>
-            <a:p>
-              <a:pPr marL="0" lvl="0" indent="0" algn="l" rtl="0">
-                <a:spcBef>
-                  <a:spcPts val="0"/>
-                </a:spcBef>
-                <a:spcAft>
-                  <a:spcPts val="0"/>
-                </a:spcAft>
-                <a:buNone/>
-              </a:pPr>
-              <a:endParaRPr/>
-            </a:p>
-          </p:txBody>
-        </p:sp>
-        <p:sp>
-          <p:nvSpPr>
-            <p:cNvPr id="17" name="Google Shape;1270;p46">
-              <a:extLst>
-                <a:ext uri="{FF2B5EF4-FFF2-40B4-BE49-F238E27FC236}">
-                  <a16:creationId xmlns:a16="http://schemas.microsoft.com/office/drawing/2014/main" id="{8EC91DD6-0CE9-1749-84C1-314D649DFCD6}"/>
-                </a:ext>
-              </a:extLst>
-            </p:cNvPr>
-            <p:cNvSpPr/>
-            <p:nvPr/>
-          </p:nvSpPr>
-          <p:spPr>
-            <a:xfrm>
-              <a:off x="5453325" y="5382475"/>
-              <a:ext cx="88925" cy="88325"/>
-            </a:xfrm>
-            <a:custGeom>
-              <a:avLst/>
-              <a:gdLst/>
-              <a:ahLst/>
-              <a:cxnLst/>
-              <a:rect l="l" t="t" r="r" b="b"/>
-              <a:pathLst>
-                <a:path w="3557" h="3533" fill="none" extrusionOk="0">
-                  <a:moveTo>
-                    <a:pt x="1389" y="1"/>
-                  </a:moveTo>
-                  <a:lnTo>
-                    <a:pt x="1389" y="1"/>
-                  </a:lnTo>
-                  <a:lnTo>
-                    <a:pt x="1194" y="50"/>
-                  </a:lnTo>
-                  <a:lnTo>
-                    <a:pt x="999" y="147"/>
-                  </a:lnTo>
-                  <a:lnTo>
-                    <a:pt x="804" y="245"/>
-                  </a:lnTo>
-                  <a:lnTo>
-                    <a:pt x="634" y="366"/>
-                  </a:lnTo>
-                  <a:lnTo>
-                    <a:pt x="634" y="366"/>
-                  </a:lnTo>
-                  <a:lnTo>
-                    <a:pt x="488" y="488"/>
-                  </a:lnTo>
-                  <a:lnTo>
-                    <a:pt x="390" y="634"/>
-                  </a:lnTo>
-                  <a:lnTo>
-                    <a:pt x="268" y="780"/>
-                  </a:lnTo>
-                  <a:lnTo>
-                    <a:pt x="195" y="926"/>
-                  </a:lnTo>
-                  <a:lnTo>
-                    <a:pt x="122" y="1073"/>
-                  </a:lnTo>
-                  <a:lnTo>
-                    <a:pt x="74" y="1243"/>
-                  </a:lnTo>
-                  <a:lnTo>
-                    <a:pt x="25" y="1414"/>
-                  </a:lnTo>
-                  <a:lnTo>
-                    <a:pt x="0" y="1584"/>
-                  </a:lnTo>
-                  <a:lnTo>
-                    <a:pt x="0" y="1755"/>
-                  </a:lnTo>
-                  <a:lnTo>
-                    <a:pt x="0" y="1925"/>
-                  </a:lnTo>
-                  <a:lnTo>
-                    <a:pt x="25" y="2096"/>
-                  </a:lnTo>
-                  <a:lnTo>
-                    <a:pt x="74" y="2266"/>
-                  </a:lnTo>
-                  <a:lnTo>
-                    <a:pt x="122" y="2412"/>
-                  </a:lnTo>
-                  <a:lnTo>
-                    <a:pt x="195" y="2583"/>
-                  </a:lnTo>
-                  <a:lnTo>
-                    <a:pt x="293" y="2729"/>
-                  </a:lnTo>
-                  <a:lnTo>
-                    <a:pt x="415" y="2875"/>
-                  </a:lnTo>
-                  <a:lnTo>
-                    <a:pt x="415" y="2875"/>
-                  </a:lnTo>
-                  <a:lnTo>
-                    <a:pt x="536" y="3021"/>
-                  </a:lnTo>
-                  <a:lnTo>
-                    <a:pt x="658" y="3143"/>
-                  </a:lnTo>
-                  <a:lnTo>
-                    <a:pt x="804" y="3240"/>
-                  </a:lnTo>
-                  <a:lnTo>
-                    <a:pt x="950" y="3313"/>
-                  </a:lnTo>
-                  <a:lnTo>
-                    <a:pt x="1121" y="3386"/>
-                  </a:lnTo>
-                  <a:lnTo>
-                    <a:pt x="1267" y="3459"/>
-                  </a:lnTo>
-                  <a:lnTo>
-                    <a:pt x="1437" y="3484"/>
-                  </a:lnTo>
-                  <a:lnTo>
-                    <a:pt x="1608" y="3508"/>
-                  </a:lnTo>
-                  <a:lnTo>
-                    <a:pt x="1778" y="3532"/>
-                  </a:lnTo>
-                  <a:lnTo>
-                    <a:pt x="1949" y="3508"/>
-                  </a:lnTo>
-                  <a:lnTo>
-                    <a:pt x="2119" y="3484"/>
-                  </a:lnTo>
-                  <a:lnTo>
-                    <a:pt x="2290" y="3435"/>
-                  </a:lnTo>
-                  <a:lnTo>
-                    <a:pt x="2460" y="3386"/>
-                  </a:lnTo>
-                  <a:lnTo>
-                    <a:pt x="2606" y="3313"/>
-                  </a:lnTo>
-                  <a:lnTo>
-                    <a:pt x="2777" y="3216"/>
-                  </a:lnTo>
-                  <a:lnTo>
-                    <a:pt x="2923" y="3118"/>
-                  </a:lnTo>
-                  <a:lnTo>
-                    <a:pt x="2923" y="3118"/>
-                  </a:lnTo>
-                  <a:lnTo>
-                    <a:pt x="3045" y="2997"/>
-                  </a:lnTo>
-                  <a:lnTo>
-                    <a:pt x="3167" y="2851"/>
-                  </a:lnTo>
-                  <a:lnTo>
-                    <a:pt x="3264" y="2704"/>
-                  </a:lnTo>
-                  <a:lnTo>
-                    <a:pt x="3361" y="2558"/>
-                  </a:lnTo>
-                  <a:lnTo>
-                    <a:pt x="3435" y="2412"/>
-                  </a:lnTo>
-                  <a:lnTo>
-                    <a:pt x="3483" y="2242"/>
-                  </a:lnTo>
-                  <a:lnTo>
-                    <a:pt x="3532" y="2071"/>
-                  </a:lnTo>
-                  <a:lnTo>
-                    <a:pt x="3556" y="1901"/>
-                  </a:lnTo>
-                  <a:lnTo>
-                    <a:pt x="3556" y="1730"/>
-                  </a:lnTo>
-                  <a:lnTo>
-                    <a:pt x="3556" y="1560"/>
-                  </a:lnTo>
-                  <a:lnTo>
-                    <a:pt x="3532" y="1389"/>
-                  </a:lnTo>
-                  <a:lnTo>
-                    <a:pt x="3483" y="1219"/>
-                  </a:lnTo>
-                  <a:lnTo>
-                    <a:pt x="3410" y="1048"/>
-                  </a:lnTo>
-                  <a:lnTo>
-                    <a:pt x="3337" y="902"/>
-                  </a:lnTo>
-                  <a:lnTo>
-                    <a:pt x="3264" y="756"/>
-                  </a:lnTo>
-                  <a:lnTo>
-                    <a:pt x="3142" y="610"/>
-                  </a:lnTo>
-                  <a:lnTo>
-                    <a:pt x="3142" y="610"/>
-                  </a:lnTo>
-                  <a:lnTo>
-                    <a:pt x="2972" y="415"/>
-                  </a:lnTo>
-                  <a:lnTo>
-                    <a:pt x="2753" y="245"/>
-                  </a:lnTo>
-                  <a:lnTo>
-                    <a:pt x="2533" y="123"/>
-                  </a:lnTo>
-                  <a:lnTo>
-                    <a:pt x="2314" y="50"/>
-                  </a:lnTo>
-                </a:path>
-              </a:pathLst>
-            </a:custGeom>
-            <a:noFill/>
-            <a:ln w="12175" cap="rnd" cmpd="sng">
-              <a:solidFill>
-                <a:schemeClr val="accent5"/>
-              </a:solidFill>
-              <a:prstDash val="solid"/>
-              <a:round/>
-              <a:headEnd type="none" w="sm" len="sm"/>
-              <a:tailEnd type="none" w="sm" len="sm"/>
-            </a:ln>
-          </p:spPr>
-          <p:txBody>
-            <a:bodyPr spcFirstLastPara="1" wrap="square" lIns="91425" tIns="91425" rIns="91425" bIns="91425" anchor="ctr" anchorCtr="0">
-              <a:noAutofit/>
-            </a:bodyPr>
-            <a:lstStyle/>
-            <a:p>
-              <a:pPr marL="0" lvl="0" indent="0" algn="l" rtl="0">
-                <a:spcBef>
-                  <a:spcPts val="0"/>
-                </a:spcBef>
-                <a:spcAft>
-                  <a:spcPts val="0"/>
-                </a:spcAft>
-                <a:buNone/>
-              </a:pPr>
-              <a:endParaRPr/>
-            </a:p>
-          </p:txBody>
-        </p:sp>
-        <p:sp>
-          <p:nvSpPr>
-            <p:cNvPr id="18" name="Google Shape;1271;p46">
-              <a:extLst>
-                <a:ext uri="{FF2B5EF4-FFF2-40B4-BE49-F238E27FC236}">
-                  <a16:creationId xmlns:a16="http://schemas.microsoft.com/office/drawing/2014/main" id="{15F84645-710B-A242-BEC2-225B0378600B}"/>
-                </a:ext>
-              </a:extLst>
-            </p:cNvPr>
-            <p:cNvSpPr/>
-            <p:nvPr/>
-          </p:nvSpPr>
-          <p:spPr>
-            <a:xfrm>
-              <a:off x="5682875" y="5188875"/>
-              <a:ext cx="88925" cy="89525"/>
-            </a:xfrm>
-            <a:custGeom>
-              <a:avLst/>
-              <a:gdLst/>
-              <a:ahLst/>
-              <a:cxnLst/>
-              <a:rect l="l" t="t" r="r" b="b"/>
-              <a:pathLst>
-                <a:path w="3557" h="3581" fill="none" extrusionOk="0">
-                  <a:moveTo>
-                    <a:pt x="0" y="2022"/>
-                  </a:moveTo>
-                  <a:lnTo>
-                    <a:pt x="0" y="2022"/>
-                  </a:lnTo>
-                  <a:lnTo>
-                    <a:pt x="25" y="2216"/>
-                  </a:lnTo>
-                  <a:lnTo>
-                    <a:pt x="98" y="2411"/>
-                  </a:lnTo>
-                  <a:lnTo>
-                    <a:pt x="98" y="2411"/>
-                  </a:lnTo>
-                  <a:lnTo>
-                    <a:pt x="171" y="2557"/>
-                  </a:lnTo>
-                  <a:lnTo>
-                    <a:pt x="244" y="2728"/>
-                  </a:lnTo>
-                  <a:lnTo>
-                    <a:pt x="341" y="2874"/>
-                  </a:lnTo>
-                  <a:lnTo>
-                    <a:pt x="463" y="2996"/>
-                  </a:lnTo>
-                  <a:lnTo>
-                    <a:pt x="585" y="3118"/>
-                  </a:lnTo>
-                  <a:lnTo>
-                    <a:pt x="707" y="3239"/>
-                  </a:lnTo>
-                  <a:lnTo>
-                    <a:pt x="853" y="3337"/>
-                  </a:lnTo>
-                  <a:lnTo>
-                    <a:pt x="999" y="3410"/>
-                  </a:lnTo>
-                  <a:lnTo>
-                    <a:pt x="1169" y="3483"/>
-                  </a:lnTo>
-                  <a:lnTo>
-                    <a:pt x="1340" y="3532"/>
-                  </a:lnTo>
-                  <a:lnTo>
-                    <a:pt x="1510" y="3556"/>
-                  </a:lnTo>
-                  <a:lnTo>
-                    <a:pt x="1681" y="3580"/>
-                  </a:lnTo>
-                  <a:lnTo>
-                    <a:pt x="1851" y="3580"/>
-                  </a:lnTo>
-                  <a:lnTo>
-                    <a:pt x="2022" y="3556"/>
-                  </a:lnTo>
-                  <a:lnTo>
-                    <a:pt x="2192" y="3532"/>
-                  </a:lnTo>
-                  <a:lnTo>
-                    <a:pt x="2363" y="3459"/>
-                  </a:lnTo>
-                  <a:lnTo>
-                    <a:pt x="2363" y="3459"/>
-                  </a:lnTo>
-                  <a:lnTo>
-                    <a:pt x="2533" y="3410"/>
-                  </a:lnTo>
-                  <a:lnTo>
-                    <a:pt x="2704" y="3312"/>
-                  </a:lnTo>
-                  <a:lnTo>
-                    <a:pt x="2850" y="3215"/>
-                  </a:lnTo>
-                  <a:lnTo>
-                    <a:pt x="2972" y="3093"/>
-                  </a:lnTo>
-                  <a:lnTo>
-                    <a:pt x="3093" y="2971"/>
-                  </a:lnTo>
-                  <a:lnTo>
-                    <a:pt x="3215" y="2850"/>
-                  </a:lnTo>
-                  <a:lnTo>
-                    <a:pt x="3288" y="2704"/>
-                  </a:lnTo>
-                  <a:lnTo>
-                    <a:pt x="3386" y="2557"/>
-                  </a:lnTo>
-                  <a:lnTo>
-                    <a:pt x="3434" y="2387"/>
-                  </a:lnTo>
-                  <a:lnTo>
-                    <a:pt x="3483" y="2216"/>
-                  </a:lnTo>
-                  <a:lnTo>
-                    <a:pt x="3532" y="2070"/>
-                  </a:lnTo>
-                  <a:lnTo>
-                    <a:pt x="3556" y="1875"/>
-                  </a:lnTo>
-                  <a:lnTo>
-                    <a:pt x="3556" y="1705"/>
-                  </a:lnTo>
-                  <a:lnTo>
-                    <a:pt x="3532" y="1534"/>
-                  </a:lnTo>
-                  <a:lnTo>
-                    <a:pt x="3507" y="1364"/>
-                  </a:lnTo>
-                  <a:lnTo>
-                    <a:pt x="3434" y="1194"/>
-                  </a:lnTo>
-                  <a:lnTo>
-                    <a:pt x="3434" y="1194"/>
-                  </a:lnTo>
-                  <a:lnTo>
-                    <a:pt x="3361" y="1023"/>
-                  </a:lnTo>
-                  <a:lnTo>
-                    <a:pt x="3288" y="853"/>
-                  </a:lnTo>
-                  <a:lnTo>
-                    <a:pt x="3191" y="706"/>
-                  </a:lnTo>
-                  <a:lnTo>
-                    <a:pt x="3069" y="585"/>
-                  </a:lnTo>
-                  <a:lnTo>
-                    <a:pt x="2947" y="463"/>
-                  </a:lnTo>
-                  <a:lnTo>
-                    <a:pt x="2825" y="341"/>
-                  </a:lnTo>
-                  <a:lnTo>
-                    <a:pt x="2679" y="268"/>
-                  </a:lnTo>
-                  <a:lnTo>
-                    <a:pt x="2533" y="171"/>
-                  </a:lnTo>
-                  <a:lnTo>
-                    <a:pt x="2363" y="122"/>
-                  </a:lnTo>
-                  <a:lnTo>
-                    <a:pt x="2192" y="73"/>
-                  </a:lnTo>
-                  <a:lnTo>
-                    <a:pt x="2022" y="24"/>
-                  </a:lnTo>
-                  <a:lnTo>
-                    <a:pt x="1851" y="24"/>
-                  </a:lnTo>
-                  <a:lnTo>
-                    <a:pt x="1681" y="0"/>
-                  </a:lnTo>
-                  <a:lnTo>
-                    <a:pt x="1510" y="24"/>
-                  </a:lnTo>
-                  <a:lnTo>
-                    <a:pt x="1340" y="73"/>
-                  </a:lnTo>
-                  <a:lnTo>
-                    <a:pt x="1169" y="122"/>
-                  </a:lnTo>
-                  <a:lnTo>
-                    <a:pt x="1169" y="122"/>
-                  </a:lnTo>
-                  <a:lnTo>
-                    <a:pt x="974" y="195"/>
-                  </a:lnTo>
-                  <a:lnTo>
-                    <a:pt x="804" y="292"/>
-                  </a:lnTo>
-                  <a:lnTo>
-                    <a:pt x="658" y="390"/>
-                  </a:lnTo>
-                  <a:lnTo>
-                    <a:pt x="512" y="512"/>
-                  </a:lnTo>
-                  <a:lnTo>
-                    <a:pt x="390" y="658"/>
-                  </a:lnTo>
-                  <a:lnTo>
-                    <a:pt x="293" y="804"/>
-                  </a:lnTo>
-                  <a:lnTo>
-                    <a:pt x="195" y="950"/>
-                  </a:lnTo>
-                  <a:lnTo>
-                    <a:pt x="122" y="1120"/>
-                  </a:lnTo>
-                </a:path>
-              </a:pathLst>
-            </a:custGeom>
-            <a:noFill/>
-            <a:ln w="12175" cap="rnd" cmpd="sng">
-              <a:solidFill>
-                <a:schemeClr val="accent5"/>
-              </a:solidFill>
-              <a:prstDash val="solid"/>
-              <a:round/>
-              <a:headEnd type="none" w="sm" len="sm"/>
-              <a:tailEnd type="none" w="sm" len="sm"/>
-            </a:ln>
-          </p:spPr>
-          <p:txBody>
-            <a:bodyPr spcFirstLastPara="1" wrap="square" lIns="91425" tIns="91425" rIns="91425" bIns="91425" anchor="ctr" anchorCtr="0">
-              <a:noAutofit/>
-            </a:bodyPr>
-            <a:lstStyle/>
-            <a:p>
-              <a:pPr marL="0" lvl="0" indent="0" algn="l" rtl="0">
-                <a:spcBef>
-                  <a:spcPts val="0"/>
-                </a:spcBef>
-                <a:spcAft>
-                  <a:spcPts val="0"/>
-                </a:spcAft>
-                <a:buNone/>
-              </a:pPr>
-              <a:endParaRPr/>
-            </a:p>
-          </p:txBody>
-        </p:sp>
-        <p:sp>
-          <p:nvSpPr>
-            <p:cNvPr id="19" name="Google Shape;1272;p46">
-              <a:extLst>
-                <a:ext uri="{FF2B5EF4-FFF2-40B4-BE49-F238E27FC236}">
-                  <a16:creationId xmlns:a16="http://schemas.microsoft.com/office/drawing/2014/main" id="{BEA088A1-B34D-A343-AF34-DC2C84A47497}"/>
-                </a:ext>
-              </a:extLst>
-            </p:cNvPr>
-            <p:cNvSpPr/>
-            <p:nvPr/>
-          </p:nvSpPr>
-          <p:spPr>
-            <a:xfrm>
-              <a:off x="5411925" y="5110925"/>
-              <a:ext cx="188775" cy="189400"/>
-            </a:xfrm>
-            <a:custGeom>
-              <a:avLst/>
-              <a:gdLst/>
-              <a:ahLst/>
-              <a:cxnLst/>
-              <a:rect l="l" t="t" r="r" b="b"/>
-              <a:pathLst>
-                <a:path w="7551" h="7576" fill="none" extrusionOk="0">
-                  <a:moveTo>
-                    <a:pt x="0" y="3776"/>
-                  </a:moveTo>
-                  <a:lnTo>
-                    <a:pt x="0" y="3776"/>
-                  </a:lnTo>
-                  <a:lnTo>
-                    <a:pt x="25" y="3410"/>
-                  </a:lnTo>
-                  <a:lnTo>
-                    <a:pt x="73" y="3021"/>
-                  </a:lnTo>
-                  <a:lnTo>
-                    <a:pt x="171" y="2655"/>
-                  </a:lnTo>
-                  <a:lnTo>
-                    <a:pt x="293" y="2314"/>
-                  </a:lnTo>
-                  <a:lnTo>
-                    <a:pt x="463" y="1973"/>
-                  </a:lnTo>
-                  <a:lnTo>
-                    <a:pt x="658" y="1681"/>
-                  </a:lnTo>
-                  <a:lnTo>
-                    <a:pt x="877" y="1389"/>
-                  </a:lnTo>
-                  <a:lnTo>
-                    <a:pt x="1121" y="1121"/>
-                  </a:lnTo>
-                  <a:lnTo>
-                    <a:pt x="1389" y="877"/>
-                  </a:lnTo>
-                  <a:lnTo>
-                    <a:pt x="1656" y="658"/>
-                  </a:lnTo>
-                  <a:lnTo>
-                    <a:pt x="1973" y="463"/>
-                  </a:lnTo>
-                  <a:lnTo>
-                    <a:pt x="2314" y="293"/>
-                  </a:lnTo>
-                  <a:lnTo>
-                    <a:pt x="2655" y="171"/>
-                  </a:lnTo>
-                  <a:lnTo>
-                    <a:pt x="3020" y="74"/>
-                  </a:lnTo>
-                  <a:lnTo>
-                    <a:pt x="3386" y="25"/>
-                  </a:lnTo>
-                  <a:lnTo>
-                    <a:pt x="3775" y="1"/>
-                  </a:lnTo>
-                  <a:lnTo>
-                    <a:pt x="3775" y="1"/>
-                  </a:lnTo>
-                  <a:lnTo>
-                    <a:pt x="4165" y="25"/>
-                  </a:lnTo>
-                  <a:lnTo>
-                    <a:pt x="4555" y="74"/>
-                  </a:lnTo>
-                  <a:lnTo>
-                    <a:pt x="4896" y="171"/>
-                  </a:lnTo>
-                  <a:lnTo>
-                    <a:pt x="5261" y="293"/>
-                  </a:lnTo>
-                  <a:lnTo>
-                    <a:pt x="5578" y="463"/>
-                  </a:lnTo>
-                  <a:lnTo>
-                    <a:pt x="5894" y="658"/>
-                  </a:lnTo>
-                  <a:lnTo>
-                    <a:pt x="6186" y="877"/>
-                  </a:lnTo>
-                  <a:lnTo>
-                    <a:pt x="6454" y="1121"/>
-                  </a:lnTo>
-                  <a:lnTo>
-                    <a:pt x="6698" y="1389"/>
-                  </a:lnTo>
-                  <a:lnTo>
-                    <a:pt x="6917" y="1681"/>
-                  </a:lnTo>
-                  <a:lnTo>
-                    <a:pt x="7112" y="1973"/>
-                  </a:lnTo>
-                  <a:lnTo>
-                    <a:pt x="7258" y="2314"/>
-                  </a:lnTo>
-                  <a:lnTo>
-                    <a:pt x="7404" y="2655"/>
-                  </a:lnTo>
-                  <a:lnTo>
-                    <a:pt x="7477" y="3021"/>
-                  </a:lnTo>
-                  <a:lnTo>
-                    <a:pt x="7550" y="3410"/>
-                  </a:lnTo>
-                  <a:lnTo>
-                    <a:pt x="7550" y="3776"/>
-                  </a:lnTo>
-                  <a:lnTo>
-                    <a:pt x="7550" y="3776"/>
-                  </a:lnTo>
-                  <a:lnTo>
-                    <a:pt x="7550" y="4165"/>
-                  </a:lnTo>
-                  <a:lnTo>
-                    <a:pt x="7477" y="4555"/>
-                  </a:lnTo>
-                  <a:lnTo>
-                    <a:pt x="7404" y="4920"/>
-                  </a:lnTo>
-                  <a:lnTo>
-                    <a:pt x="7258" y="5261"/>
-                  </a:lnTo>
-                  <a:lnTo>
-                    <a:pt x="7112" y="5578"/>
-                  </a:lnTo>
-                  <a:lnTo>
-                    <a:pt x="6917" y="5895"/>
-                  </a:lnTo>
-                  <a:lnTo>
-                    <a:pt x="6698" y="6187"/>
-                  </a:lnTo>
-                  <a:lnTo>
-                    <a:pt x="6454" y="6455"/>
-                  </a:lnTo>
-                  <a:lnTo>
-                    <a:pt x="6186" y="6698"/>
-                  </a:lnTo>
-                  <a:lnTo>
-                    <a:pt x="5894" y="6917"/>
-                  </a:lnTo>
-                  <a:lnTo>
-                    <a:pt x="5578" y="7112"/>
-                  </a:lnTo>
-                  <a:lnTo>
-                    <a:pt x="5261" y="7258"/>
-                  </a:lnTo>
-                  <a:lnTo>
-                    <a:pt x="4896" y="7405"/>
-                  </a:lnTo>
-                  <a:lnTo>
-                    <a:pt x="4555" y="7478"/>
-                  </a:lnTo>
-                  <a:lnTo>
-                    <a:pt x="4165" y="7551"/>
-                  </a:lnTo>
-                  <a:lnTo>
-                    <a:pt x="3775" y="7575"/>
-                  </a:lnTo>
-                  <a:lnTo>
-                    <a:pt x="3775" y="7575"/>
-                  </a:lnTo>
-                  <a:lnTo>
-                    <a:pt x="3386" y="7551"/>
-                  </a:lnTo>
-                  <a:lnTo>
-                    <a:pt x="3020" y="7478"/>
-                  </a:lnTo>
-                  <a:lnTo>
-                    <a:pt x="2655" y="7405"/>
-                  </a:lnTo>
-                  <a:lnTo>
-                    <a:pt x="2314" y="7258"/>
-                  </a:lnTo>
-                  <a:lnTo>
-                    <a:pt x="1973" y="7112"/>
-                  </a:lnTo>
-                  <a:lnTo>
-                    <a:pt x="1656" y="6917"/>
-                  </a:lnTo>
-                  <a:lnTo>
-                    <a:pt x="1389" y="6698"/>
-                  </a:lnTo>
-                  <a:lnTo>
-                    <a:pt x="1121" y="6455"/>
-                  </a:lnTo>
-                  <a:lnTo>
-                    <a:pt x="877" y="6187"/>
-                  </a:lnTo>
-                  <a:lnTo>
-                    <a:pt x="658" y="5895"/>
-                  </a:lnTo>
-                  <a:lnTo>
-                    <a:pt x="463" y="5578"/>
-                  </a:lnTo>
-                  <a:lnTo>
-                    <a:pt x="293" y="5261"/>
-                  </a:lnTo>
-                  <a:lnTo>
-                    <a:pt x="171" y="4920"/>
-                  </a:lnTo>
-                  <a:lnTo>
-                    <a:pt x="73" y="4555"/>
-                  </a:lnTo>
-                  <a:lnTo>
-                    <a:pt x="25" y="4165"/>
-                  </a:lnTo>
-                  <a:lnTo>
-                    <a:pt x="0" y="3776"/>
-                  </a:lnTo>
-                  <a:lnTo>
-                    <a:pt x="0" y="3776"/>
-                  </a:lnTo>
-                  <a:close/>
-                </a:path>
-              </a:pathLst>
-            </a:custGeom>
-            <a:noFill/>
-            <a:ln w="12175" cap="rnd" cmpd="sng">
-              <a:solidFill>
-                <a:schemeClr val="accent5"/>
-              </a:solidFill>
-              <a:prstDash val="solid"/>
-              <a:round/>
-              <a:headEnd type="none" w="sm" len="sm"/>
-              <a:tailEnd type="none" w="sm" len="sm"/>
-            </a:ln>
-          </p:spPr>
-          <p:txBody>
-            <a:bodyPr spcFirstLastPara="1" wrap="square" lIns="91425" tIns="91425" rIns="91425" bIns="91425" anchor="ctr" anchorCtr="0">
-              <a:noAutofit/>
-            </a:bodyPr>
-            <a:lstStyle/>
-            <a:p>
-              <a:pPr marL="0" lvl="0" indent="0" algn="l" rtl="0">
-                <a:spcBef>
-                  <a:spcPts val="0"/>
-                </a:spcBef>
-                <a:spcAft>
-                  <a:spcPts val="0"/>
-                </a:spcAft>
-                <a:buNone/>
-              </a:pPr>
-              <a:endParaRPr/>
-            </a:p>
-          </p:txBody>
-        </p:sp>
-        <p:sp>
-          <p:nvSpPr>
-            <p:cNvPr id="20" name="Google Shape;1273;p46">
-              <a:extLst>
-                <a:ext uri="{FF2B5EF4-FFF2-40B4-BE49-F238E27FC236}">
-                  <a16:creationId xmlns:a16="http://schemas.microsoft.com/office/drawing/2014/main" id="{7A821E93-6107-FA4A-8FE1-BC8BA8A22E13}"/>
-                </a:ext>
-              </a:extLst>
-            </p:cNvPr>
-            <p:cNvSpPr/>
-            <p:nvPr/>
-          </p:nvSpPr>
-          <p:spPr>
-            <a:xfrm>
-              <a:off x="5367475" y="5025075"/>
-              <a:ext cx="81600" cy="105975"/>
-            </a:xfrm>
-            <a:custGeom>
-              <a:avLst/>
-              <a:gdLst/>
-              <a:ahLst/>
-              <a:cxnLst/>
-              <a:rect l="l" t="t" r="r" b="b"/>
-              <a:pathLst>
-                <a:path w="3264" h="4239" fill="none" extrusionOk="0">
-                  <a:moveTo>
-                    <a:pt x="0" y="1"/>
-                  </a:moveTo>
-                  <a:lnTo>
-                    <a:pt x="3264" y="4238"/>
-                  </a:lnTo>
-                </a:path>
-              </a:pathLst>
-            </a:custGeom>
-            <a:noFill/>
-            <a:ln w="12175" cap="rnd" cmpd="sng">
-              <a:solidFill>
-                <a:schemeClr val="accent5"/>
-              </a:solidFill>
-              <a:prstDash val="solid"/>
-              <a:round/>
-              <a:headEnd type="none" w="sm" len="sm"/>
-              <a:tailEnd type="none" w="sm" len="sm"/>
-            </a:ln>
-          </p:spPr>
-          <p:txBody>
-            <a:bodyPr spcFirstLastPara="1" wrap="square" lIns="91425" tIns="91425" rIns="91425" bIns="91425" anchor="ctr" anchorCtr="0">
-              <a:noAutofit/>
-            </a:bodyPr>
-            <a:lstStyle/>
-            <a:p>
-              <a:pPr marL="0" lvl="0" indent="0" algn="l" rtl="0">
-                <a:spcBef>
-                  <a:spcPts val="0"/>
-                </a:spcBef>
-                <a:spcAft>
-                  <a:spcPts val="0"/>
-                </a:spcAft>
-                <a:buNone/>
-              </a:pPr>
-              <a:endParaRPr/>
-            </a:p>
-          </p:txBody>
-        </p:sp>
-        <p:sp>
-          <p:nvSpPr>
-            <p:cNvPr id="21" name="Google Shape;1274;p46">
-              <a:extLst>
-                <a:ext uri="{FF2B5EF4-FFF2-40B4-BE49-F238E27FC236}">
-                  <a16:creationId xmlns:a16="http://schemas.microsoft.com/office/drawing/2014/main" id="{592D34BF-710A-3B4F-86F0-9FB6A224D17D}"/>
-                </a:ext>
-              </a:extLst>
-            </p:cNvPr>
-            <p:cNvSpPr/>
-            <p:nvPr/>
-          </p:nvSpPr>
-          <p:spPr>
-            <a:xfrm>
-              <a:off x="5567800" y="4999500"/>
-              <a:ext cx="115100" cy="133975"/>
-            </a:xfrm>
-            <a:custGeom>
-              <a:avLst/>
-              <a:gdLst/>
-              <a:ahLst/>
-              <a:cxnLst/>
-              <a:rect l="l" t="t" r="r" b="b"/>
-              <a:pathLst>
-                <a:path w="4604" h="5359" fill="none" extrusionOk="0">
-                  <a:moveTo>
-                    <a:pt x="0" y="5359"/>
-                  </a:moveTo>
-                  <a:lnTo>
-                    <a:pt x="4603" y="1"/>
-                  </a:lnTo>
-                </a:path>
-              </a:pathLst>
-            </a:custGeom>
-            <a:noFill/>
-            <a:ln w="12175" cap="rnd" cmpd="sng">
-              <a:solidFill>
-                <a:schemeClr val="accent5"/>
-              </a:solidFill>
-              <a:prstDash val="solid"/>
-              <a:round/>
-              <a:headEnd type="none" w="sm" len="sm"/>
-              <a:tailEnd type="none" w="sm" len="sm"/>
-            </a:ln>
-          </p:spPr>
-          <p:txBody>
-            <a:bodyPr spcFirstLastPara="1" wrap="square" lIns="91425" tIns="91425" rIns="91425" bIns="91425" anchor="ctr" anchorCtr="0">
-              <a:noAutofit/>
-            </a:bodyPr>
-            <a:lstStyle/>
-            <a:p>
-              <a:pPr marL="0" lvl="0" indent="0" algn="l" rtl="0">
-                <a:spcBef>
-                  <a:spcPts val="0"/>
-                </a:spcBef>
-                <a:spcAft>
-                  <a:spcPts val="0"/>
-                </a:spcAft>
-                <a:buNone/>
-              </a:pPr>
-              <a:endParaRPr/>
-            </a:p>
-          </p:txBody>
-        </p:sp>
-        <p:sp>
-          <p:nvSpPr>
-            <p:cNvPr id="22" name="Google Shape;1275;p46">
-              <a:extLst>
-                <a:ext uri="{FF2B5EF4-FFF2-40B4-BE49-F238E27FC236}">
-                  <a16:creationId xmlns:a16="http://schemas.microsoft.com/office/drawing/2014/main" id="{9783EBEA-45A0-E84B-982E-966F9EB1B51F}"/>
-                </a:ext>
-              </a:extLst>
-            </p:cNvPr>
-            <p:cNvSpPr/>
-            <p:nvPr/>
-          </p:nvSpPr>
-          <p:spPr>
-            <a:xfrm>
-              <a:off x="5600075" y="5217475"/>
-              <a:ext cx="127275" cy="16475"/>
-            </a:xfrm>
-            <a:custGeom>
-              <a:avLst/>
-              <a:gdLst/>
-              <a:ahLst/>
-              <a:cxnLst/>
-              <a:rect l="l" t="t" r="r" b="b"/>
-              <a:pathLst>
-                <a:path w="5091" h="659" fill="none" extrusionOk="0">
-                  <a:moveTo>
-                    <a:pt x="5090" y="658"/>
-                  </a:moveTo>
-                  <a:lnTo>
-                    <a:pt x="0" y="1"/>
-                  </a:lnTo>
-                </a:path>
-              </a:pathLst>
-            </a:custGeom>
-            <a:noFill/>
-            <a:ln w="12175" cap="rnd" cmpd="sng">
-              <a:solidFill>
-                <a:schemeClr val="accent5"/>
-              </a:solidFill>
-              <a:prstDash val="solid"/>
-              <a:round/>
-              <a:headEnd type="none" w="sm" len="sm"/>
-              <a:tailEnd type="none" w="sm" len="sm"/>
-            </a:ln>
-          </p:spPr>
-          <p:txBody>
-            <a:bodyPr spcFirstLastPara="1" wrap="square" lIns="91425" tIns="91425" rIns="91425" bIns="91425" anchor="ctr" anchorCtr="0">
-              <a:noAutofit/>
-            </a:bodyPr>
-            <a:lstStyle/>
-            <a:p>
-              <a:pPr marL="0" lvl="0" indent="0" algn="l" rtl="0">
-                <a:spcBef>
-                  <a:spcPts val="0"/>
-                </a:spcBef>
-                <a:spcAft>
-                  <a:spcPts val="0"/>
-                </a:spcAft>
-                <a:buNone/>
-              </a:pPr>
-              <a:endParaRPr/>
-            </a:p>
-          </p:txBody>
-        </p:sp>
-        <p:sp>
-          <p:nvSpPr>
-            <p:cNvPr id="23" name="Google Shape;1276;p46">
-              <a:extLst>
-                <a:ext uri="{FF2B5EF4-FFF2-40B4-BE49-F238E27FC236}">
-                  <a16:creationId xmlns:a16="http://schemas.microsoft.com/office/drawing/2014/main" id="{E80841A0-5A92-7B42-8B2B-29C7AC9340A8}"/>
-                </a:ext>
-              </a:extLst>
-            </p:cNvPr>
-            <p:cNvSpPr/>
-            <p:nvPr/>
-          </p:nvSpPr>
-          <p:spPr>
-            <a:xfrm>
-              <a:off x="5497775" y="5299675"/>
-              <a:ext cx="4900" cy="126675"/>
-            </a:xfrm>
-            <a:custGeom>
-              <a:avLst/>
-              <a:gdLst/>
-              <a:ahLst/>
-              <a:cxnLst/>
-              <a:rect l="l" t="t" r="r" b="b"/>
-              <a:pathLst>
-                <a:path w="196" h="5067" fill="none" extrusionOk="0">
-                  <a:moveTo>
-                    <a:pt x="0" y="5067"/>
-                  </a:moveTo>
-                  <a:lnTo>
-                    <a:pt x="195" y="1"/>
-                  </a:lnTo>
-                </a:path>
-              </a:pathLst>
-            </a:custGeom>
-            <a:noFill/>
-            <a:ln w="12175" cap="rnd" cmpd="sng">
-              <a:solidFill>
-                <a:schemeClr val="accent5"/>
-              </a:solidFill>
-              <a:prstDash val="solid"/>
-              <a:round/>
-              <a:headEnd type="none" w="sm" len="sm"/>
-              <a:tailEnd type="none" w="sm" len="sm"/>
-            </a:ln>
-          </p:spPr>
-          <p:txBody>
-            <a:bodyPr spcFirstLastPara="1" wrap="square" lIns="91425" tIns="91425" rIns="91425" bIns="91425" anchor="ctr" anchorCtr="0">
-              <a:noAutofit/>
-            </a:bodyPr>
-            <a:lstStyle/>
-            <a:p>
-              <a:pPr marL="0" lvl="0" indent="0" algn="l" rtl="0">
-                <a:spcBef>
-                  <a:spcPts val="0"/>
-                </a:spcBef>
-                <a:spcAft>
-                  <a:spcPts val="0"/>
-                </a:spcAft>
-                <a:buNone/>
-              </a:pPr>
-              <a:endParaRPr/>
-            </a:p>
-          </p:txBody>
-        </p:sp>
-        <p:sp>
-          <p:nvSpPr>
-            <p:cNvPr id="24" name="Google Shape;1277;p46">
-              <a:extLst>
-                <a:ext uri="{FF2B5EF4-FFF2-40B4-BE49-F238E27FC236}">
-                  <a16:creationId xmlns:a16="http://schemas.microsoft.com/office/drawing/2014/main" id="{B26695ED-AF84-334A-93D1-109E80567EC6}"/>
-                </a:ext>
-              </a:extLst>
-            </p:cNvPr>
-            <p:cNvSpPr/>
-            <p:nvPr/>
-          </p:nvSpPr>
-          <p:spPr>
-            <a:xfrm>
-              <a:off x="5277975" y="5241825"/>
-              <a:ext cx="141275" cy="58500"/>
-            </a:xfrm>
-            <a:custGeom>
-              <a:avLst/>
-              <a:gdLst/>
-              <a:ahLst/>
-              <a:cxnLst/>
-              <a:rect l="l" t="t" r="r" b="b"/>
-              <a:pathLst>
-                <a:path w="5651" h="2340" fill="none" extrusionOk="0">
-                  <a:moveTo>
-                    <a:pt x="0" y="2339"/>
-                  </a:moveTo>
-                  <a:lnTo>
-                    <a:pt x="5651" y="1"/>
-                  </a:lnTo>
-                </a:path>
-              </a:pathLst>
-            </a:custGeom>
-            <a:noFill/>
-            <a:ln w="12175" cap="rnd" cmpd="sng">
-              <a:solidFill>
-                <a:schemeClr val="accent5"/>
-              </a:solidFill>
-              <a:prstDash val="solid"/>
-              <a:round/>
-              <a:headEnd type="none" w="sm" len="sm"/>
-              <a:tailEnd type="none" w="sm" len="sm"/>
-            </a:ln>
-          </p:spPr>
-          <p:txBody>
-            <a:bodyPr spcFirstLastPara="1" wrap="square" lIns="91425" tIns="91425" rIns="91425" bIns="91425" anchor="ctr" anchorCtr="0">
-              <a:noAutofit/>
-            </a:bodyPr>
-            <a:lstStyle/>
-            <a:p>
-              <a:pPr marL="0" lvl="0" indent="0" algn="l" rtl="0">
-                <a:spcBef>
-                  <a:spcPts val="0"/>
-                </a:spcBef>
-                <a:spcAft>
-                  <a:spcPts val="0"/>
-                </a:spcAft>
-                <a:buNone/>
-              </a:pPr>
-              <a:endParaRPr/>
-            </a:p>
-          </p:txBody>
-        </p:sp>
-      </p:grpSp>
-    </p:spTree>
-  </p:cSld>
-  <p:clrMapOvr>
-    <a:masterClrMapping/>
-  </p:clrMapOvr>
-</p:sld>
-</file>
-
-<file path=ppt/slides/slide3.xml><?xml version="1.0" encoding="utf-8"?>
-<p:sld xmlns:a="http://schemas.openxmlformats.org/drawingml/2006/main" xmlns:r="http://schemas.openxmlformats.org/officeDocument/2006/relationships" xmlns:p="http://schemas.openxmlformats.org/presentationml/2006/main">
-  <p:cSld>
-    <p:spTree>
-      <p:nvGrpSpPr>
         <p:cNvPr id="1" name="Shape 235"/>
         <p:cNvGrpSpPr/>
         <p:nvPr/>
@@ -7582,5006 +3684,6 @@
             </a:pPr>
             <a:r>
               <a:rPr lang="en" dirty="0"/>
-              <a:t>Relational Model</a:t>
-            </a:r>
-            <a:endParaRPr dirty="0"/>
-          </a:p>
-        </p:txBody>
-      </p:sp>
-      <p:sp>
-        <p:nvSpPr>
-          <p:cNvPr id="238" name="Google Shape;238;p16"/>
-          <p:cNvSpPr txBox="1">
-            <a:spLocks noGrp="1"/>
-          </p:cNvSpPr>
-          <p:nvPr>
-            <p:ph type="sldNum" idx="12"/>
-          </p:nvPr>
-        </p:nvSpPr>
-        <p:spPr>
-          <a:xfrm>
-            <a:off x="7618000" y="4636500"/>
-            <a:ext cx="1487400" cy="315600"/>
-          </a:xfrm>
-          <a:prstGeom prst="rect">
-            <a:avLst/>
-          </a:prstGeom>
-        </p:spPr>
-        <p:txBody>
-          <a:bodyPr spcFirstLastPara="1" wrap="square" lIns="91425" tIns="91425" rIns="91425" bIns="91425" anchor="ctr" anchorCtr="0">
-            <a:noAutofit/>
-          </a:bodyPr>
-          <a:lstStyle/>
-          <a:p>
-            <a:pPr marL="0" lvl="0" indent="0" algn="r" rtl="0">
-              <a:spcBef>
-                <a:spcPts val="0"/>
-              </a:spcBef>
-              <a:spcAft>
-                <a:spcPts val="0"/>
-              </a:spcAft>
-              <a:buNone/>
-            </a:pPr>
-            <a:fld id="{00000000-1234-1234-1234-123412341234}" type="slidenum">
-              <a:rPr lang="en"/>
-              <a:t>3</a:t>
-            </a:fld>
-            <a:endParaRPr/>
-          </a:p>
-        </p:txBody>
-      </p:sp>
-      <p:grpSp>
-        <p:nvGrpSpPr>
-          <p:cNvPr id="13" name="Google Shape;1266;p46">
-            <a:extLst>
-              <a:ext uri="{FF2B5EF4-FFF2-40B4-BE49-F238E27FC236}">
-                <a16:creationId xmlns:a16="http://schemas.microsoft.com/office/drawing/2014/main" id="{581CA542-2380-9944-A343-D534B681B847}"/>
-              </a:ext>
-            </a:extLst>
-          </p:cNvPr>
-          <p:cNvGrpSpPr/>
-          <p:nvPr/>
-        </p:nvGrpSpPr>
-        <p:grpSpPr>
-          <a:xfrm>
-            <a:off x="252853" y="606715"/>
-            <a:ext cx="407743" cy="391135"/>
-            <a:chOff x="5233525" y="4954450"/>
-            <a:chExt cx="538275" cy="516350"/>
-          </a:xfrm>
-        </p:grpSpPr>
-        <p:sp>
-          <p:nvSpPr>
-            <p:cNvPr id="14" name="Google Shape;1267;p46">
-              <a:extLst>
-                <a:ext uri="{FF2B5EF4-FFF2-40B4-BE49-F238E27FC236}">
-                  <a16:creationId xmlns:a16="http://schemas.microsoft.com/office/drawing/2014/main" id="{926E6E37-C76A-6B44-9077-E2106F9DDBB8}"/>
-                </a:ext>
-              </a:extLst>
-            </p:cNvPr>
-            <p:cNvSpPr/>
-            <p:nvPr/>
-          </p:nvSpPr>
-          <p:spPr>
-            <a:xfrm>
-              <a:off x="5637825" y="4954450"/>
-              <a:ext cx="89525" cy="89525"/>
-            </a:xfrm>
-            <a:custGeom>
-              <a:avLst/>
-              <a:gdLst/>
-              <a:ahLst/>
-              <a:cxnLst/>
-              <a:rect l="l" t="t" r="r" b="b"/>
-              <a:pathLst>
-                <a:path w="3581" h="3581" fill="none" extrusionOk="0">
-                  <a:moveTo>
-                    <a:pt x="1023" y="3410"/>
-                  </a:moveTo>
-                  <a:lnTo>
-                    <a:pt x="1023" y="3410"/>
-                  </a:lnTo>
-                  <a:lnTo>
-                    <a:pt x="1193" y="3483"/>
-                  </a:lnTo>
-                  <a:lnTo>
-                    <a:pt x="1388" y="3532"/>
-                  </a:lnTo>
-                  <a:lnTo>
-                    <a:pt x="1583" y="3556"/>
-                  </a:lnTo>
-                  <a:lnTo>
-                    <a:pt x="1778" y="3581"/>
-                  </a:lnTo>
-                  <a:lnTo>
-                    <a:pt x="1778" y="3581"/>
-                  </a:lnTo>
-                  <a:lnTo>
-                    <a:pt x="1973" y="3556"/>
-                  </a:lnTo>
-                  <a:lnTo>
-                    <a:pt x="2143" y="3532"/>
-                  </a:lnTo>
-                  <a:lnTo>
-                    <a:pt x="2314" y="3508"/>
-                  </a:lnTo>
-                  <a:lnTo>
-                    <a:pt x="2484" y="3435"/>
-                  </a:lnTo>
-                  <a:lnTo>
-                    <a:pt x="2630" y="3361"/>
-                  </a:lnTo>
-                  <a:lnTo>
-                    <a:pt x="2776" y="3264"/>
-                  </a:lnTo>
-                  <a:lnTo>
-                    <a:pt x="2923" y="3167"/>
-                  </a:lnTo>
-                  <a:lnTo>
-                    <a:pt x="3044" y="3045"/>
-                  </a:lnTo>
-                  <a:lnTo>
-                    <a:pt x="3166" y="2923"/>
-                  </a:lnTo>
-                  <a:lnTo>
-                    <a:pt x="3264" y="2801"/>
-                  </a:lnTo>
-                  <a:lnTo>
-                    <a:pt x="3361" y="2631"/>
-                  </a:lnTo>
-                  <a:lnTo>
-                    <a:pt x="3434" y="2485"/>
-                  </a:lnTo>
-                  <a:lnTo>
-                    <a:pt x="3483" y="2314"/>
-                  </a:lnTo>
-                  <a:lnTo>
-                    <a:pt x="3531" y="2144"/>
-                  </a:lnTo>
-                  <a:lnTo>
-                    <a:pt x="3556" y="1973"/>
-                  </a:lnTo>
-                  <a:lnTo>
-                    <a:pt x="3580" y="1803"/>
-                  </a:lnTo>
-                  <a:lnTo>
-                    <a:pt x="3580" y="1803"/>
-                  </a:lnTo>
-                  <a:lnTo>
-                    <a:pt x="3556" y="1608"/>
-                  </a:lnTo>
-                  <a:lnTo>
-                    <a:pt x="3531" y="1437"/>
-                  </a:lnTo>
-                  <a:lnTo>
-                    <a:pt x="3483" y="1267"/>
-                  </a:lnTo>
-                  <a:lnTo>
-                    <a:pt x="3434" y="1096"/>
-                  </a:lnTo>
-                  <a:lnTo>
-                    <a:pt x="3361" y="950"/>
-                  </a:lnTo>
-                  <a:lnTo>
-                    <a:pt x="3264" y="804"/>
-                  </a:lnTo>
-                  <a:lnTo>
-                    <a:pt x="3166" y="658"/>
-                  </a:lnTo>
-                  <a:lnTo>
-                    <a:pt x="3044" y="536"/>
-                  </a:lnTo>
-                  <a:lnTo>
-                    <a:pt x="2923" y="414"/>
-                  </a:lnTo>
-                  <a:lnTo>
-                    <a:pt x="2776" y="317"/>
-                  </a:lnTo>
-                  <a:lnTo>
-                    <a:pt x="2630" y="220"/>
-                  </a:lnTo>
-                  <a:lnTo>
-                    <a:pt x="2484" y="147"/>
-                  </a:lnTo>
-                  <a:lnTo>
-                    <a:pt x="2314" y="98"/>
-                  </a:lnTo>
-                  <a:lnTo>
-                    <a:pt x="2143" y="49"/>
-                  </a:lnTo>
-                  <a:lnTo>
-                    <a:pt x="1973" y="25"/>
-                  </a:lnTo>
-                  <a:lnTo>
-                    <a:pt x="1778" y="0"/>
-                  </a:lnTo>
-                  <a:lnTo>
-                    <a:pt x="1778" y="0"/>
-                  </a:lnTo>
-                  <a:lnTo>
-                    <a:pt x="1607" y="25"/>
-                  </a:lnTo>
-                  <a:lnTo>
-                    <a:pt x="1437" y="49"/>
-                  </a:lnTo>
-                  <a:lnTo>
-                    <a:pt x="1266" y="98"/>
-                  </a:lnTo>
-                  <a:lnTo>
-                    <a:pt x="1096" y="147"/>
-                  </a:lnTo>
-                  <a:lnTo>
-                    <a:pt x="925" y="220"/>
-                  </a:lnTo>
-                  <a:lnTo>
-                    <a:pt x="779" y="317"/>
-                  </a:lnTo>
-                  <a:lnTo>
-                    <a:pt x="658" y="414"/>
-                  </a:lnTo>
-                  <a:lnTo>
-                    <a:pt x="536" y="536"/>
-                  </a:lnTo>
-                  <a:lnTo>
-                    <a:pt x="414" y="658"/>
-                  </a:lnTo>
-                  <a:lnTo>
-                    <a:pt x="317" y="804"/>
-                  </a:lnTo>
-                  <a:lnTo>
-                    <a:pt x="219" y="950"/>
-                  </a:lnTo>
-                  <a:lnTo>
-                    <a:pt x="146" y="1096"/>
-                  </a:lnTo>
-                  <a:lnTo>
-                    <a:pt x="73" y="1267"/>
-                  </a:lnTo>
-                  <a:lnTo>
-                    <a:pt x="49" y="1437"/>
-                  </a:lnTo>
-                  <a:lnTo>
-                    <a:pt x="24" y="1608"/>
-                  </a:lnTo>
-                  <a:lnTo>
-                    <a:pt x="0" y="1803"/>
-                  </a:lnTo>
-                  <a:lnTo>
-                    <a:pt x="0" y="1803"/>
-                  </a:lnTo>
-                  <a:lnTo>
-                    <a:pt x="24" y="2071"/>
-                  </a:lnTo>
-                  <a:lnTo>
-                    <a:pt x="97" y="2339"/>
-                  </a:lnTo>
-                  <a:lnTo>
-                    <a:pt x="195" y="2582"/>
-                  </a:lnTo>
-                  <a:lnTo>
-                    <a:pt x="317" y="2801"/>
-                  </a:lnTo>
-                </a:path>
-              </a:pathLst>
-            </a:custGeom>
-            <a:noFill/>
-            <a:ln w="12175" cap="rnd" cmpd="sng">
-              <a:solidFill>
-                <a:schemeClr val="accent5"/>
-              </a:solidFill>
-              <a:prstDash val="solid"/>
-              <a:round/>
-              <a:headEnd type="none" w="sm" len="sm"/>
-              <a:tailEnd type="none" w="sm" len="sm"/>
-            </a:ln>
-          </p:spPr>
-          <p:txBody>
-            <a:bodyPr spcFirstLastPara="1" wrap="square" lIns="91425" tIns="91425" rIns="91425" bIns="91425" anchor="ctr" anchorCtr="0">
-              <a:noAutofit/>
-            </a:bodyPr>
-            <a:lstStyle/>
-            <a:p>
-              <a:pPr marL="0" lvl="0" indent="0" algn="l" rtl="0">
-                <a:spcBef>
-                  <a:spcPts val="0"/>
-                </a:spcBef>
-                <a:spcAft>
-                  <a:spcPts val="0"/>
-                </a:spcAft>
-                <a:buNone/>
-              </a:pPr>
-              <a:endParaRPr/>
-            </a:p>
-          </p:txBody>
-        </p:sp>
-        <p:sp>
-          <p:nvSpPr>
-            <p:cNvPr id="15" name="Google Shape;1268;p46">
-              <a:extLst>
-                <a:ext uri="{FF2B5EF4-FFF2-40B4-BE49-F238E27FC236}">
-                  <a16:creationId xmlns:a16="http://schemas.microsoft.com/office/drawing/2014/main" id="{FA76C63D-44C3-224E-87BA-F41DBEE3D566}"/>
-                </a:ext>
-              </a:extLst>
-            </p:cNvPr>
-            <p:cNvSpPr/>
-            <p:nvPr/>
-          </p:nvSpPr>
-          <p:spPr>
-            <a:xfrm>
-              <a:off x="5323025" y="4980625"/>
-              <a:ext cx="88925" cy="88925"/>
-            </a:xfrm>
-            <a:custGeom>
-              <a:avLst/>
-              <a:gdLst/>
-              <a:ahLst/>
-              <a:cxnLst/>
-              <a:rect l="l" t="t" r="r" b="b"/>
-              <a:pathLst>
-                <a:path w="3557" h="3557" fill="none" extrusionOk="0">
-                  <a:moveTo>
-                    <a:pt x="3191" y="2850"/>
-                  </a:moveTo>
-                  <a:lnTo>
-                    <a:pt x="3191" y="2850"/>
-                  </a:lnTo>
-                  <a:lnTo>
-                    <a:pt x="3313" y="2680"/>
-                  </a:lnTo>
-                  <a:lnTo>
-                    <a:pt x="3410" y="2509"/>
-                  </a:lnTo>
-                  <a:lnTo>
-                    <a:pt x="3483" y="2314"/>
-                  </a:lnTo>
-                  <a:lnTo>
-                    <a:pt x="3532" y="2095"/>
-                  </a:lnTo>
-                  <a:lnTo>
-                    <a:pt x="3532" y="2095"/>
-                  </a:lnTo>
-                  <a:lnTo>
-                    <a:pt x="3556" y="1925"/>
-                  </a:lnTo>
-                  <a:lnTo>
-                    <a:pt x="3556" y="1730"/>
-                  </a:lnTo>
-                  <a:lnTo>
-                    <a:pt x="3556" y="1559"/>
-                  </a:lnTo>
-                  <a:lnTo>
-                    <a:pt x="3508" y="1389"/>
-                  </a:lnTo>
-                  <a:lnTo>
-                    <a:pt x="3459" y="1218"/>
-                  </a:lnTo>
-                  <a:lnTo>
-                    <a:pt x="3410" y="1072"/>
-                  </a:lnTo>
-                  <a:lnTo>
-                    <a:pt x="3337" y="902"/>
-                  </a:lnTo>
-                  <a:lnTo>
-                    <a:pt x="3240" y="756"/>
-                  </a:lnTo>
-                  <a:lnTo>
-                    <a:pt x="3142" y="634"/>
-                  </a:lnTo>
-                  <a:lnTo>
-                    <a:pt x="3021" y="512"/>
-                  </a:lnTo>
-                  <a:lnTo>
-                    <a:pt x="2899" y="390"/>
-                  </a:lnTo>
-                  <a:lnTo>
-                    <a:pt x="2753" y="293"/>
-                  </a:lnTo>
-                  <a:lnTo>
-                    <a:pt x="2606" y="196"/>
-                  </a:lnTo>
-                  <a:lnTo>
-                    <a:pt x="2436" y="122"/>
-                  </a:lnTo>
-                  <a:lnTo>
-                    <a:pt x="2266" y="74"/>
-                  </a:lnTo>
-                  <a:lnTo>
-                    <a:pt x="2095" y="25"/>
-                  </a:lnTo>
-                  <a:lnTo>
-                    <a:pt x="2095" y="25"/>
-                  </a:lnTo>
-                  <a:lnTo>
-                    <a:pt x="1925" y="1"/>
-                  </a:lnTo>
-                  <a:lnTo>
-                    <a:pt x="1730" y="1"/>
-                  </a:lnTo>
-                  <a:lnTo>
-                    <a:pt x="1559" y="1"/>
-                  </a:lnTo>
-                  <a:lnTo>
-                    <a:pt x="1389" y="25"/>
-                  </a:lnTo>
-                  <a:lnTo>
-                    <a:pt x="1218" y="74"/>
-                  </a:lnTo>
-                  <a:lnTo>
-                    <a:pt x="1072" y="147"/>
-                  </a:lnTo>
-                  <a:lnTo>
-                    <a:pt x="902" y="220"/>
-                  </a:lnTo>
-                  <a:lnTo>
-                    <a:pt x="756" y="317"/>
-                  </a:lnTo>
-                  <a:lnTo>
-                    <a:pt x="634" y="415"/>
-                  </a:lnTo>
-                  <a:lnTo>
-                    <a:pt x="512" y="537"/>
-                  </a:lnTo>
-                  <a:lnTo>
-                    <a:pt x="390" y="658"/>
-                  </a:lnTo>
-                  <a:lnTo>
-                    <a:pt x="293" y="804"/>
-                  </a:lnTo>
-                  <a:lnTo>
-                    <a:pt x="195" y="951"/>
-                  </a:lnTo>
-                  <a:lnTo>
-                    <a:pt x="122" y="1097"/>
-                  </a:lnTo>
-                  <a:lnTo>
-                    <a:pt x="74" y="1267"/>
-                  </a:lnTo>
-                  <a:lnTo>
-                    <a:pt x="25" y="1462"/>
-                  </a:lnTo>
-                  <a:lnTo>
-                    <a:pt x="25" y="1462"/>
-                  </a:lnTo>
-                  <a:lnTo>
-                    <a:pt x="1" y="1633"/>
-                  </a:lnTo>
-                  <a:lnTo>
-                    <a:pt x="1" y="1803"/>
-                  </a:lnTo>
-                  <a:lnTo>
-                    <a:pt x="1" y="1998"/>
-                  </a:lnTo>
-                  <a:lnTo>
-                    <a:pt x="25" y="2168"/>
-                  </a:lnTo>
-                  <a:lnTo>
-                    <a:pt x="74" y="2339"/>
-                  </a:lnTo>
-                  <a:lnTo>
-                    <a:pt x="147" y="2485"/>
-                  </a:lnTo>
-                  <a:lnTo>
-                    <a:pt x="220" y="2655"/>
-                  </a:lnTo>
-                  <a:lnTo>
-                    <a:pt x="317" y="2777"/>
-                  </a:lnTo>
-                  <a:lnTo>
-                    <a:pt x="415" y="2923"/>
-                  </a:lnTo>
-                  <a:lnTo>
-                    <a:pt x="536" y="3045"/>
-                  </a:lnTo>
-                  <a:lnTo>
-                    <a:pt x="658" y="3167"/>
-                  </a:lnTo>
-                  <a:lnTo>
-                    <a:pt x="804" y="3264"/>
-                  </a:lnTo>
-                  <a:lnTo>
-                    <a:pt x="950" y="3362"/>
-                  </a:lnTo>
-                  <a:lnTo>
-                    <a:pt x="1096" y="3435"/>
-                  </a:lnTo>
-                  <a:lnTo>
-                    <a:pt x="1267" y="3483"/>
-                  </a:lnTo>
-                  <a:lnTo>
-                    <a:pt x="1462" y="3532"/>
-                  </a:lnTo>
-                  <a:lnTo>
-                    <a:pt x="1462" y="3532"/>
-                  </a:lnTo>
-                  <a:lnTo>
-                    <a:pt x="1705" y="3557"/>
-                  </a:lnTo>
-                  <a:lnTo>
-                    <a:pt x="1973" y="3557"/>
-                  </a:lnTo>
-                  <a:lnTo>
-                    <a:pt x="2217" y="3508"/>
-                  </a:lnTo>
-                  <a:lnTo>
-                    <a:pt x="2460" y="3435"/>
-                  </a:lnTo>
-                </a:path>
-              </a:pathLst>
-            </a:custGeom>
-            <a:noFill/>
-            <a:ln w="12175" cap="rnd" cmpd="sng">
-              <a:solidFill>
-                <a:schemeClr val="accent5"/>
-              </a:solidFill>
-              <a:prstDash val="solid"/>
-              <a:round/>
-              <a:headEnd type="none" w="sm" len="sm"/>
-              <a:tailEnd type="none" w="sm" len="sm"/>
-            </a:ln>
-          </p:spPr>
-          <p:txBody>
-            <a:bodyPr spcFirstLastPara="1" wrap="square" lIns="91425" tIns="91425" rIns="91425" bIns="91425" anchor="ctr" anchorCtr="0">
-              <a:noAutofit/>
-            </a:bodyPr>
-            <a:lstStyle/>
-            <a:p>
-              <a:pPr marL="0" lvl="0" indent="0" algn="l" rtl="0">
-                <a:spcBef>
-                  <a:spcPts val="0"/>
-                </a:spcBef>
-                <a:spcAft>
-                  <a:spcPts val="0"/>
-                </a:spcAft>
-                <a:buNone/>
-              </a:pPr>
-              <a:endParaRPr/>
-            </a:p>
-          </p:txBody>
-        </p:sp>
-        <p:sp>
-          <p:nvSpPr>
-            <p:cNvPr id="16" name="Google Shape;1269;p46">
-              <a:extLst>
-                <a:ext uri="{FF2B5EF4-FFF2-40B4-BE49-F238E27FC236}">
-                  <a16:creationId xmlns:a16="http://schemas.microsoft.com/office/drawing/2014/main" id="{758AA347-DC5C-DD4D-9EA8-C3D552DBC07F}"/>
-                </a:ext>
-              </a:extLst>
-            </p:cNvPr>
-            <p:cNvSpPr/>
-            <p:nvPr/>
-          </p:nvSpPr>
-          <p:spPr>
-            <a:xfrm>
-              <a:off x="5233525" y="5255225"/>
-              <a:ext cx="89525" cy="89525"/>
-            </a:xfrm>
-            <a:custGeom>
-              <a:avLst/>
-              <a:gdLst/>
-              <a:ahLst/>
-              <a:cxnLst/>
-              <a:rect l="l" t="t" r="r" b="b"/>
-              <a:pathLst>
-                <a:path w="3581" h="3581" fill="none" extrusionOk="0">
-                  <a:moveTo>
-                    <a:pt x="3215" y="707"/>
-                  </a:moveTo>
-                  <a:lnTo>
-                    <a:pt x="3215" y="707"/>
-                  </a:lnTo>
-                  <a:lnTo>
-                    <a:pt x="3093" y="585"/>
-                  </a:lnTo>
-                  <a:lnTo>
-                    <a:pt x="2972" y="464"/>
-                  </a:lnTo>
-                  <a:lnTo>
-                    <a:pt x="2850" y="342"/>
-                  </a:lnTo>
-                  <a:lnTo>
-                    <a:pt x="2679" y="244"/>
-                  </a:lnTo>
-                  <a:lnTo>
-                    <a:pt x="2679" y="244"/>
-                  </a:lnTo>
-                  <a:lnTo>
-                    <a:pt x="2533" y="171"/>
-                  </a:lnTo>
-                  <a:lnTo>
-                    <a:pt x="2363" y="98"/>
-                  </a:lnTo>
-                  <a:lnTo>
-                    <a:pt x="2192" y="50"/>
-                  </a:lnTo>
-                  <a:lnTo>
-                    <a:pt x="2022" y="25"/>
-                  </a:lnTo>
-                  <a:lnTo>
-                    <a:pt x="1851" y="1"/>
-                  </a:lnTo>
-                  <a:lnTo>
-                    <a:pt x="1681" y="25"/>
-                  </a:lnTo>
-                  <a:lnTo>
-                    <a:pt x="1510" y="25"/>
-                  </a:lnTo>
-                  <a:lnTo>
-                    <a:pt x="1340" y="74"/>
-                  </a:lnTo>
-                  <a:lnTo>
-                    <a:pt x="1169" y="123"/>
-                  </a:lnTo>
-                  <a:lnTo>
-                    <a:pt x="1023" y="196"/>
-                  </a:lnTo>
-                  <a:lnTo>
-                    <a:pt x="877" y="269"/>
-                  </a:lnTo>
-                  <a:lnTo>
-                    <a:pt x="731" y="366"/>
-                  </a:lnTo>
-                  <a:lnTo>
-                    <a:pt x="585" y="488"/>
-                  </a:lnTo>
-                  <a:lnTo>
-                    <a:pt x="463" y="610"/>
-                  </a:lnTo>
-                  <a:lnTo>
-                    <a:pt x="341" y="731"/>
-                  </a:lnTo>
-                  <a:lnTo>
-                    <a:pt x="244" y="902"/>
-                  </a:lnTo>
-                  <a:lnTo>
-                    <a:pt x="244" y="902"/>
-                  </a:lnTo>
-                  <a:lnTo>
-                    <a:pt x="171" y="1048"/>
-                  </a:lnTo>
-                  <a:lnTo>
-                    <a:pt x="98" y="1219"/>
-                  </a:lnTo>
-                  <a:lnTo>
-                    <a:pt x="49" y="1389"/>
-                  </a:lnTo>
-                  <a:lnTo>
-                    <a:pt x="25" y="1560"/>
-                  </a:lnTo>
-                  <a:lnTo>
-                    <a:pt x="0" y="1730"/>
-                  </a:lnTo>
-                  <a:lnTo>
-                    <a:pt x="0" y="1900"/>
-                  </a:lnTo>
-                  <a:lnTo>
-                    <a:pt x="25" y="2071"/>
-                  </a:lnTo>
-                  <a:lnTo>
-                    <a:pt x="73" y="2241"/>
-                  </a:lnTo>
-                  <a:lnTo>
-                    <a:pt x="122" y="2412"/>
-                  </a:lnTo>
-                  <a:lnTo>
-                    <a:pt x="195" y="2558"/>
-                  </a:lnTo>
-                  <a:lnTo>
-                    <a:pt x="268" y="2729"/>
-                  </a:lnTo>
-                  <a:lnTo>
-                    <a:pt x="366" y="2850"/>
-                  </a:lnTo>
-                  <a:lnTo>
-                    <a:pt x="463" y="2996"/>
-                  </a:lnTo>
-                  <a:lnTo>
-                    <a:pt x="609" y="3118"/>
-                  </a:lnTo>
-                  <a:lnTo>
-                    <a:pt x="731" y="3240"/>
-                  </a:lnTo>
-                  <a:lnTo>
-                    <a:pt x="901" y="3337"/>
-                  </a:lnTo>
-                  <a:lnTo>
-                    <a:pt x="901" y="3337"/>
-                  </a:lnTo>
-                  <a:lnTo>
-                    <a:pt x="1048" y="3410"/>
-                  </a:lnTo>
-                  <a:lnTo>
-                    <a:pt x="1218" y="3484"/>
-                  </a:lnTo>
-                  <a:lnTo>
-                    <a:pt x="1389" y="3532"/>
-                  </a:lnTo>
-                  <a:lnTo>
-                    <a:pt x="1559" y="3557"/>
-                  </a:lnTo>
-                  <a:lnTo>
-                    <a:pt x="1730" y="3581"/>
-                  </a:lnTo>
-                  <a:lnTo>
-                    <a:pt x="1900" y="3581"/>
-                  </a:lnTo>
-                  <a:lnTo>
-                    <a:pt x="2071" y="3557"/>
-                  </a:lnTo>
-                  <a:lnTo>
-                    <a:pt x="2241" y="3508"/>
-                  </a:lnTo>
-                  <a:lnTo>
-                    <a:pt x="2411" y="3459"/>
-                  </a:lnTo>
-                  <a:lnTo>
-                    <a:pt x="2558" y="3410"/>
-                  </a:lnTo>
-                  <a:lnTo>
-                    <a:pt x="2704" y="3313"/>
-                  </a:lnTo>
-                  <a:lnTo>
-                    <a:pt x="2850" y="3216"/>
-                  </a:lnTo>
-                  <a:lnTo>
-                    <a:pt x="2996" y="3118"/>
-                  </a:lnTo>
-                  <a:lnTo>
-                    <a:pt x="3118" y="2996"/>
-                  </a:lnTo>
-                  <a:lnTo>
-                    <a:pt x="3240" y="2850"/>
-                  </a:lnTo>
-                  <a:lnTo>
-                    <a:pt x="3337" y="2704"/>
-                  </a:lnTo>
-                  <a:lnTo>
-                    <a:pt x="3337" y="2704"/>
-                  </a:lnTo>
-                  <a:lnTo>
-                    <a:pt x="3459" y="2412"/>
-                  </a:lnTo>
-                  <a:lnTo>
-                    <a:pt x="3532" y="2144"/>
-                  </a:lnTo>
-                  <a:lnTo>
-                    <a:pt x="3581" y="1852"/>
-                  </a:lnTo>
-                  <a:lnTo>
-                    <a:pt x="3556" y="1560"/>
-                  </a:lnTo>
-                </a:path>
-              </a:pathLst>
-            </a:custGeom>
-            <a:noFill/>
-            <a:ln w="12175" cap="rnd" cmpd="sng">
-              <a:solidFill>
-                <a:schemeClr val="accent5"/>
-              </a:solidFill>
-              <a:prstDash val="solid"/>
-              <a:round/>
-              <a:headEnd type="none" w="sm" len="sm"/>
-              <a:tailEnd type="none" w="sm" len="sm"/>
-            </a:ln>
-          </p:spPr>
-          <p:txBody>
-            <a:bodyPr spcFirstLastPara="1" wrap="square" lIns="91425" tIns="91425" rIns="91425" bIns="91425" anchor="ctr" anchorCtr="0">
-              <a:noAutofit/>
-            </a:bodyPr>
-            <a:lstStyle/>
-            <a:p>
-              <a:pPr marL="0" lvl="0" indent="0" algn="l" rtl="0">
-                <a:spcBef>
-                  <a:spcPts val="0"/>
-                </a:spcBef>
-                <a:spcAft>
-                  <a:spcPts val="0"/>
-                </a:spcAft>
-                <a:buNone/>
-              </a:pPr>
-              <a:endParaRPr/>
-            </a:p>
-          </p:txBody>
-        </p:sp>
-        <p:sp>
-          <p:nvSpPr>
-            <p:cNvPr id="17" name="Google Shape;1270;p46">
-              <a:extLst>
-                <a:ext uri="{FF2B5EF4-FFF2-40B4-BE49-F238E27FC236}">
-                  <a16:creationId xmlns:a16="http://schemas.microsoft.com/office/drawing/2014/main" id="{8EC91DD6-0CE9-1749-84C1-314D649DFCD6}"/>
-                </a:ext>
-              </a:extLst>
-            </p:cNvPr>
-            <p:cNvSpPr/>
-            <p:nvPr/>
-          </p:nvSpPr>
-          <p:spPr>
-            <a:xfrm>
-              <a:off x="5453325" y="5382475"/>
-              <a:ext cx="88925" cy="88325"/>
-            </a:xfrm>
-            <a:custGeom>
-              <a:avLst/>
-              <a:gdLst/>
-              <a:ahLst/>
-              <a:cxnLst/>
-              <a:rect l="l" t="t" r="r" b="b"/>
-              <a:pathLst>
-                <a:path w="3557" h="3533" fill="none" extrusionOk="0">
-                  <a:moveTo>
-                    <a:pt x="1389" y="1"/>
-                  </a:moveTo>
-                  <a:lnTo>
-                    <a:pt x="1389" y="1"/>
-                  </a:lnTo>
-                  <a:lnTo>
-                    <a:pt x="1194" y="50"/>
-                  </a:lnTo>
-                  <a:lnTo>
-                    <a:pt x="999" y="147"/>
-                  </a:lnTo>
-                  <a:lnTo>
-                    <a:pt x="804" y="245"/>
-                  </a:lnTo>
-                  <a:lnTo>
-                    <a:pt x="634" y="366"/>
-                  </a:lnTo>
-                  <a:lnTo>
-                    <a:pt x="634" y="366"/>
-                  </a:lnTo>
-                  <a:lnTo>
-                    <a:pt x="488" y="488"/>
-                  </a:lnTo>
-                  <a:lnTo>
-                    <a:pt x="390" y="634"/>
-                  </a:lnTo>
-                  <a:lnTo>
-                    <a:pt x="268" y="780"/>
-                  </a:lnTo>
-                  <a:lnTo>
-                    <a:pt x="195" y="926"/>
-                  </a:lnTo>
-                  <a:lnTo>
-                    <a:pt x="122" y="1073"/>
-                  </a:lnTo>
-                  <a:lnTo>
-                    <a:pt x="74" y="1243"/>
-                  </a:lnTo>
-                  <a:lnTo>
-                    <a:pt x="25" y="1414"/>
-                  </a:lnTo>
-                  <a:lnTo>
-                    <a:pt x="0" y="1584"/>
-                  </a:lnTo>
-                  <a:lnTo>
-                    <a:pt x="0" y="1755"/>
-                  </a:lnTo>
-                  <a:lnTo>
-                    <a:pt x="0" y="1925"/>
-                  </a:lnTo>
-                  <a:lnTo>
-                    <a:pt x="25" y="2096"/>
-                  </a:lnTo>
-                  <a:lnTo>
-                    <a:pt x="74" y="2266"/>
-                  </a:lnTo>
-                  <a:lnTo>
-                    <a:pt x="122" y="2412"/>
-                  </a:lnTo>
-                  <a:lnTo>
-                    <a:pt x="195" y="2583"/>
-                  </a:lnTo>
-                  <a:lnTo>
-                    <a:pt x="293" y="2729"/>
-                  </a:lnTo>
-                  <a:lnTo>
-                    <a:pt x="415" y="2875"/>
-                  </a:lnTo>
-                  <a:lnTo>
-                    <a:pt x="415" y="2875"/>
-                  </a:lnTo>
-                  <a:lnTo>
-                    <a:pt x="536" y="3021"/>
-                  </a:lnTo>
-                  <a:lnTo>
-                    <a:pt x="658" y="3143"/>
-                  </a:lnTo>
-                  <a:lnTo>
-                    <a:pt x="804" y="3240"/>
-                  </a:lnTo>
-                  <a:lnTo>
-                    <a:pt x="950" y="3313"/>
-                  </a:lnTo>
-                  <a:lnTo>
-                    <a:pt x="1121" y="3386"/>
-                  </a:lnTo>
-                  <a:lnTo>
-                    <a:pt x="1267" y="3459"/>
-                  </a:lnTo>
-                  <a:lnTo>
-                    <a:pt x="1437" y="3484"/>
-                  </a:lnTo>
-                  <a:lnTo>
-                    <a:pt x="1608" y="3508"/>
-                  </a:lnTo>
-                  <a:lnTo>
-                    <a:pt x="1778" y="3532"/>
-                  </a:lnTo>
-                  <a:lnTo>
-                    <a:pt x="1949" y="3508"/>
-                  </a:lnTo>
-                  <a:lnTo>
-                    <a:pt x="2119" y="3484"/>
-                  </a:lnTo>
-                  <a:lnTo>
-                    <a:pt x="2290" y="3435"/>
-                  </a:lnTo>
-                  <a:lnTo>
-                    <a:pt x="2460" y="3386"/>
-                  </a:lnTo>
-                  <a:lnTo>
-                    <a:pt x="2606" y="3313"/>
-                  </a:lnTo>
-                  <a:lnTo>
-                    <a:pt x="2777" y="3216"/>
-                  </a:lnTo>
-                  <a:lnTo>
-                    <a:pt x="2923" y="3118"/>
-                  </a:lnTo>
-                  <a:lnTo>
-                    <a:pt x="2923" y="3118"/>
-                  </a:lnTo>
-                  <a:lnTo>
-                    <a:pt x="3045" y="2997"/>
-                  </a:lnTo>
-                  <a:lnTo>
-                    <a:pt x="3167" y="2851"/>
-                  </a:lnTo>
-                  <a:lnTo>
-                    <a:pt x="3264" y="2704"/>
-                  </a:lnTo>
-                  <a:lnTo>
-                    <a:pt x="3361" y="2558"/>
-                  </a:lnTo>
-                  <a:lnTo>
-                    <a:pt x="3435" y="2412"/>
-                  </a:lnTo>
-                  <a:lnTo>
-                    <a:pt x="3483" y="2242"/>
-                  </a:lnTo>
-                  <a:lnTo>
-                    <a:pt x="3532" y="2071"/>
-                  </a:lnTo>
-                  <a:lnTo>
-                    <a:pt x="3556" y="1901"/>
-                  </a:lnTo>
-                  <a:lnTo>
-                    <a:pt x="3556" y="1730"/>
-                  </a:lnTo>
-                  <a:lnTo>
-                    <a:pt x="3556" y="1560"/>
-                  </a:lnTo>
-                  <a:lnTo>
-                    <a:pt x="3532" y="1389"/>
-                  </a:lnTo>
-                  <a:lnTo>
-                    <a:pt x="3483" y="1219"/>
-                  </a:lnTo>
-                  <a:lnTo>
-                    <a:pt x="3410" y="1048"/>
-                  </a:lnTo>
-                  <a:lnTo>
-                    <a:pt x="3337" y="902"/>
-                  </a:lnTo>
-                  <a:lnTo>
-                    <a:pt x="3264" y="756"/>
-                  </a:lnTo>
-                  <a:lnTo>
-                    <a:pt x="3142" y="610"/>
-                  </a:lnTo>
-                  <a:lnTo>
-                    <a:pt x="3142" y="610"/>
-                  </a:lnTo>
-                  <a:lnTo>
-                    <a:pt x="2972" y="415"/>
-                  </a:lnTo>
-                  <a:lnTo>
-                    <a:pt x="2753" y="245"/>
-                  </a:lnTo>
-                  <a:lnTo>
-                    <a:pt x="2533" y="123"/>
-                  </a:lnTo>
-                  <a:lnTo>
-                    <a:pt x="2314" y="50"/>
-                  </a:lnTo>
-                </a:path>
-              </a:pathLst>
-            </a:custGeom>
-            <a:noFill/>
-            <a:ln w="12175" cap="rnd" cmpd="sng">
-              <a:solidFill>
-                <a:schemeClr val="accent5"/>
-              </a:solidFill>
-              <a:prstDash val="solid"/>
-              <a:round/>
-              <a:headEnd type="none" w="sm" len="sm"/>
-              <a:tailEnd type="none" w="sm" len="sm"/>
-            </a:ln>
-          </p:spPr>
-          <p:txBody>
-            <a:bodyPr spcFirstLastPara="1" wrap="square" lIns="91425" tIns="91425" rIns="91425" bIns="91425" anchor="ctr" anchorCtr="0">
-              <a:noAutofit/>
-            </a:bodyPr>
-            <a:lstStyle/>
-            <a:p>
-              <a:pPr marL="0" lvl="0" indent="0" algn="l" rtl="0">
-                <a:spcBef>
-                  <a:spcPts val="0"/>
-                </a:spcBef>
-                <a:spcAft>
-                  <a:spcPts val="0"/>
-                </a:spcAft>
-                <a:buNone/>
-              </a:pPr>
-              <a:endParaRPr/>
-            </a:p>
-          </p:txBody>
-        </p:sp>
-        <p:sp>
-          <p:nvSpPr>
-            <p:cNvPr id="18" name="Google Shape;1271;p46">
-              <a:extLst>
-                <a:ext uri="{FF2B5EF4-FFF2-40B4-BE49-F238E27FC236}">
-                  <a16:creationId xmlns:a16="http://schemas.microsoft.com/office/drawing/2014/main" id="{15F84645-710B-A242-BEC2-225B0378600B}"/>
-                </a:ext>
-              </a:extLst>
-            </p:cNvPr>
-            <p:cNvSpPr/>
-            <p:nvPr/>
-          </p:nvSpPr>
-          <p:spPr>
-            <a:xfrm>
-              <a:off x="5682875" y="5188875"/>
-              <a:ext cx="88925" cy="89525"/>
-            </a:xfrm>
-            <a:custGeom>
-              <a:avLst/>
-              <a:gdLst/>
-              <a:ahLst/>
-              <a:cxnLst/>
-              <a:rect l="l" t="t" r="r" b="b"/>
-              <a:pathLst>
-                <a:path w="3557" h="3581" fill="none" extrusionOk="0">
-                  <a:moveTo>
-                    <a:pt x="0" y="2022"/>
-                  </a:moveTo>
-                  <a:lnTo>
-                    <a:pt x="0" y="2022"/>
-                  </a:lnTo>
-                  <a:lnTo>
-                    <a:pt x="25" y="2216"/>
-                  </a:lnTo>
-                  <a:lnTo>
-                    <a:pt x="98" y="2411"/>
-                  </a:lnTo>
-                  <a:lnTo>
-                    <a:pt x="98" y="2411"/>
-                  </a:lnTo>
-                  <a:lnTo>
-                    <a:pt x="171" y="2557"/>
-                  </a:lnTo>
-                  <a:lnTo>
-                    <a:pt x="244" y="2728"/>
-                  </a:lnTo>
-                  <a:lnTo>
-                    <a:pt x="341" y="2874"/>
-                  </a:lnTo>
-                  <a:lnTo>
-                    <a:pt x="463" y="2996"/>
-                  </a:lnTo>
-                  <a:lnTo>
-                    <a:pt x="585" y="3118"/>
-                  </a:lnTo>
-                  <a:lnTo>
-                    <a:pt x="707" y="3239"/>
-                  </a:lnTo>
-                  <a:lnTo>
-                    <a:pt x="853" y="3337"/>
-                  </a:lnTo>
-                  <a:lnTo>
-                    <a:pt x="999" y="3410"/>
-                  </a:lnTo>
-                  <a:lnTo>
-                    <a:pt x="1169" y="3483"/>
-                  </a:lnTo>
-                  <a:lnTo>
-                    <a:pt x="1340" y="3532"/>
-                  </a:lnTo>
-                  <a:lnTo>
-                    <a:pt x="1510" y="3556"/>
-                  </a:lnTo>
-                  <a:lnTo>
-                    <a:pt x="1681" y="3580"/>
-                  </a:lnTo>
-                  <a:lnTo>
-                    <a:pt x="1851" y="3580"/>
-                  </a:lnTo>
-                  <a:lnTo>
-                    <a:pt x="2022" y="3556"/>
-                  </a:lnTo>
-                  <a:lnTo>
-                    <a:pt x="2192" y="3532"/>
-                  </a:lnTo>
-                  <a:lnTo>
-                    <a:pt x="2363" y="3459"/>
-                  </a:lnTo>
-                  <a:lnTo>
-                    <a:pt x="2363" y="3459"/>
-                  </a:lnTo>
-                  <a:lnTo>
-                    <a:pt x="2533" y="3410"/>
-                  </a:lnTo>
-                  <a:lnTo>
-                    <a:pt x="2704" y="3312"/>
-                  </a:lnTo>
-                  <a:lnTo>
-                    <a:pt x="2850" y="3215"/>
-                  </a:lnTo>
-                  <a:lnTo>
-                    <a:pt x="2972" y="3093"/>
-                  </a:lnTo>
-                  <a:lnTo>
-                    <a:pt x="3093" y="2971"/>
-                  </a:lnTo>
-                  <a:lnTo>
-                    <a:pt x="3215" y="2850"/>
-                  </a:lnTo>
-                  <a:lnTo>
-                    <a:pt x="3288" y="2704"/>
-                  </a:lnTo>
-                  <a:lnTo>
-                    <a:pt x="3386" y="2557"/>
-                  </a:lnTo>
-                  <a:lnTo>
-                    <a:pt x="3434" y="2387"/>
-                  </a:lnTo>
-                  <a:lnTo>
-                    <a:pt x="3483" y="2216"/>
-                  </a:lnTo>
-                  <a:lnTo>
-                    <a:pt x="3532" y="2070"/>
-                  </a:lnTo>
-                  <a:lnTo>
-                    <a:pt x="3556" y="1875"/>
-                  </a:lnTo>
-                  <a:lnTo>
-                    <a:pt x="3556" y="1705"/>
-                  </a:lnTo>
-                  <a:lnTo>
-                    <a:pt x="3532" y="1534"/>
-                  </a:lnTo>
-                  <a:lnTo>
-                    <a:pt x="3507" y="1364"/>
-                  </a:lnTo>
-                  <a:lnTo>
-                    <a:pt x="3434" y="1194"/>
-                  </a:lnTo>
-                  <a:lnTo>
-                    <a:pt x="3434" y="1194"/>
-                  </a:lnTo>
-                  <a:lnTo>
-                    <a:pt x="3361" y="1023"/>
-                  </a:lnTo>
-                  <a:lnTo>
-                    <a:pt x="3288" y="853"/>
-                  </a:lnTo>
-                  <a:lnTo>
-                    <a:pt x="3191" y="706"/>
-                  </a:lnTo>
-                  <a:lnTo>
-                    <a:pt x="3069" y="585"/>
-                  </a:lnTo>
-                  <a:lnTo>
-                    <a:pt x="2947" y="463"/>
-                  </a:lnTo>
-                  <a:lnTo>
-                    <a:pt x="2825" y="341"/>
-                  </a:lnTo>
-                  <a:lnTo>
-                    <a:pt x="2679" y="268"/>
-                  </a:lnTo>
-                  <a:lnTo>
-                    <a:pt x="2533" y="171"/>
-                  </a:lnTo>
-                  <a:lnTo>
-                    <a:pt x="2363" y="122"/>
-                  </a:lnTo>
-                  <a:lnTo>
-                    <a:pt x="2192" y="73"/>
-                  </a:lnTo>
-                  <a:lnTo>
-                    <a:pt x="2022" y="24"/>
-                  </a:lnTo>
-                  <a:lnTo>
-                    <a:pt x="1851" y="24"/>
-                  </a:lnTo>
-                  <a:lnTo>
-                    <a:pt x="1681" y="0"/>
-                  </a:lnTo>
-                  <a:lnTo>
-                    <a:pt x="1510" y="24"/>
-                  </a:lnTo>
-                  <a:lnTo>
-                    <a:pt x="1340" y="73"/>
-                  </a:lnTo>
-                  <a:lnTo>
-                    <a:pt x="1169" y="122"/>
-                  </a:lnTo>
-                  <a:lnTo>
-                    <a:pt x="1169" y="122"/>
-                  </a:lnTo>
-                  <a:lnTo>
-                    <a:pt x="974" y="195"/>
-                  </a:lnTo>
-                  <a:lnTo>
-                    <a:pt x="804" y="292"/>
-                  </a:lnTo>
-                  <a:lnTo>
-                    <a:pt x="658" y="390"/>
-                  </a:lnTo>
-                  <a:lnTo>
-                    <a:pt x="512" y="512"/>
-                  </a:lnTo>
-                  <a:lnTo>
-                    <a:pt x="390" y="658"/>
-                  </a:lnTo>
-                  <a:lnTo>
-                    <a:pt x="293" y="804"/>
-                  </a:lnTo>
-                  <a:lnTo>
-                    <a:pt x="195" y="950"/>
-                  </a:lnTo>
-                  <a:lnTo>
-                    <a:pt x="122" y="1120"/>
-                  </a:lnTo>
-                </a:path>
-              </a:pathLst>
-            </a:custGeom>
-            <a:noFill/>
-            <a:ln w="12175" cap="rnd" cmpd="sng">
-              <a:solidFill>
-                <a:schemeClr val="accent5"/>
-              </a:solidFill>
-              <a:prstDash val="solid"/>
-              <a:round/>
-              <a:headEnd type="none" w="sm" len="sm"/>
-              <a:tailEnd type="none" w="sm" len="sm"/>
-            </a:ln>
-          </p:spPr>
-          <p:txBody>
-            <a:bodyPr spcFirstLastPara="1" wrap="square" lIns="91425" tIns="91425" rIns="91425" bIns="91425" anchor="ctr" anchorCtr="0">
-              <a:noAutofit/>
-            </a:bodyPr>
-            <a:lstStyle/>
-            <a:p>
-              <a:pPr marL="0" lvl="0" indent="0" algn="l" rtl="0">
-                <a:spcBef>
-                  <a:spcPts val="0"/>
-                </a:spcBef>
-                <a:spcAft>
-                  <a:spcPts val="0"/>
-                </a:spcAft>
-                <a:buNone/>
-              </a:pPr>
-              <a:endParaRPr/>
-            </a:p>
-          </p:txBody>
-        </p:sp>
-        <p:sp>
-          <p:nvSpPr>
-            <p:cNvPr id="19" name="Google Shape;1272;p46">
-              <a:extLst>
-                <a:ext uri="{FF2B5EF4-FFF2-40B4-BE49-F238E27FC236}">
-                  <a16:creationId xmlns:a16="http://schemas.microsoft.com/office/drawing/2014/main" id="{BEA088A1-B34D-A343-AF34-DC2C84A47497}"/>
-                </a:ext>
-              </a:extLst>
-            </p:cNvPr>
-            <p:cNvSpPr/>
-            <p:nvPr/>
-          </p:nvSpPr>
-          <p:spPr>
-            <a:xfrm>
-              <a:off x="5411925" y="5110925"/>
-              <a:ext cx="188775" cy="189400"/>
-            </a:xfrm>
-            <a:custGeom>
-              <a:avLst/>
-              <a:gdLst/>
-              <a:ahLst/>
-              <a:cxnLst/>
-              <a:rect l="l" t="t" r="r" b="b"/>
-              <a:pathLst>
-                <a:path w="7551" h="7576" fill="none" extrusionOk="0">
-                  <a:moveTo>
-                    <a:pt x="0" y="3776"/>
-                  </a:moveTo>
-                  <a:lnTo>
-                    <a:pt x="0" y="3776"/>
-                  </a:lnTo>
-                  <a:lnTo>
-                    <a:pt x="25" y="3410"/>
-                  </a:lnTo>
-                  <a:lnTo>
-                    <a:pt x="73" y="3021"/>
-                  </a:lnTo>
-                  <a:lnTo>
-                    <a:pt x="171" y="2655"/>
-                  </a:lnTo>
-                  <a:lnTo>
-                    <a:pt x="293" y="2314"/>
-                  </a:lnTo>
-                  <a:lnTo>
-                    <a:pt x="463" y="1973"/>
-                  </a:lnTo>
-                  <a:lnTo>
-                    <a:pt x="658" y="1681"/>
-                  </a:lnTo>
-                  <a:lnTo>
-                    <a:pt x="877" y="1389"/>
-                  </a:lnTo>
-                  <a:lnTo>
-                    <a:pt x="1121" y="1121"/>
-                  </a:lnTo>
-                  <a:lnTo>
-                    <a:pt x="1389" y="877"/>
-                  </a:lnTo>
-                  <a:lnTo>
-                    <a:pt x="1656" y="658"/>
-                  </a:lnTo>
-                  <a:lnTo>
-                    <a:pt x="1973" y="463"/>
-                  </a:lnTo>
-                  <a:lnTo>
-                    <a:pt x="2314" y="293"/>
-                  </a:lnTo>
-                  <a:lnTo>
-                    <a:pt x="2655" y="171"/>
-                  </a:lnTo>
-                  <a:lnTo>
-                    <a:pt x="3020" y="74"/>
-                  </a:lnTo>
-                  <a:lnTo>
-                    <a:pt x="3386" y="25"/>
-                  </a:lnTo>
-                  <a:lnTo>
-                    <a:pt x="3775" y="1"/>
-                  </a:lnTo>
-                  <a:lnTo>
-                    <a:pt x="3775" y="1"/>
-                  </a:lnTo>
-                  <a:lnTo>
-                    <a:pt x="4165" y="25"/>
-                  </a:lnTo>
-                  <a:lnTo>
-                    <a:pt x="4555" y="74"/>
-                  </a:lnTo>
-                  <a:lnTo>
-                    <a:pt x="4896" y="171"/>
-                  </a:lnTo>
-                  <a:lnTo>
-                    <a:pt x="5261" y="293"/>
-                  </a:lnTo>
-                  <a:lnTo>
-                    <a:pt x="5578" y="463"/>
-                  </a:lnTo>
-                  <a:lnTo>
-                    <a:pt x="5894" y="658"/>
-                  </a:lnTo>
-                  <a:lnTo>
-                    <a:pt x="6186" y="877"/>
-                  </a:lnTo>
-                  <a:lnTo>
-                    <a:pt x="6454" y="1121"/>
-                  </a:lnTo>
-                  <a:lnTo>
-                    <a:pt x="6698" y="1389"/>
-                  </a:lnTo>
-                  <a:lnTo>
-                    <a:pt x="6917" y="1681"/>
-                  </a:lnTo>
-                  <a:lnTo>
-                    <a:pt x="7112" y="1973"/>
-                  </a:lnTo>
-                  <a:lnTo>
-                    <a:pt x="7258" y="2314"/>
-                  </a:lnTo>
-                  <a:lnTo>
-                    <a:pt x="7404" y="2655"/>
-                  </a:lnTo>
-                  <a:lnTo>
-                    <a:pt x="7477" y="3021"/>
-                  </a:lnTo>
-                  <a:lnTo>
-                    <a:pt x="7550" y="3410"/>
-                  </a:lnTo>
-                  <a:lnTo>
-                    <a:pt x="7550" y="3776"/>
-                  </a:lnTo>
-                  <a:lnTo>
-                    <a:pt x="7550" y="3776"/>
-                  </a:lnTo>
-                  <a:lnTo>
-                    <a:pt x="7550" y="4165"/>
-                  </a:lnTo>
-                  <a:lnTo>
-                    <a:pt x="7477" y="4555"/>
-                  </a:lnTo>
-                  <a:lnTo>
-                    <a:pt x="7404" y="4920"/>
-                  </a:lnTo>
-                  <a:lnTo>
-                    <a:pt x="7258" y="5261"/>
-                  </a:lnTo>
-                  <a:lnTo>
-                    <a:pt x="7112" y="5578"/>
-                  </a:lnTo>
-                  <a:lnTo>
-                    <a:pt x="6917" y="5895"/>
-                  </a:lnTo>
-                  <a:lnTo>
-                    <a:pt x="6698" y="6187"/>
-                  </a:lnTo>
-                  <a:lnTo>
-                    <a:pt x="6454" y="6455"/>
-                  </a:lnTo>
-                  <a:lnTo>
-                    <a:pt x="6186" y="6698"/>
-                  </a:lnTo>
-                  <a:lnTo>
-                    <a:pt x="5894" y="6917"/>
-                  </a:lnTo>
-                  <a:lnTo>
-                    <a:pt x="5578" y="7112"/>
-                  </a:lnTo>
-                  <a:lnTo>
-                    <a:pt x="5261" y="7258"/>
-                  </a:lnTo>
-                  <a:lnTo>
-                    <a:pt x="4896" y="7405"/>
-                  </a:lnTo>
-                  <a:lnTo>
-                    <a:pt x="4555" y="7478"/>
-                  </a:lnTo>
-                  <a:lnTo>
-                    <a:pt x="4165" y="7551"/>
-                  </a:lnTo>
-                  <a:lnTo>
-                    <a:pt x="3775" y="7575"/>
-                  </a:lnTo>
-                  <a:lnTo>
-                    <a:pt x="3775" y="7575"/>
-                  </a:lnTo>
-                  <a:lnTo>
-                    <a:pt x="3386" y="7551"/>
-                  </a:lnTo>
-                  <a:lnTo>
-                    <a:pt x="3020" y="7478"/>
-                  </a:lnTo>
-                  <a:lnTo>
-                    <a:pt x="2655" y="7405"/>
-                  </a:lnTo>
-                  <a:lnTo>
-                    <a:pt x="2314" y="7258"/>
-                  </a:lnTo>
-                  <a:lnTo>
-                    <a:pt x="1973" y="7112"/>
-                  </a:lnTo>
-                  <a:lnTo>
-                    <a:pt x="1656" y="6917"/>
-                  </a:lnTo>
-                  <a:lnTo>
-                    <a:pt x="1389" y="6698"/>
-                  </a:lnTo>
-                  <a:lnTo>
-                    <a:pt x="1121" y="6455"/>
-                  </a:lnTo>
-                  <a:lnTo>
-                    <a:pt x="877" y="6187"/>
-                  </a:lnTo>
-                  <a:lnTo>
-                    <a:pt x="658" y="5895"/>
-                  </a:lnTo>
-                  <a:lnTo>
-                    <a:pt x="463" y="5578"/>
-                  </a:lnTo>
-                  <a:lnTo>
-                    <a:pt x="293" y="5261"/>
-                  </a:lnTo>
-                  <a:lnTo>
-                    <a:pt x="171" y="4920"/>
-                  </a:lnTo>
-                  <a:lnTo>
-                    <a:pt x="73" y="4555"/>
-                  </a:lnTo>
-                  <a:lnTo>
-                    <a:pt x="25" y="4165"/>
-                  </a:lnTo>
-                  <a:lnTo>
-                    <a:pt x="0" y="3776"/>
-                  </a:lnTo>
-                  <a:lnTo>
-                    <a:pt x="0" y="3776"/>
-                  </a:lnTo>
-                  <a:close/>
-                </a:path>
-              </a:pathLst>
-            </a:custGeom>
-            <a:noFill/>
-            <a:ln w="12175" cap="rnd" cmpd="sng">
-              <a:solidFill>
-                <a:schemeClr val="accent5"/>
-              </a:solidFill>
-              <a:prstDash val="solid"/>
-              <a:round/>
-              <a:headEnd type="none" w="sm" len="sm"/>
-              <a:tailEnd type="none" w="sm" len="sm"/>
-            </a:ln>
-          </p:spPr>
-          <p:txBody>
-            <a:bodyPr spcFirstLastPara="1" wrap="square" lIns="91425" tIns="91425" rIns="91425" bIns="91425" anchor="ctr" anchorCtr="0">
-              <a:noAutofit/>
-            </a:bodyPr>
-            <a:lstStyle/>
-            <a:p>
-              <a:pPr marL="0" lvl="0" indent="0" algn="l" rtl="0">
-                <a:spcBef>
-                  <a:spcPts val="0"/>
-                </a:spcBef>
-                <a:spcAft>
-                  <a:spcPts val="0"/>
-                </a:spcAft>
-                <a:buNone/>
-              </a:pPr>
-              <a:endParaRPr/>
-            </a:p>
-          </p:txBody>
-        </p:sp>
-        <p:sp>
-          <p:nvSpPr>
-            <p:cNvPr id="20" name="Google Shape;1273;p46">
-              <a:extLst>
-                <a:ext uri="{FF2B5EF4-FFF2-40B4-BE49-F238E27FC236}">
-                  <a16:creationId xmlns:a16="http://schemas.microsoft.com/office/drawing/2014/main" id="{7A821E93-6107-FA4A-8FE1-BC8BA8A22E13}"/>
-                </a:ext>
-              </a:extLst>
-            </p:cNvPr>
-            <p:cNvSpPr/>
-            <p:nvPr/>
-          </p:nvSpPr>
-          <p:spPr>
-            <a:xfrm>
-              <a:off x="5367475" y="5025075"/>
-              <a:ext cx="81600" cy="105975"/>
-            </a:xfrm>
-            <a:custGeom>
-              <a:avLst/>
-              <a:gdLst/>
-              <a:ahLst/>
-              <a:cxnLst/>
-              <a:rect l="l" t="t" r="r" b="b"/>
-              <a:pathLst>
-                <a:path w="3264" h="4239" fill="none" extrusionOk="0">
-                  <a:moveTo>
-                    <a:pt x="0" y="1"/>
-                  </a:moveTo>
-                  <a:lnTo>
-                    <a:pt x="3264" y="4238"/>
-                  </a:lnTo>
-                </a:path>
-              </a:pathLst>
-            </a:custGeom>
-            <a:noFill/>
-            <a:ln w="12175" cap="rnd" cmpd="sng">
-              <a:solidFill>
-                <a:schemeClr val="accent5"/>
-              </a:solidFill>
-              <a:prstDash val="solid"/>
-              <a:round/>
-              <a:headEnd type="none" w="sm" len="sm"/>
-              <a:tailEnd type="none" w="sm" len="sm"/>
-            </a:ln>
-          </p:spPr>
-          <p:txBody>
-            <a:bodyPr spcFirstLastPara="1" wrap="square" lIns="91425" tIns="91425" rIns="91425" bIns="91425" anchor="ctr" anchorCtr="0">
-              <a:noAutofit/>
-            </a:bodyPr>
-            <a:lstStyle/>
-            <a:p>
-              <a:pPr marL="0" lvl="0" indent="0" algn="l" rtl="0">
-                <a:spcBef>
-                  <a:spcPts val="0"/>
-                </a:spcBef>
-                <a:spcAft>
-                  <a:spcPts val="0"/>
-                </a:spcAft>
-                <a:buNone/>
-              </a:pPr>
-              <a:endParaRPr/>
-            </a:p>
-          </p:txBody>
-        </p:sp>
-        <p:sp>
-          <p:nvSpPr>
-            <p:cNvPr id="21" name="Google Shape;1274;p46">
-              <a:extLst>
-                <a:ext uri="{FF2B5EF4-FFF2-40B4-BE49-F238E27FC236}">
-                  <a16:creationId xmlns:a16="http://schemas.microsoft.com/office/drawing/2014/main" id="{592D34BF-710A-3B4F-86F0-9FB6A224D17D}"/>
-                </a:ext>
-              </a:extLst>
-            </p:cNvPr>
-            <p:cNvSpPr/>
-            <p:nvPr/>
-          </p:nvSpPr>
-          <p:spPr>
-            <a:xfrm>
-              <a:off x="5567800" y="4999500"/>
-              <a:ext cx="115100" cy="133975"/>
-            </a:xfrm>
-            <a:custGeom>
-              <a:avLst/>
-              <a:gdLst/>
-              <a:ahLst/>
-              <a:cxnLst/>
-              <a:rect l="l" t="t" r="r" b="b"/>
-              <a:pathLst>
-                <a:path w="4604" h="5359" fill="none" extrusionOk="0">
-                  <a:moveTo>
-                    <a:pt x="0" y="5359"/>
-                  </a:moveTo>
-                  <a:lnTo>
-                    <a:pt x="4603" y="1"/>
-                  </a:lnTo>
-                </a:path>
-              </a:pathLst>
-            </a:custGeom>
-            <a:noFill/>
-            <a:ln w="12175" cap="rnd" cmpd="sng">
-              <a:solidFill>
-                <a:schemeClr val="accent5"/>
-              </a:solidFill>
-              <a:prstDash val="solid"/>
-              <a:round/>
-              <a:headEnd type="none" w="sm" len="sm"/>
-              <a:tailEnd type="none" w="sm" len="sm"/>
-            </a:ln>
-          </p:spPr>
-          <p:txBody>
-            <a:bodyPr spcFirstLastPara="1" wrap="square" lIns="91425" tIns="91425" rIns="91425" bIns="91425" anchor="ctr" anchorCtr="0">
-              <a:noAutofit/>
-            </a:bodyPr>
-            <a:lstStyle/>
-            <a:p>
-              <a:pPr marL="0" lvl="0" indent="0" algn="l" rtl="0">
-                <a:spcBef>
-                  <a:spcPts val="0"/>
-                </a:spcBef>
-                <a:spcAft>
-                  <a:spcPts val="0"/>
-                </a:spcAft>
-                <a:buNone/>
-              </a:pPr>
-              <a:endParaRPr/>
-            </a:p>
-          </p:txBody>
-        </p:sp>
-        <p:sp>
-          <p:nvSpPr>
-            <p:cNvPr id="22" name="Google Shape;1275;p46">
-              <a:extLst>
-                <a:ext uri="{FF2B5EF4-FFF2-40B4-BE49-F238E27FC236}">
-                  <a16:creationId xmlns:a16="http://schemas.microsoft.com/office/drawing/2014/main" id="{9783EBEA-45A0-E84B-982E-966F9EB1B51F}"/>
-                </a:ext>
-              </a:extLst>
-            </p:cNvPr>
-            <p:cNvSpPr/>
-            <p:nvPr/>
-          </p:nvSpPr>
-          <p:spPr>
-            <a:xfrm>
-              <a:off x="5600075" y="5217475"/>
-              <a:ext cx="127275" cy="16475"/>
-            </a:xfrm>
-            <a:custGeom>
-              <a:avLst/>
-              <a:gdLst/>
-              <a:ahLst/>
-              <a:cxnLst/>
-              <a:rect l="l" t="t" r="r" b="b"/>
-              <a:pathLst>
-                <a:path w="5091" h="659" fill="none" extrusionOk="0">
-                  <a:moveTo>
-                    <a:pt x="5090" y="658"/>
-                  </a:moveTo>
-                  <a:lnTo>
-                    <a:pt x="0" y="1"/>
-                  </a:lnTo>
-                </a:path>
-              </a:pathLst>
-            </a:custGeom>
-            <a:noFill/>
-            <a:ln w="12175" cap="rnd" cmpd="sng">
-              <a:solidFill>
-                <a:schemeClr val="accent5"/>
-              </a:solidFill>
-              <a:prstDash val="solid"/>
-              <a:round/>
-              <a:headEnd type="none" w="sm" len="sm"/>
-              <a:tailEnd type="none" w="sm" len="sm"/>
-            </a:ln>
-          </p:spPr>
-          <p:txBody>
-            <a:bodyPr spcFirstLastPara="1" wrap="square" lIns="91425" tIns="91425" rIns="91425" bIns="91425" anchor="ctr" anchorCtr="0">
-              <a:noAutofit/>
-            </a:bodyPr>
-            <a:lstStyle/>
-            <a:p>
-              <a:pPr marL="0" lvl="0" indent="0" algn="l" rtl="0">
-                <a:spcBef>
-                  <a:spcPts val="0"/>
-                </a:spcBef>
-                <a:spcAft>
-                  <a:spcPts val="0"/>
-                </a:spcAft>
-                <a:buNone/>
-              </a:pPr>
-              <a:endParaRPr/>
-            </a:p>
-          </p:txBody>
-        </p:sp>
-        <p:sp>
-          <p:nvSpPr>
-            <p:cNvPr id="23" name="Google Shape;1276;p46">
-              <a:extLst>
-                <a:ext uri="{FF2B5EF4-FFF2-40B4-BE49-F238E27FC236}">
-                  <a16:creationId xmlns:a16="http://schemas.microsoft.com/office/drawing/2014/main" id="{E80841A0-5A92-7B42-8B2B-29C7AC9340A8}"/>
-                </a:ext>
-              </a:extLst>
-            </p:cNvPr>
-            <p:cNvSpPr/>
-            <p:nvPr/>
-          </p:nvSpPr>
-          <p:spPr>
-            <a:xfrm>
-              <a:off x="5497775" y="5299675"/>
-              <a:ext cx="4900" cy="126675"/>
-            </a:xfrm>
-            <a:custGeom>
-              <a:avLst/>
-              <a:gdLst/>
-              <a:ahLst/>
-              <a:cxnLst/>
-              <a:rect l="l" t="t" r="r" b="b"/>
-              <a:pathLst>
-                <a:path w="196" h="5067" fill="none" extrusionOk="0">
-                  <a:moveTo>
-                    <a:pt x="0" y="5067"/>
-                  </a:moveTo>
-                  <a:lnTo>
-                    <a:pt x="195" y="1"/>
-                  </a:lnTo>
-                </a:path>
-              </a:pathLst>
-            </a:custGeom>
-            <a:noFill/>
-            <a:ln w="12175" cap="rnd" cmpd="sng">
-              <a:solidFill>
-                <a:schemeClr val="accent5"/>
-              </a:solidFill>
-              <a:prstDash val="solid"/>
-              <a:round/>
-              <a:headEnd type="none" w="sm" len="sm"/>
-              <a:tailEnd type="none" w="sm" len="sm"/>
-            </a:ln>
-          </p:spPr>
-          <p:txBody>
-            <a:bodyPr spcFirstLastPara="1" wrap="square" lIns="91425" tIns="91425" rIns="91425" bIns="91425" anchor="ctr" anchorCtr="0">
-              <a:noAutofit/>
-            </a:bodyPr>
-            <a:lstStyle/>
-            <a:p>
-              <a:pPr marL="0" lvl="0" indent="0" algn="l" rtl="0">
-                <a:spcBef>
-                  <a:spcPts val="0"/>
-                </a:spcBef>
-                <a:spcAft>
-                  <a:spcPts val="0"/>
-                </a:spcAft>
-                <a:buNone/>
-              </a:pPr>
-              <a:endParaRPr/>
-            </a:p>
-          </p:txBody>
-        </p:sp>
-        <p:sp>
-          <p:nvSpPr>
-            <p:cNvPr id="24" name="Google Shape;1277;p46">
-              <a:extLst>
-                <a:ext uri="{FF2B5EF4-FFF2-40B4-BE49-F238E27FC236}">
-                  <a16:creationId xmlns:a16="http://schemas.microsoft.com/office/drawing/2014/main" id="{B26695ED-AF84-334A-93D1-109E80567EC6}"/>
-                </a:ext>
-              </a:extLst>
-            </p:cNvPr>
-            <p:cNvSpPr/>
-            <p:nvPr/>
-          </p:nvSpPr>
-          <p:spPr>
-            <a:xfrm>
-              <a:off x="5277975" y="5241825"/>
-              <a:ext cx="141275" cy="58500"/>
-            </a:xfrm>
-            <a:custGeom>
-              <a:avLst/>
-              <a:gdLst/>
-              <a:ahLst/>
-              <a:cxnLst/>
-              <a:rect l="l" t="t" r="r" b="b"/>
-              <a:pathLst>
-                <a:path w="5651" h="2340" fill="none" extrusionOk="0">
-                  <a:moveTo>
-                    <a:pt x="0" y="2339"/>
-                  </a:moveTo>
-                  <a:lnTo>
-                    <a:pt x="5651" y="1"/>
-                  </a:lnTo>
-                </a:path>
-              </a:pathLst>
-            </a:custGeom>
-            <a:noFill/>
-            <a:ln w="12175" cap="rnd" cmpd="sng">
-              <a:solidFill>
-                <a:schemeClr val="accent5"/>
-              </a:solidFill>
-              <a:prstDash val="solid"/>
-              <a:round/>
-              <a:headEnd type="none" w="sm" len="sm"/>
-              <a:tailEnd type="none" w="sm" len="sm"/>
-            </a:ln>
-          </p:spPr>
-          <p:txBody>
-            <a:bodyPr spcFirstLastPara="1" wrap="square" lIns="91425" tIns="91425" rIns="91425" bIns="91425" anchor="ctr" anchorCtr="0">
-              <a:noAutofit/>
-            </a:bodyPr>
-            <a:lstStyle/>
-            <a:p>
-              <a:pPr marL="0" lvl="0" indent="0" algn="l" rtl="0">
-                <a:spcBef>
-                  <a:spcPts val="0"/>
-                </a:spcBef>
-                <a:spcAft>
-                  <a:spcPts val="0"/>
-                </a:spcAft>
-                <a:buNone/>
-              </a:pPr>
-              <a:endParaRPr/>
-            </a:p>
-          </p:txBody>
-        </p:sp>
-      </p:grpSp>
-      <p:grpSp>
-        <p:nvGrpSpPr>
-          <p:cNvPr id="54" name="Group 53">
-            <a:extLst>
-              <a:ext uri="{FF2B5EF4-FFF2-40B4-BE49-F238E27FC236}">
-                <a16:creationId xmlns:a16="http://schemas.microsoft.com/office/drawing/2014/main" id="{B94788A4-8C48-B244-84F2-419BE52DAD9E}"/>
-              </a:ext>
-            </a:extLst>
-          </p:cNvPr>
-          <p:cNvGrpSpPr/>
-          <p:nvPr/>
-        </p:nvGrpSpPr>
-        <p:grpSpPr>
-          <a:xfrm>
-            <a:off x="273216" y="1513913"/>
-            <a:ext cx="8377803" cy="3425707"/>
-            <a:chOff x="273216" y="1513913"/>
-            <a:chExt cx="8377803" cy="3425707"/>
-          </a:xfrm>
-        </p:grpSpPr>
-        <p:sp>
-          <p:nvSpPr>
-            <p:cNvPr id="26" name="Content Placeholder 2">
-              <a:extLst>
-                <a:ext uri="{FF2B5EF4-FFF2-40B4-BE49-F238E27FC236}">
-                  <a16:creationId xmlns:a16="http://schemas.microsoft.com/office/drawing/2014/main" id="{F3F8F3F3-FFFC-1B4B-B6B6-13DF108ADE06}"/>
-                </a:ext>
-              </a:extLst>
-            </p:cNvPr>
-            <p:cNvSpPr txBox="1">
-              <a:spLocks/>
-            </p:cNvSpPr>
-            <p:nvPr/>
-          </p:nvSpPr>
-          <p:spPr>
-            <a:xfrm>
-              <a:off x="273216" y="1513913"/>
-              <a:ext cx="8377803" cy="3425707"/>
-            </a:xfrm>
-            <a:prstGeom prst="rect">
-              <a:avLst/>
-            </a:prstGeom>
-            <a:noFill/>
-            <a:ln>
-              <a:noFill/>
-            </a:ln>
-          </p:spPr>
-          <p:txBody>
-            <a:bodyPr spcFirstLastPara="1" wrap="square" lIns="91425" tIns="91425" rIns="91425" bIns="91425" anchor="ctr" anchorCtr="0">
-              <a:normAutofit lnSpcReduction="10000"/>
-            </a:bodyPr>
-            <a:lstStyle>
-              <a:defPPr marR="0" lvl="0" algn="l" rtl="0">
-                <a:lnSpc>
-                  <a:spcPct val="100000"/>
-                </a:lnSpc>
-                <a:spcBef>
-                  <a:spcPts val="0"/>
-                </a:spcBef>
-                <a:spcAft>
-                  <a:spcPts val="0"/>
-                </a:spcAft>
-              </a:defPPr>
-              <a:lvl1pPr marL="457200" marR="0" lvl="0" indent="-381000" algn="l" rtl="0">
-                <a:lnSpc>
-                  <a:spcPct val="100000"/>
-                </a:lnSpc>
-                <a:spcBef>
-                  <a:spcPts val="600"/>
-                </a:spcBef>
-                <a:spcAft>
-                  <a:spcPts val="0"/>
-                </a:spcAft>
-                <a:buClr>
-                  <a:schemeClr val="accent4"/>
-                </a:buClr>
-                <a:buSzPts val="2400"/>
-                <a:buFont typeface="Roboto Condensed Light"/>
-                <a:buChar char="▰"/>
-                <a:defRPr sz="2400" b="0" i="0" u="none" strike="noStrike" cap="none">
-                  <a:solidFill>
-                    <a:schemeClr val="dk1"/>
-                  </a:solidFill>
-                  <a:latin typeface="Roboto Condensed Light"/>
-                  <a:ea typeface="Roboto Condensed Light"/>
-                  <a:cs typeface="Roboto Condensed Light"/>
-                  <a:sym typeface="Roboto Condensed Light"/>
-                </a:defRPr>
-              </a:lvl1pPr>
-              <a:lvl2pPr marL="914400" marR="0" lvl="1" indent="-381000" algn="l" rtl="0">
-                <a:lnSpc>
-                  <a:spcPct val="100000"/>
-                </a:lnSpc>
-                <a:spcBef>
-                  <a:spcPts val="1000"/>
-                </a:spcBef>
-                <a:spcAft>
-                  <a:spcPts val="0"/>
-                </a:spcAft>
-                <a:buClr>
-                  <a:schemeClr val="accent4"/>
-                </a:buClr>
-                <a:buSzPts val="2400"/>
-                <a:buFont typeface="Roboto Condensed Light"/>
-                <a:buChar char="▻"/>
-                <a:defRPr sz="2400" b="0" i="0" u="none" strike="noStrike" cap="none">
-                  <a:solidFill>
-                    <a:schemeClr val="dk1"/>
-                  </a:solidFill>
-                  <a:latin typeface="Roboto Condensed Light"/>
-                  <a:ea typeface="Roboto Condensed Light"/>
-                  <a:cs typeface="Roboto Condensed Light"/>
-                  <a:sym typeface="Roboto Condensed Light"/>
-                </a:defRPr>
-              </a:lvl2pPr>
-              <a:lvl3pPr marL="1371600" marR="0" lvl="2" indent="-381000" algn="l" rtl="0">
-                <a:lnSpc>
-                  <a:spcPct val="100000"/>
-                </a:lnSpc>
-                <a:spcBef>
-                  <a:spcPts val="1000"/>
-                </a:spcBef>
-                <a:spcAft>
-                  <a:spcPts val="0"/>
-                </a:spcAft>
-                <a:buClr>
-                  <a:schemeClr val="accent4"/>
-                </a:buClr>
-                <a:buSzPts val="2400"/>
-                <a:buFont typeface="Roboto Condensed Light"/>
-                <a:buChar char="▻"/>
-                <a:defRPr sz="2400" b="0" i="0" u="none" strike="noStrike" cap="none">
-                  <a:solidFill>
-                    <a:schemeClr val="dk1"/>
-                  </a:solidFill>
-                  <a:latin typeface="Roboto Condensed Light"/>
-                  <a:ea typeface="Roboto Condensed Light"/>
-                  <a:cs typeface="Roboto Condensed Light"/>
-                  <a:sym typeface="Roboto Condensed Light"/>
-                </a:defRPr>
-              </a:lvl3pPr>
-              <a:lvl4pPr marL="1828800" marR="0" lvl="3" indent="-381000" algn="l" rtl="0">
-                <a:lnSpc>
-                  <a:spcPct val="100000"/>
-                </a:lnSpc>
-                <a:spcBef>
-                  <a:spcPts val="1000"/>
-                </a:spcBef>
-                <a:spcAft>
-                  <a:spcPts val="0"/>
-                </a:spcAft>
-                <a:buClr>
-                  <a:schemeClr val="accent4"/>
-                </a:buClr>
-                <a:buSzPts val="2400"/>
-                <a:buFont typeface="Roboto Condensed Light"/>
-                <a:buChar char="▻"/>
-                <a:defRPr sz="2400" b="0" i="0" u="none" strike="noStrike" cap="none">
-                  <a:solidFill>
-                    <a:schemeClr val="dk1"/>
-                  </a:solidFill>
-                  <a:latin typeface="Roboto Condensed Light"/>
-                  <a:ea typeface="Roboto Condensed Light"/>
-                  <a:cs typeface="Roboto Condensed Light"/>
-                  <a:sym typeface="Roboto Condensed Light"/>
-                </a:defRPr>
-              </a:lvl4pPr>
-              <a:lvl5pPr marL="2286000" marR="0" lvl="4" indent="-381000" algn="l" rtl="0">
-                <a:lnSpc>
-                  <a:spcPct val="100000"/>
-                </a:lnSpc>
-                <a:spcBef>
-                  <a:spcPts val="1000"/>
-                </a:spcBef>
-                <a:spcAft>
-                  <a:spcPts val="0"/>
-                </a:spcAft>
-                <a:buClr>
-                  <a:schemeClr val="accent4"/>
-                </a:buClr>
-                <a:buSzPts val="2400"/>
-                <a:buFont typeface="Roboto Condensed Light"/>
-                <a:buChar char="▻"/>
-                <a:defRPr sz="2400" b="0" i="0" u="none" strike="noStrike" cap="none">
-                  <a:solidFill>
-                    <a:schemeClr val="dk1"/>
-                  </a:solidFill>
-                  <a:latin typeface="Roboto Condensed Light"/>
-                  <a:ea typeface="Roboto Condensed Light"/>
-                  <a:cs typeface="Roboto Condensed Light"/>
-                  <a:sym typeface="Roboto Condensed Light"/>
-                </a:defRPr>
-              </a:lvl5pPr>
-              <a:lvl6pPr marL="2743200" marR="0" lvl="5" indent="-381000" algn="l" rtl="0">
-                <a:lnSpc>
-                  <a:spcPct val="100000"/>
-                </a:lnSpc>
-                <a:spcBef>
-                  <a:spcPts val="1000"/>
-                </a:spcBef>
-                <a:spcAft>
-                  <a:spcPts val="0"/>
-                </a:spcAft>
-                <a:buClr>
-                  <a:schemeClr val="accent4"/>
-                </a:buClr>
-                <a:buSzPts val="2400"/>
-                <a:buFont typeface="Roboto Condensed Light"/>
-                <a:buChar char="▻"/>
-                <a:defRPr sz="2400" b="0" i="0" u="none" strike="noStrike" cap="none">
-                  <a:solidFill>
-                    <a:schemeClr val="dk1"/>
-                  </a:solidFill>
-                  <a:latin typeface="Roboto Condensed Light"/>
-                  <a:ea typeface="Roboto Condensed Light"/>
-                  <a:cs typeface="Roboto Condensed Light"/>
-                  <a:sym typeface="Roboto Condensed Light"/>
-                </a:defRPr>
-              </a:lvl6pPr>
-              <a:lvl7pPr marL="3200400" marR="0" lvl="6" indent="-381000" algn="l" rtl="0">
-                <a:lnSpc>
-                  <a:spcPct val="100000"/>
-                </a:lnSpc>
-                <a:spcBef>
-                  <a:spcPts val="1000"/>
-                </a:spcBef>
-                <a:spcAft>
-                  <a:spcPts val="0"/>
-                </a:spcAft>
-                <a:buClr>
-                  <a:schemeClr val="accent4"/>
-                </a:buClr>
-                <a:buSzPts val="2400"/>
-                <a:buFont typeface="Roboto Condensed Light"/>
-                <a:buChar char="▻"/>
-                <a:defRPr sz="2400" b="0" i="0" u="none" strike="noStrike" cap="none">
-                  <a:solidFill>
-                    <a:schemeClr val="dk1"/>
-                  </a:solidFill>
-                  <a:latin typeface="Roboto Condensed Light"/>
-                  <a:ea typeface="Roboto Condensed Light"/>
-                  <a:cs typeface="Roboto Condensed Light"/>
-                  <a:sym typeface="Roboto Condensed Light"/>
-                </a:defRPr>
-              </a:lvl7pPr>
-              <a:lvl8pPr marL="3657600" marR="0" lvl="7" indent="-381000" algn="l" rtl="0">
-                <a:lnSpc>
-                  <a:spcPct val="100000"/>
-                </a:lnSpc>
-                <a:spcBef>
-                  <a:spcPts val="1000"/>
-                </a:spcBef>
-                <a:spcAft>
-                  <a:spcPts val="0"/>
-                </a:spcAft>
-                <a:buClr>
-                  <a:schemeClr val="accent4"/>
-                </a:buClr>
-                <a:buSzPts val="2400"/>
-                <a:buFont typeface="Roboto Condensed Light"/>
-                <a:buChar char="▻"/>
-                <a:defRPr sz="2400" b="0" i="0" u="none" strike="noStrike" cap="none">
-                  <a:solidFill>
-                    <a:schemeClr val="dk1"/>
-                  </a:solidFill>
-                  <a:latin typeface="Roboto Condensed Light"/>
-                  <a:ea typeface="Roboto Condensed Light"/>
-                  <a:cs typeface="Roboto Condensed Light"/>
-                  <a:sym typeface="Roboto Condensed Light"/>
-                </a:defRPr>
-              </a:lvl8pPr>
-              <a:lvl9pPr marL="4114800" marR="0" lvl="8" indent="-381000" algn="l" rtl="0">
-                <a:lnSpc>
-                  <a:spcPct val="100000"/>
-                </a:lnSpc>
-                <a:spcBef>
-                  <a:spcPts val="1000"/>
-                </a:spcBef>
-                <a:spcAft>
-                  <a:spcPts val="1000"/>
-                </a:spcAft>
-                <a:buClr>
-                  <a:schemeClr val="accent4"/>
-                </a:buClr>
-                <a:buSzPts val="2400"/>
-                <a:buFont typeface="Roboto Condensed Light"/>
-                <a:buChar char="▻"/>
-                <a:defRPr sz="2400" b="0" i="0" u="none" strike="noStrike" cap="none">
-                  <a:solidFill>
-                    <a:schemeClr val="dk1"/>
-                  </a:solidFill>
-                  <a:latin typeface="Roboto Condensed Light"/>
-                  <a:ea typeface="Roboto Condensed Light"/>
-                  <a:cs typeface="Roboto Condensed Light"/>
-                  <a:sym typeface="Roboto Condensed Light"/>
-                </a:defRPr>
-              </a:lvl9pPr>
-            </a:lstStyle>
-            <a:p>
-              <a:pPr marL="0" indent="0">
-                <a:buFont typeface="Roboto Condensed Light"/>
-                <a:buNone/>
-              </a:pPr>
-              <a:r>
-                <a:rPr lang="en-GB" sz="1200" b="1" dirty="0">
-                  <a:latin typeface="Roboto Mono Light" pitchFamily="49" charset="0"/>
-                  <a:ea typeface="Roboto Mono Light" pitchFamily="49" charset="0"/>
-                </a:rPr>
-                <a:t> access</a:t>
-              </a:r>
-              <a:r>
-                <a:rPr lang="en-GB" sz="1200" dirty="0">
-                  <a:latin typeface="Roboto Mono Light" pitchFamily="49" charset="0"/>
-                  <a:ea typeface="Roboto Mono Light" pitchFamily="49" charset="0"/>
-                </a:rPr>
-                <a:t>(</a:t>
-              </a:r>
-              <a:r>
-                <a:rPr lang="en-GB" sz="1200" u="sng" dirty="0">
-                  <a:latin typeface="Roboto Mono Light" pitchFamily="49" charset="0"/>
-                  <a:ea typeface="Roboto Mono Light" pitchFamily="49" charset="0"/>
-                </a:rPr>
-                <a:t>id</a:t>
-              </a:r>
-              <a:r>
-                <a:rPr lang="en-GB" sz="1200" dirty="0">
-                  <a:latin typeface="Roboto Mono Light" pitchFamily="49" charset="0"/>
-                  <a:ea typeface="Roboto Mono Light" pitchFamily="49" charset="0"/>
-                </a:rPr>
-                <a:t>, </a:t>
-              </a:r>
-              <a:r>
-                <a:rPr lang="en-GB" sz="1200" i="1" dirty="0">
-                  <a:latin typeface="Roboto Mono Light" pitchFamily="49" charset="0"/>
-                  <a:ea typeface="Roboto Mono Light" pitchFamily="49" charset="0"/>
-                </a:rPr>
-                <a:t>user</a:t>
-              </a:r>
-              <a:r>
-                <a:rPr lang="en-GB" sz="1200" dirty="0">
-                  <a:latin typeface="Roboto Mono Light" pitchFamily="49" charset="0"/>
-                  <a:ea typeface="Roboto Mono Light" pitchFamily="49" charset="0"/>
-                </a:rPr>
-                <a:t>, at)			</a:t>
-              </a:r>
-              <a:r>
-                <a:rPr lang="en-GB" sz="1200" b="1" dirty="0" err="1">
-                  <a:solidFill>
-                    <a:prstClr val="black"/>
-                  </a:solidFill>
-                  <a:latin typeface="Roboto Mono Light" pitchFamily="49" charset="0"/>
-                  <a:ea typeface="Roboto Mono Light" pitchFamily="49" charset="0"/>
-                </a:rPr>
-                <a:t>offensive_words</a:t>
-              </a:r>
-              <a:r>
-                <a:rPr lang="en-GB" sz="1200" dirty="0">
-                  <a:solidFill>
-                    <a:prstClr val="black"/>
-                  </a:solidFill>
-                  <a:latin typeface="Roboto Mono Light" pitchFamily="49" charset="0"/>
-                  <a:ea typeface="Roboto Mono Light" pitchFamily="49" charset="0"/>
-                </a:rPr>
-                <a:t>(</a:t>
-              </a:r>
-              <a:r>
-                <a:rPr lang="en-GB" sz="1200" u="sng" dirty="0">
-                  <a:solidFill>
-                    <a:prstClr val="black"/>
-                  </a:solidFill>
-                  <a:latin typeface="Roboto Mono Light" pitchFamily="49" charset="0"/>
-                  <a:ea typeface="Roboto Mono Light" pitchFamily="49" charset="0"/>
-                </a:rPr>
-                <a:t>word</a:t>
-              </a:r>
-              <a:r>
-                <a:rPr lang="en-GB" sz="1200" dirty="0">
-                  <a:solidFill>
-                    <a:prstClr val="black"/>
-                  </a:solidFill>
-                  <a:latin typeface="Roboto Mono Light" pitchFamily="49" charset="0"/>
-                  <a:ea typeface="Roboto Mono Light" pitchFamily="49" charset="0"/>
-                </a:rPr>
-                <a:t>)</a:t>
-              </a:r>
-              <a:endParaRPr lang="en-GB" sz="1200" dirty="0">
-                <a:latin typeface="Roboto Mono Light" pitchFamily="49" charset="0"/>
-                <a:ea typeface="Roboto Mono Light" pitchFamily="49" charset="0"/>
-              </a:endParaRPr>
-            </a:p>
-            <a:p>
-              <a:pPr marL="0" indent="0">
-                <a:buFont typeface="Roboto Condensed Light"/>
-                <a:buNone/>
-              </a:pPr>
-              <a:endParaRPr lang="en-GB" sz="1200" dirty="0">
-                <a:latin typeface="Roboto Mono Light" pitchFamily="49" charset="0"/>
-                <a:ea typeface="Roboto Mono Light" pitchFamily="49" charset="0"/>
-              </a:endParaRPr>
-            </a:p>
-            <a:p>
-              <a:pPr marL="0" indent="0">
-                <a:buFont typeface="Roboto Condensed Light"/>
-                <a:buNone/>
-              </a:pPr>
-              <a:r>
-                <a:rPr lang="en-GB" sz="1200" dirty="0">
-                  <a:latin typeface="Roboto Mono Light" pitchFamily="49" charset="0"/>
-                  <a:ea typeface="Roboto Mono Light" pitchFamily="49" charset="0"/>
-                </a:rPr>
-                <a:t>        </a:t>
-              </a:r>
-              <a:r>
-                <a:rPr lang="en-GB" sz="1200" b="1" dirty="0">
-                  <a:latin typeface="Roboto Mono Light" pitchFamily="49" charset="0"/>
-                  <a:ea typeface="Roboto Mono Light" pitchFamily="49" charset="0"/>
-                </a:rPr>
-                <a:t>user</a:t>
-              </a:r>
-              <a:r>
-                <a:rPr lang="en-GB" sz="1200" dirty="0">
-                  <a:latin typeface="Roboto Mono Light" pitchFamily="49" charset="0"/>
-                  <a:ea typeface="Roboto Mono Light" pitchFamily="49" charset="0"/>
-                </a:rPr>
-                <a:t>(</a:t>
-              </a:r>
-              <a:r>
-                <a:rPr lang="en-GB" sz="1200" u="sng" dirty="0">
-                  <a:latin typeface="Roboto Mono Light" pitchFamily="49" charset="0"/>
-                  <a:ea typeface="Roboto Mono Light" pitchFamily="49" charset="0"/>
-                </a:rPr>
-                <a:t>id</a:t>
-              </a:r>
-              <a:r>
-                <a:rPr lang="en-GB" sz="1200" dirty="0">
-                  <a:latin typeface="Roboto Mono Light" pitchFamily="49" charset="0"/>
-                  <a:ea typeface="Roboto Mono Light" pitchFamily="49" charset="0"/>
-                </a:rPr>
-                <a:t>, username, password, email, </a:t>
-              </a:r>
-              <a:r>
-                <a:rPr lang="en-GB" sz="1200" dirty="0" err="1">
-                  <a:latin typeface="Roboto Mono Light" pitchFamily="49" charset="0"/>
-                  <a:ea typeface="Roboto Mono Light" pitchFamily="49" charset="0"/>
-                </a:rPr>
-                <a:t>isAdmin</a:t>
-              </a:r>
-              <a:r>
-                <a:rPr lang="en-GB" sz="1200" dirty="0">
-                  <a:latin typeface="Roboto Mono Light" pitchFamily="49" charset="0"/>
-                  <a:ea typeface="Roboto Mono Light" pitchFamily="49" charset="0"/>
-                </a:rPr>
-                <a:t>, </a:t>
-              </a:r>
-              <a:r>
-                <a:rPr lang="en-GB" sz="1200" dirty="0" err="1">
-                  <a:latin typeface="Roboto Mono Light" pitchFamily="49" charset="0"/>
-                  <a:ea typeface="Roboto Mono Light" pitchFamily="49" charset="0"/>
-                </a:rPr>
-                <a:t>isBlocked</a:t>
-              </a:r>
-              <a:r>
-                <a:rPr lang="en-GB" sz="1200" dirty="0">
-                  <a:latin typeface="Roboto Mono Light" pitchFamily="49" charset="0"/>
-                  <a:ea typeface="Roboto Mono Light" pitchFamily="49" charset="0"/>
-                </a:rPr>
-                <a:t>, points)</a:t>
-              </a:r>
-            </a:p>
-            <a:p>
-              <a:pPr marL="0" indent="0">
-                <a:buFont typeface="Roboto Condensed Light"/>
-                <a:buNone/>
-              </a:pPr>
-              <a:endParaRPr lang="en-GB" sz="1200" dirty="0">
-                <a:latin typeface="Roboto Mono Light" pitchFamily="49" charset="0"/>
-                <a:ea typeface="Roboto Mono Light" pitchFamily="49" charset="0"/>
-              </a:endParaRPr>
-            </a:p>
-            <a:p>
-              <a:pPr marL="0" indent="0">
-                <a:buFont typeface="Roboto Condensed Light"/>
-                <a:buNone/>
-              </a:pPr>
-              <a:r>
-                <a:rPr lang="en-GB" sz="1200" dirty="0">
-                  <a:latin typeface="Roboto Mono Light" pitchFamily="49" charset="0"/>
-                  <a:ea typeface="Roboto Mono Light" pitchFamily="49" charset="0"/>
-                </a:rPr>
-                <a:t>	              </a:t>
-              </a:r>
-              <a:r>
-                <a:rPr lang="en-GB" sz="1200" b="1" dirty="0" err="1">
-                  <a:latin typeface="Roboto Mono Light" pitchFamily="49" charset="0"/>
-                  <a:ea typeface="Roboto Mono Light" pitchFamily="49" charset="0"/>
-                </a:rPr>
-                <a:t>deleted_reviews</a:t>
-              </a:r>
-              <a:r>
-                <a:rPr lang="en-GB" sz="1200" dirty="0">
-                  <a:latin typeface="Roboto Mono Light" pitchFamily="49" charset="0"/>
-                  <a:ea typeface="Roboto Mono Light" pitchFamily="49" charset="0"/>
-                </a:rPr>
-                <a:t>(</a:t>
-              </a:r>
-              <a:r>
-                <a:rPr lang="en-GB" sz="1200" u="sng" dirty="0">
-                  <a:latin typeface="Roboto Mono Light" pitchFamily="49" charset="0"/>
-                  <a:ea typeface="Roboto Mono Light" pitchFamily="49" charset="0"/>
-                </a:rPr>
-                <a:t>id</a:t>
-              </a:r>
-              <a:r>
-                <a:rPr lang="en-GB" sz="1200" dirty="0">
-                  <a:latin typeface="Roboto Mono Light" pitchFamily="49" charset="0"/>
-                  <a:ea typeface="Roboto Mono Light" pitchFamily="49" charset="0"/>
-                </a:rPr>
-                <a:t>, </a:t>
-              </a:r>
-              <a:r>
-                <a:rPr lang="en-GB" sz="1200" i="1" dirty="0" err="1">
-                  <a:latin typeface="Roboto Mono Light" pitchFamily="49" charset="0"/>
-                  <a:ea typeface="Roboto Mono Light" pitchFamily="49" charset="0"/>
-                </a:rPr>
-                <a:t>user_id</a:t>
-              </a:r>
-              <a:r>
-                <a:rPr lang="en-GB" sz="1200" dirty="0">
-                  <a:latin typeface="Roboto Mono Light" pitchFamily="49" charset="0"/>
-                  <a:ea typeface="Roboto Mono Light" pitchFamily="49" charset="0"/>
-                </a:rPr>
-                <a:t>, </a:t>
-              </a:r>
-              <a:r>
-                <a:rPr lang="en-GB" sz="1200" dirty="0" err="1">
-                  <a:latin typeface="Roboto Mono Light" pitchFamily="49" charset="0"/>
-                  <a:ea typeface="Roboto Mono Light" pitchFamily="49" charset="0"/>
-                </a:rPr>
-                <a:t>product_id</a:t>
-              </a:r>
-              <a:r>
-                <a:rPr lang="en-GB" sz="1200" dirty="0">
-                  <a:latin typeface="Roboto Mono Light" pitchFamily="49" charset="0"/>
-                  <a:ea typeface="Roboto Mono Light" pitchFamily="49" charset="0"/>
-                </a:rPr>
-                <a:t>)</a:t>
-              </a:r>
-            </a:p>
-            <a:p>
-              <a:pPr marL="0" indent="0">
-                <a:buFont typeface="Roboto Condensed Light"/>
-                <a:buNone/>
-              </a:pPr>
-              <a:endParaRPr lang="en-GB" sz="1200" dirty="0">
-                <a:latin typeface="Roboto Mono Light" pitchFamily="49" charset="0"/>
-                <a:ea typeface="Roboto Mono Light" pitchFamily="49" charset="0"/>
-              </a:endParaRPr>
-            </a:p>
-            <a:p>
-              <a:pPr marL="0" indent="0">
-                <a:buFont typeface="Roboto Condensed Light"/>
-                <a:buNone/>
-              </a:pPr>
-              <a:r>
-                <a:rPr lang="en-GB" sz="1200" b="1" dirty="0">
-                  <a:latin typeface="Roboto Mono Light" pitchFamily="49" charset="0"/>
-                  <a:ea typeface="Roboto Mono Light" pitchFamily="49" charset="0"/>
-                </a:rPr>
-                <a:t> review</a:t>
-              </a:r>
-              <a:r>
-                <a:rPr lang="en-GB" sz="1200" dirty="0">
-                  <a:latin typeface="Roboto Mono Light" pitchFamily="49" charset="0"/>
-                  <a:ea typeface="Roboto Mono Light" pitchFamily="49" charset="0"/>
-                </a:rPr>
-                <a:t>(</a:t>
-              </a:r>
-              <a:r>
-                <a:rPr lang="en-GB" sz="1200" u="sng" dirty="0">
-                  <a:latin typeface="Roboto Mono Light" pitchFamily="49" charset="0"/>
-                  <a:ea typeface="Roboto Mono Light" pitchFamily="49" charset="0"/>
-                </a:rPr>
-                <a:t>id</a:t>
-              </a:r>
-              <a:r>
-                <a:rPr lang="en-GB" sz="1200" dirty="0">
-                  <a:latin typeface="Roboto Mono Light" pitchFamily="49" charset="0"/>
-                  <a:ea typeface="Roboto Mono Light" pitchFamily="49" charset="0"/>
-                </a:rPr>
-                <a:t>, </a:t>
-              </a:r>
-              <a:r>
-                <a:rPr lang="en-GB" sz="1200" i="1" dirty="0">
-                  <a:latin typeface="Roboto Mono Light" pitchFamily="49" charset="0"/>
-                  <a:ea typeface="Roboto Mono Light" pitchFamily="49" charset="0"/>
-                </a:rPr>
-                <a:t>user</a:t>
-              </a:r>
-              <a:r>
-                <a:rPr lang="en-GB" sz="1200" dirty="0">
-                  <a:latin typeface="Roboto Mono Light" pitchFamily="49" charset="0"/>
-                  <a:ea typeface="Roboto Mono Light" pitchFamily="49" charset="0"/>
-                </a:rPr>
-                <a:t>, age, sex, level, points, product)</a:t>
-              </a:r>
-            </a:p>
-            <a:p>
-              <a:pPr marL="0" indent="0">
-                <a:buFont typeface="Roboto Condensed Light"/>
-                <a:buNone/>
-              </a:pPr>
-              <a:endParaRPr lang="en-GB" sz="1200" dirty="0">
-                <a:latin typeface="Roboto Mono Light" pitchFamily="49" charset="0"/>
-                <a:ea typeface="Roboto Mono Light" pitchFamily="49" charset="0"/>
-              </a:endParaRPr>
-            </a:p>
-            <a:p>
-              <a:pPr marL="0" indent="0">
-                <a:buFont typeface="Roboto Condensed Light"/>
-                <a:buNone/>
-              </a:pPr>
-              <a:r>
-                <a:rPr lang="en-GB" sz="1200" dirty="0">
-                  <a:latin typeface="Roboto Mono Light" pitchFamily="49" charset="0"/>
-                  <a:ea typeface="Roboto Mono Light" pitchFamily="49" charset="0"/>
-                </a:rPr>
-                <a:t>				         </a:t>
-              </a:r>
-              <a:r>
-                <a:rPr lang="en-GB" sz="1200" b="1" dirty="0">
-                  <a:latin typeface="Roboto Mono Light" pitchFamily="49" charset="0"/>
-                  <a:ea typeface="Roboto Mono Light" pitchFamily="49" charset="0"/>
-                </a:rPr>
-                <a:t>product</a:t>
-              </a:r>
-              <a:r>
-                <a:rPr lang="en-GB" sz="1200" dirty="0">
-                  <a:latin typeface="Roboto Mono Light" pitchFamily="49" charset="0"/>
-                  <a:ea typeface="Roboto Mono Light" pitchFamily="49" charset="0"/>
-                </a:rPr>
-                <a:t>(</a:t>
-              </a:r>
-              <a:r>
-                <a:rPr lang="en-GB" sz="1200" u="sng" dirty="0">
-                  <a:latin typeface="Roboto Mono Light" pitchFamily="49" charset="0"/>
-                  <a:ea typeface="Roboto Mono Light" pitchFamily="49" charset="0"/>
-                </a:rPr>
-                <a:t>id</a:t>
-              </a:r>
-              <a:r>
-                <a:rPr lang="en-GB" sz="1200" dirty="0">
-                  <a:latin typeface="Roboto Mono Light" pitchFamily="49" charset="0"/>
-                  <a:ea typeface="Roboto Mono Light" pitchFamily="49" charset="0"/>
-                </a:rPr>
-                <a:t>, name, date, image)</a:t>
-              </a:r>
-            </a:p>
-            <a:p>
-              <a:pPr marL="0" indent="0">
-                <a:buFont typeface="Roboto Condensed Light"/>
-                <a:buNone/>
-              </a:pPr>
-              <a:endParaRPr lang="en-GB" sz="1200" dirty="0">
-                <a:latin typeface="Roboto Mono Light" pitchFamily="49" charset="0"/>
-                <a:ea typeface="Roboto Mono Light" pitchFamily="49" charset="0"/>
-              </a:endParaRPr>
-            </a:p>
-            <a:p>
-              <a:pPr marL="0" indent="0">
-                <a:buFont typeface="Roboto Condensed Light"/>
-                <a:buNone/>
-              </a:pPr>
-              <a:r>
-                <a:rPr lang="en-GB" sz="1200" dirty="0">
-                  <a:latin typeface="Roboto Mono Light" pitchFamily="49" charset="0"/>
-                  <a:ea typeface="Roboto Mono Light" pitchFamily="49" charset="0"/>
-                </a:rPr>
-                <a:t>	       </a:t>
-              </a:r>
-              <a:r>
-                <a:rPr lang="en-GB" sz="1200" b="1" dirty="0" err="1">
-                  <a:latin typeface="Roboto Mono Light" pitchFamily="49" charset="0"/>
-                  <a:ea typeface="Roboto Mono Light" pitchFamily="49" charset="0"/>
-                </a:rPr>
-                <a:t>Mquestion</a:t>
-              </a:r>
-              <a:r>
-                <a:rPr lang="en-GB" sz="1200" dirty="0">
-                  <a:latin typeface="Roboto Mono Light" pitchFamily="49" charset="0"/>
-                  <a:ea typeface="Roboto Mono Light" pitchFamily="49" charset="0"/>
-                </a:rPr>
-                <a:t>(</a:t>
-              </a:r>
-              <a:r>
-                <a:rPr lang="en-GB" sz="1200" u="sng" dirty="0">
-                  <a:latin typeface="Roboto Mono Light" pitchFamily="49" charset="0"/>
-                  <a:ea typeface="Roboto Mono Light" pitchFamily="49" charset="0"/>
-                </a:rPr>
-                <a:t>id</a:t>
-              </a:r>
-              <a:r>
-                <a:rPr lang="en-GB" sz="1200" dirty="0">
-                  <a:latin typeface="Roboto Mono Light" pitchFamily="49" charset="0"/>
-                  <a:ea typeface="Roboto Mono Light" pitchFamily="49" charset="0"/>
-                </a:rPr>
-                <a:t>, text, product)</a:t>
-              </a:r>
-            </a:p>
-            <a:p>
-              <a:pPr marL="0" indent="0">
-                <a:buFont typeface="Roboto Condensed Light"/>
-                <a:buNone/>
-              </a:pPr>
-              <a:endParaRPr lang="en-GB" sz="1200" dirty="0">
-                <a:latin typeface="Roboto Mono Light" pitchFamily="49" charset="0"/>
-                <a:ea typeface="Roboto Mono Light" pitchFamily="49" charset="0"/>
-              </a:endParaRPr>
-            </a:p>
-            <a:p>
-              <a:pPr marL="0" indent="0">
-                <a:buFont typeface="Roboto Condensed Light"/>
-                <a:buNone/>
-              </a:pPr>
-              <a:r>
-                <a:rPr lang="en-GB" sz="1200" b="1" dirty="0">
-                  <a:latin typeface="Roboto Mono Light" pitchFamily="49" charset="0"/>
-                  <a:ea typeface="Roboto Mono Light" pitchFamily="49" charset="0"/>
-                </a:rPr>
-                <a:t> </a:t>
-              </a:r>
-              <a:r>
-                <a:rPr lang="en-GB" sz="1200" b="1" dirty="0" err="1">
-                  <a:latin typeface="Roboto Mono Light" pitchFamily="49" charset="0"/>
-                  <a:ea typeface="Roboto Mono Light" pitchFamily="49" charset="0"/>
-                </a:rPr>
-                <a:t>Manswer</a:t>
-              </a:r>
-              <a:r>
-                <a:rPr lang="en-GB" sz="1200" dirty="0">
-                  <a:latin typeface="Roboto Mono Light" pitchFamily="49" charset="0"/>
-                  <a:ea typeface="Roboto Mono Light" pitchFamily="49" charset="0"/>
-                </a:rPr>
-                <a:t>(</a:t>
-              </a:r>
-              <a:r>
-                <a:rPr lang="en-GB" sz="1200" u="sng" dirty="0">
-                  <a:latin typeface="Roboto Mono Light" pitchFamily="49" charset="0"/>
-                  <a:ea typeface="Roboto Mono Light" pitchFamily="49" charset="0"/>
-                </a:rPr>
-                <a:t>id</a:t>
-              </a:r>
-              <a:r>
-                <a:rPr lang="en-GB" sz="1200" dirty="0">
-                  <a:latin typeface="Roboto Mono Light" pitchFamily="49" charset="0"/>
-                  <a:ea typeface="Roboto Mono Light" pitchFamily="49" charset="0"/>
-                </a:rPr>
-                <a:t>, review, question, text)</a:t>
-              </a:r>
-            </a:p>
-          </p:txBody>
-        </p:sp>
-        <p:cxnSp>
-          <p:nvCxnSpPr>
-            <p:cNvPr id="25" name="Connettore 2 13">
-              <a:extLst>
-                <a:ext uri="{FF2B5EF4-FFF2-40B4-BE49-F238E27FC236}">
-                  <a16:creationId xmlns:a16="http://schemas.microsoft.com/office/drawing/2014/main" id="{35447CC9-0AB1-C44D-8488-B27A4313AE74}"/>
-                </a:ext>
-              </a:extLst>
-            </p:cNvPr>
-            <p:cNvCxnSpPr>
-              <a:cxnSpLocks/>
-            </p:cNvCxnSpPr>
-            <p:nvPr/>
-          </p:nvCxnSpPr>
-          <p:spPr>
-            <a:xfrm>
-              <a:off x="1647246" y="1940472"/>
-              <a:ext cx="0" cy="246137"/>
-            </a:xfrm>
-            <a:prstGeom prst="straightConnector1">
-              <a:avLst/>
-            </a:prstGeom>
-            <a:ln w="9525">
-              <a:solidFill>
-                <a:srgbClr val="FF9800"/>
-              </a:solidFill>
-              <a:tailEnd type="triangle" w="lg" len="lg"/>
-            </a:ln>
-          </p:spPr>
-          <p:style>
-            <a:lnRef idx="1">
-              <a:schemeClr val="accent1"/>
-            </a:lnRef>
-            <a:fillRef idx="0">
-              <a:schemeClr val="accent1"/>
-            </a:fillRef>
-            <a:effectRef idx="0">
-              <a:schemeClr val="accent1"/>
-            </a:effectRef>
-            <a:fontRef idx="minor">
-              <a:schemeClr val="tx1"/>
-            </a:fontRef>
-          </p:style>
-        </p:cxnSp>
-        <p:cxnSp>
-          <p:nvCxnSpPr>
-            <p:cNvPr id="27" name="Connettore 2 13">
-              <a:extLst>
-                <a:ext uri="{FF2B5EF4-FFF2-40B4-BE49-F238E27FC236}">
-                  <a16:creationId xmlns:a16="http://schemas.microsoft.com/office/drawing/2014/main" id="{4ADC1484-7DB1-C94D-BB5A-A68225270E8A}"/>
-                </a:ext>
-              </a:extLst>
-            </p:cNvPr>
-            <p:cNvCxnSpPr>
-              <a:cxnSpLocks/>
-            </p:cNvCxnSpPr>
-            <p:nvPr/>
-          </p:nvCxnSpPr>
-          <p:spPr>
-            <a:xfrm flipH="1" flipV="1">
-              <a:off x="1844703" y="2420373"/>
-              <a:ext cx="2727298" cy="243314"/>
-            </a:xfrm>
-            <a:prstGeom prst="straightConnector1">
-              <a:avLst/>
-            </a:prstGeom>
-            <a:ln w="9525">
-              <a:solidFill>
-                <a:srgbClr val="FF9800"/>
-              </a:solidFill>
-              <a:tailEnd type="triangle" w="lg" len="lg"/>
-            </a:ln>
-          </p:spPr>
-          <p:style>
-            <a:lnRef idx="1">
-              <a:schemeClr val="accent1"/>
-            </a:lnRef>
-            <a:fillRef idx="0">
-              <a:schemeClr val="accent1"/>
-            </a:fillRef>
-            <a:effectRef idx="0">
-              <a:schemeClr val="accent1"/>
-            </a:effectRef>
-            <a:fontRef idx="minor">
-              <a:schemeClr val="tx1"/>
-            </a:fontRef>
-          </p:style>
-        </p:cxnSp>
-        <p:cxnSp>
-          <p:nvCxnSpPr>
-            <p:cNvPr id="28" name="Connettore 2 13">
-              <a:extLst>
-                <a:ext uri="{FF2B5EF4-FFF2-40B4-BE49-F238E27FC236}">
-                  <a16:creationId xmlns:a16="http://schemas.microsoft.com/office/drawing/2014/main" id="{389B0547-8636-0142-88D2-3784E747DD6B}"/>
-                </a:ext>
-              </a:extLst>
-            </p:cNvPr>
-            <p:cNvCxnSpPr>
-              <a:cxnSpLocks/>
-            </p:cNvCxnSpPr>
-            <p:nvPr/>
-          </p:nvCxnSpPr>
-          <p:spPr>
-            <a:xfrm flipV="1">
-              <a:off x="1647246" y="2420373"/>
-              <a:ext cx="0" cy="749537"/>
-            </a:xfrm>
-            <a:prstGeom prst="straightConnector1">
-              <a:avLst/>
-            </a:prstGeom>
-            <a:ln w="9525">
-              <a:solidFill>
-                <a:srgbClr val="FF9800"/>
-              </a:solidFill>
-              <a:tailEnd type="triangle" w="lg" len="lg"/>
-            </a:ln>
-          </p:spPr>
-          <p:style>
-            <a:lnRef idx="1">
-              <a:schemeClr val="accent1"/>
-            </a:lnRef>
-            <a:fillRef idx="0">
-              <a:schemeClr val="accent1"/>
-            </a:fillRef>
-            <a:effectRef idx="0">
-              <a:schemeClr val="accent1"/>
-            </a:effectRef>
-            <a:fontRef idx="minor">
-              <a:schemeClr val="tx1"/>
-            </a:fontRef>
-          </p:style>
-        </p:cxnSp>
-        <p:cxnSp>
-          <p:nvCxnSpPr>
-            <p:cNvPr id="29" name="Connettore 2 13">
-              <a:extLst>
-                <a:ext uri="{FF2B5EF4-FFF2-40B4-BE49-F238E27FC236}">
-                  <a16:creationId xmlns:a16="http://schemas.microsoft.com/office/drawing/2014/main" id="{7E40C97E-BA05-F441-A0E5-01231C1B86BE}"/>
-                </a:ext>
-              </a:extLst>
-            </p:cNvPr>
-            <p:cNvCxnSpPr>
-              <a:cxnSpLocks/>
-            </p:cNvCxnSpPr>
-            <p:nvPr/>
-          </p:nvCxnSpPr>
-          <p:spPr>
-            <a:xfrm>
-              <a:off x="5679882" y="2881412"/>
-              <a:ext cx="0" cy="749537"/>
-            </a:xfrm>
-            <a:prstGeom prst="straightConnector1">
-              <a:avLst/>
-            </a:prstGeom>
-            <a:ln w="9525">
-              <a:solidFill>
-                <a:srgbClr val="FF9800"/>
-              </a:solidFill>
-              <a:tailEnd type="triangle" w="lg" len="lg"/>
-            </a:ln>
-          </p:spPr>
-          <p:style>
-            <a:lnRef idx="1">
-              <a:schemeClr val="accent1"/>
-            </a:lnRef>
-            <a:fillRef idx="0">
-              <a:schemeClr val="accent1"/>
-            </a:fillRef>
-            <a:effectRef idx="0">
-              <a:schemeClr val="accent1"/>
-            </a:effectRef>
-            <a:fontRef idx="minor">
-              <a:schemeClr val="tx1"/>
-            </a:fontRef>
-          </p:style>
-        </p:cxnSp>
-        <p:cxnSp>
-          <p:nvCxnSpPr>
-            <p:cNvPr id="37" name="Connettore 2 13">
-              <a:extLst>
-                <a:ext uri="{FF2B5EF4-FFF2-40B4-BE49-F238E27FC236}">
-                  <a16:creationId xmlns:a16="http://schemas.microsoft.com/office/drawing/2014/main" id="{4E11DA03-4DC2-2645-AE98-D24E9DC17B60}"/>
-                </a:ext>
-              </a:extLst>
-            </p:cNvPr>
-            <p:cNvCxnSpPr>
-              <a:cxnSpLocks/>
-            </p:cNvCxnSpPr>
-            <p:nvPr/>
-          </p:nvCxnSpPr>
-          <p:spPr>
-            <a:xfrm flipV="1">
-              <a:off x="2615979" y="4341412"/>
-              <a:ext cx="286247" cy="287137"/>
-            </a:xfrm>
-            <a:prstGeom prst="straightConnector1">
-              <a:avLst/>
-            </a:prstGeom>
-            <a:ln w="9525">
-              <a:solidFill>
-                <a:srgbClr val="FF9800"/>
-              </a:solidFill>
-              <a:tailEnd type="triangle" w="lg" len="lg"/>
-            </a:ln>
-          </p:spPr>
-          <p:style>
-            <a:lnRef idx="1">
-              <a:schemeClr val="accent1"/>
-            </a:lnRef>
-            <a:fillRef idx="0">
-              <a:schemeClr val="accent1"/>
-            </a:fillRef>
-            <a:effectRef idx="0">
-              <a:schemeClr val="accent1"/>
-            </a:effectRef>
-            <a:fontRef idx="minor">
-              <a:schemeClr val="tx1"/>
-            </a:fontRef>
-          </p:style>
-        </p:cxnSp>
-        <p:cxnSp>
-          <p:nvCxnSpPr>
-            <p:cNvPr id="41" name="Connettore 2 13">
-              <a:extLst>
-                <a:ext uri="{FF2B5EF4-FFF2-40B4-BE49-F238E27FC236}">
-                  <a16:creationId xmlns:a16="http://schemas.microsoft.com/office/drawing/2014/main" id="{8702CB7F-8C39-2546-9E37-EFAE07E632CE}"/>
-                </a:ext>
-              </a:extLst>
-            </p:cNvPr>
-            <p:cNvCxnSpPr>
-              <a:cxnSpLocks/>
-            </p:cNvCxnSpPr>
-            <p:nvPr/>
-          </p:nvCxnSpPr>
-          <p:spPr>
-            <a:xfrm flipH="1" flipV="1">
-              <a:off x="1224501" y="3403675"/>
-              <a:ext cx="524786" cy="1224874"/>
-            </a:xfrm>
-            <a:prstGeom prst="straightConnector1">
-              <a:avLst/>
-            </a:prstGeom>
-            <a:ln w="9525">
-              <a:solidFill>
-                <a:srgbClr val="FF9800"/>
-              </a:solidFill>
-              <a:tailEnd type="triangle" w="lg" len="lg"/>
-            </a:ln>
-          </p:spPr>
-          <p:style>
-            <a:lnRef idx="1">
-              <a:schemeClr val="accent1"/>
-            </a:lnRef>
-            <a:fillRef idx="0">
-              <a:schemeClr val="accent1"/>
-            </a:fillRef>
-            <a:effectRef idx="0">
-              <a:schemeClr val="accent1"/>
-            </a:effectRef>
-            <a:fontRef idx="minor">
-              <a:schemeClr val="tx1"/>
-            </a:fontRef>
-          </p:style>
-        </p:cxnSp>
-        <p:cxnSp>
-          <p:nvCxnSpPr>
-            <p:cNvPr id="45" name="Connettore 2 13">
-              <a:extLst>
-                <a:ext uri="{FF2B5EF4-FFF2-40B4-BE49-F238E27FC236}">
-                  <a16:creationId xmlns:a16="http://schemas.microsoft.com/office/drawing/2014/main" id="{F3E43D9F-9A8D-7C46-AA26-C4487FDAF5AA}"/>
-                </a:ext>
-              </a:extLst>
-            </p:cNvPr>
-            <p:cNvCxnSpPr>
-              <a:cxnSpLocks/>
-            </p:cNvCxnSpPr>
-            <p:nvPr/>
-          </p:nvCxnSpPr>
-          <p:spPr>
-            <a:xfrm>
-              <a:off x="4631803" y="3372438"/>
-              <a:ext cx="992337" cy="258511"/>
-            </a:xfrm>
-            <a:prstGeom prst="straightConnector1">
-              <a:avLst/>
-            </a:prstGeom>
-            <a:ln w="9525">
-              <a:solidFill>
-                <a:srgbClr val="FF9800"/>
-              </a:solidFill>
-              <a:tailEnd type="triangle" w="lg" len="lg"/>
-            </a:ln>
-          </p:spPr>
-          <p:style>
-            <a:lnRef idx="1">
-              <a:schemeClr val="accent1"/>
-            </a:lnRef>
-            <a:fillRef idx="0">
-              <a:schemeClr val="accent1"/>
-            </a:fillRef>
-            <a:effectRef idx="0">
-              <a:schemeClr val="accent1"/>
-            </a:effectRef>
-            <a:fontRef idx="minor">
-              <a:schemeClr val="tx1"/>
-            </a:fontRef>
-          </p:style>
-        </p:cxnSp>
-      </p:grpSp>
-    </p:spTree>
-    <p:extLst>
-      <p:ext uri="{BB962C8B-B14F-4D97-AF65-F5344CB8AC3E}">
-        <p14:creationId xmlns:p14="http://schemas.microsoft.com/office/powerpoint/2010/main" val="1640462104"/>
-      </p:ext>
-    </p:extLst>
-  </p:cSld>
-  <p:clrMapOvr>
-    <a:masterClrMapping/>
-  </p:clrMapOvr>
-</p:sld>
-</file>
-
-<file path=ppt/slides/slide4.xml><?xml version="1.0" encoding="utf-8"?>
-<p:sld xmlns:a="http://schemas.openxmlformats.org/drawingml/2006/main" xmlns:r="http://schemas.openxmlformats.org/officeDocument/2006/relationships" xmlns:p="http://schemas.openxmlformats.org/presentationml/2006/main">
-  <p:cSld>
-    <p:spTree>
-      <p:nvGrpSpPr>
-        <p:cNvPr id="1" name="Shape 235"/>
-        <p:cNvGrpSpPr/>
-        <p:nvPr/>
-      </p:nvGrpSpPr>
-      <p:grpSpPr>
-        <a:xfrm>
-          <a:off x="0" y="0"/>
-          <a:ext cx="0" cy="0"/>
-          <a:chOff x="0" y="0"/>
-          <a:chExt cx="0" cy="0"/>
-        </a:xfrm>
-      </p:grpSpPr>
-      <p:sp>
-        <p:nvSpPr>
-          <p:cNvPr id="236" name="Google Shape;236;p16"/>
-          <p:cNvSpPr txBox="1">
-            <a:spLocks noGrp="1"/>
-          </p:cNvSpPr>
-          <p:nvPr>
-            <p:ph type="title"/>
-          </p:nvPr>
-        </p:nvSpPr>
-        <p:spPr>
-          <a:xfrm>
-            <a:off x="814275" y="392575"/>
-            <a:ext cx="5492400" cy="766200"/>
-          </a:xfrm>
-          <a:prstGeom prst="rect">
-            <a:avLst/>
-          </a:prstGeom>
-        </p:spPr>
-        <p:txBody>
-          <a:bodyPr spcFirstLastPara="1" wrap="square" lIns="91425" tIns="91425" rIns="91425" bIns="91425" anchor="ctr" anchorCtr="0">
-            <a:noAutofit/>
-          </a:bodyPr>
-          <a:lstStyle/>
-          <a:p>
-            <a:pPr marL="0" lvl="0" indent="0" algn="l" rtl="0">
-              <a:spcBef>
-                <a:spcPts val="0"/>
-              </a:spcBef>
-              <a:spcAft>
-                <a:spcPts val="0"/>
-              </a:spcAft>
-              <a:buNone/>
-            </a:pPr>
-            <a:r>
-              <a:rPr lang="en" dirty="0"/>
-              <a:t>Relational Model</a:t>
-            </a:r>
-            <a:endParaRPr dirty="0"/>
-          </a:p>
-        </p:txBody>
-      </p:sp>
-      <p:sp>
-        <p:nvSpPr>
-          <p:cNvPr id="238" name="Google Shape;238;p16"/>
-          <p:cNvSpPr txBox="1">
-            <a:spLocks noGrp="1"/>
-          </p:cNvSpPr>
-          <p:nvPr>
-            <p:ph type="sldNum" idx="12"/>
-          </p:nvPr>
-        </p:nvSpPr>
-        <p:spPr>
-          <a:xfrm>
-            <a:off x="7618000" y="4636500"/>
-            <a:ext cx="1487400" cy="315600"/>
-          </a:xfrm>
-          <a:prstGeom prst="rect">
-            <a:avLst/>
-          </a:prstGeom>
-        </p:spPr>
-        <p:txBody>
-          <a:bodyPr spcFirstLastPara="1" wrap="square" lIns="91425" tIns="91425" rIns="91425" bIns="91425" anchor="ctr" anchorCtr="0">
-            <a:noAutofit/>
-          </a:bodyPr>
-          <a:lstStyle/>
-          <a:p>
-            <a:pPr marL="0" lvl="0" indent="0" algn="r" rtl="0">
-              <a:spcBef>
-                <a:spcPts val="0"/>
-              </a:spcBef>
-              <a:spcAft>
-                <a:spcPts val="0"/>
-              </a:spcAft>
-              <a:buNone/>
-            </a:pPr>
-            <a:fld id="{00000000-1234-1234-1234-123412341234}" type="slidenum">
-              <a:rPr lang="en"/>
-              <a:t>4</a:t>
-            </a:fld>
-            <a:endParaRPr/>
-          </a:p>
-        </p:txBody>
-      </p:sp>
-      <p:grpSp>
-        <p:nvGrpSpPr>
-          <p:cNvPr id="13" name="Google Shape;1266;p46">
-            <a:extLst>
-              <a:ext uri="{FF2B5EF4-FFF2-40B4-BE49-F238E27FC236}">
-                <a16:creationId xmlns:a16="http://schemas.microsoft.com/office/drawing/2014/main" id="{581CA542-2380-9944-A343-D534B681B847}"/>
-              </a:ext>
-            </a:extLst>
-          </p:cNvPr>
-          <p:cNvGrpSpPr/>
-          <p:nvPr/>
-        </p:nvGrpSpPr>
-        <p:grpSpPr>
-          <a:xfrm>
-            <a:off x="252853" y="606715"/>
-            <a:ext cx="407743" cy="391135"/>
-            <a:chOff x="5233525" y="4954450"/>
-            <a:chExt cx="538275" cy="516350"/>
-          </a:xfrm>
-        </p:grpSpPr>
-        <p:sp>
-          <p:nvSpPr>
-            <p:cNvPr id="14" name="Google Shape;1267;p46">
-              <a:extLst>
-                <a:ext uri="{FF2B5EF4-FFF2-40B4-BE49-F238E27FC236}">
-                  <a16:creationId xmlns:a16="http://schemas.microsoft.com/office/drawing/2014/main" id="{926E6E37-C76A-6B44-9077-E2106F9DDBB8}"/>
-                </a:ext>
-              </a:extLst>
-            </p:cNvPr>
-            <p:cNvSpPr/>
-            <p:nvPr/>
-          </p:nvSpPr>
-          <p:spPr>
-            <a:xfrm>
-              <a:off x="5637825" y="4954450"/>
-              <a:ext cx="89525" cy="89525"/>
-            </a:xfrm>
-            <a:custGeom>
-              <a:avLst/>
-              <a:gdLst/>
-              <a:ahLst/>
-              <a:cxnLst/>
-              <a:rect l="l" t="t" r="r" b="b"/>
-              <a:pathLst>
-                <a:path w="3581" h="3581" fill="none" extrusionOk="0">
-                  <a:moveTo>
-                    <a:pt x="1023" y="3410"/>
-                  </a:moveTo>
-                  <a:lnTo>
-                    <a:pt x="1023" y="3410"/>
-                  </a:lnTo>
-                  <a:lnTo>
-                    <a:pt x="1193" y="3483"/>
-                  </a:lnTo>
-                  <a:lnTo>
-                    <a:pt x="1388" y="3532"/>
-                  </a:lnTo>
-                  <a:lnTo>
-                    <a:pt x="1583" y="3556"/>
-                  </a:lnTo>
-                  <a:lnTo>
-                    <a:pt x="1778" y="3581"/>
-                  </a:lnTo>
-                  <a:lnTo>
-                    <a:pt x="1778" y="3581"/>
-                  </a:lnTo>
-                  <a:lnTo>
-                    <a:pt x="1973" y="3556"/>
-                  </a:lnTo>
-                  <a:lnTo>
-                    <a:pt x="2143" y="3532"/>
-                  </a:lnTo>
-                  <a:lnTo>
-                    <a:pt x="2314" y="3508"/>
-                  </a:lnTo>
-                  <a:lnTo>
-                    <a:pt x="2484" y="3435"/>
-                  </a:lnTo>
-                  <a:lnTo>
-                    <a:pt x="2630" y="3361"/>
-                  </a:lnTo>
-                  <a:lnTo>
-                    <a:pt x="2776" y="3264"/>
-                  </a:lnTo>
-                  <a:lnTo>
-                    <a:pt x="2923" y="3167"/>
-                  </a:lnTo>
-                  <a:lnTo>
-                    <a:pt x="3044" y="3045"/>
-                  </a:lnTo>
-                  <a:lnTo>
-                    <a:pt x="3166" y="2923"/>
-                  </a:lnTo>
-                  <a:lnTo>
-                    <a:pt x="3264" y="2801"/>
-                  </a:lnTo>
-                  <a:lnTo>
-                    <a:pt x="3361" y="2631"/>
-                  </a:lnTo>
-                  <a:lnTo>
-                    <a:pt x="3434" y="2485"/>
-                  </a:lnTo>
-                  <a:lnTo>
-                    <a:pt x="3483" y="2314"/>
-                  </a:lnTo>
-                  <a:lnTo>
-                    <a:pt x="3531" y="2144"/>
-                  </a:lnTo>
-                  <a:lnTo>
-                    <a:pt x="3556" y="1973"/>
-                  </a:lnTo>
-                  <a:lnTo>
-                    <a:pt x="3580" y="1803"/>
-                  </a:lnTo>
-                  <a:lnTo>
-                    <a:pt x="3580" y="1803"/>
-                  </a:lnTo>
-                  <a:lnTo>
-                    <a:pt x="3556" y="1608"/>
-                  </a:lnTo>
-                  <a:lnTo>
-                    <a:pt x="3531" y="1437"/>
-                  </a:lnTo>
-                  <a:lnTo>
-                    <a:pt x="3483" y="1267"/>
-                  </a:lnTo>
-                  <a:lnTo>
-                    <a:pt x="3434" y="1096"/>
-                  </a:lnTo>
-                  <a:lnTo>
-                    <a:pt x="3361" y="950"/>
-                  </a:lnTo>
-                  <a:lnTo>
-                    <a:pt x="3264" y="804"/>
-                  </a:lnTo>
-                  <a:lnTo>
-                    <a:pt x="3166" y="658"/>
-                  </a:lnTo>
-                  <a:lnTo>
-                    <a:pt x="3044" y="536"/>
-                  </a:lnTo>
-                  <a:lnTo>
-                    <a:pt x="2923" y="414"/>
-                  </a:lnTo>
-                  <a:lnTo>
-                    <a:pt x="2776" y="317"/>
-                  </a:lnTo>
-                  <a:lnTo>
-                    <a:pt x="2630" y="220"/>
-                  </a:lnTo>
-                  <a:lnTo>
-                    <a:pt x="2484" y="147"/>
-                  </a:lnTo>
-                  <a:lnTo>
-                    <a:pt x="2314" y="98"/>
-                  </a:lnTo>
-                  <a:lnTo>
-                    <a:pt x="2143" y="49"/>
-                  </a:lnTo>
-                  <a:lnTo>
-                    <a:pt x="1973" y="25"/>
-                  </a:lnTo>
-                  <a:lnTo>
-                    <a:pt x="1778" y="0"/>
-                  </a:lnTo>
-                  <a:lnTo>
-                    <a:pt x="1778" y="0"/>
-                  </a:lnTo>
-                  <a:lnTo>
-                    <a:pt x="1607" y="25"/>
-                  </a:lnTo>
-                  <a:lnTo>
-                    <a:pt x="1437" y="49"/>
-                  </a:lnTo>
-                  <a:lnTo>
-                    <a:pt x="1266" y="98"/>
-                  </a:lnTo>
-                  <a:lnTo>
-                    <a:pt x="1096" y="147"/>
-                  </a:lnTo>
-                  <a:lnTo>
-                    <a:pt x="925" y="220"/>
-                  </a:lnTo>
-                  <a:lnTo>
-                    <a:pt x="779" y="317"/>
-                  </a:lnTo>
-                  <a:lnTo>
-                    <a:pt x="658" y="414"/>
-                  </a:lnTo>
-                  <a:lnTo>
-                    <a:pt x="536" y="536"/>
-                  </a:lnTo>
-                  <a:lnTo>
-                    <a:pt x="414" y="658"/>
-                  </a:lnTo>
-                  <a:lnTo>
-                    <a:pt x="317" y="804"/>
-                  </a:lnTo>
-                  <a:lnTo>
-                    <a:pt x="219" y="950"/>
-                  </a:lnTo>
-                  <a:lnTo>
-                    <a:pt x="146" y="1096"/>
-                  </a:lnTo>
-                  <a:lnTo>
-                    <a:pt x="73" y="1267"/>
-                  </a:lnTo>
-                  <a:lnTo>
-                    <a:pt x="49" y="1437"/>
-                  </a:lnTo>
-                  <a:lnTo>
-                    <a:pt x="24" y="1608"/>
-                  </a:lnTo>
-                  <a:lnTo>
-                    <a:pt x="0" y="1803"/>
-                  </a:lnTo>
-                  <a:lnTo>
-                    <a:pt x="0" y="1803"/>
-                  </a:lnTo>
-                  <a:lnTo>
-                    <a:pt x="24" y="2071"/>
-                  </a:lnTo>
-                  <a:lnTo>
-                    <a:pt x="97" y="2339"/>
-                  </a:lnTo>
-                  <a:lnTo>
-                    <a:pt x="195" y="2582"/>
-                  </a:lnTo>
-                  <a:lnTo>
-                    <a:pt x="317" y="2801"/>
-                  </a:lnTo>
-                </a:path>
-              </a:pathLst>
-            </a:custGeom>
-            <a:noFill/>
-            <a:ln w="12175" cap="rnd" cmpd="sng">
-              <a:solidFill>
-                <a:schemeClr val="accent5"/>
-              </a:solidFill>
-              <a:prstDash val="solid"/>
-              <a:round/>
-              <a:headEnd type="none" w="sm" len="sm"/>
-              <a:tailEnd type="none" w="sm" len="sm"/>
-            </a:ln>
-          </p:spPr>
-          <p:txBody>
-            <a:bodyPr spcFirstLastPara="1" wrap="square" lIns="91425" tIns="91425" rIns="91425" bIns="91425" anchor="ctr" anchorCtr="0">
-              <a:noAutofit/>
-            </a:bodyPr>
-            <a:lstStyle/>
-            <a:p>
-              <a:pPr marL="0" lvl="0" indent="0" algn="l" rtl="0">
-                <a:spcBef>
-                  <a:spcPts val="0"/>
-                </a:spcBef>
-                <a:spcAft>
-                  <a:spcPts val="0"/>
-                </a:spcAft>
-                <a:buNone/>
-              </a:pPr>
-              <a:endParaRPr/>
-            </a:p>
-          </p:txBody>
-        </p:sp>
-        <p:sp>
-          <p:nvSpPr>
-            <p:cNvPr id="15" name="Google Shape;1268;p46">
-              <a:extLst>
-                <a:ext uri="{FF2B5EF4-FFF2-40B4-BE49-F238E27FC236}">
-                  <a16:creationId xmlns:a16="http://schemas.microsoft.com/office/drawing/2014/main" id="{FA76C63D-44C3-224E-87BA-F41DBEE3D566}"/>
-                </a:ext>
-              </a:extLst>
-            </p:cNvPr>
-            <p:cNvSpPr/>
-            <p:nvPr/>
-          </p:nvSpPr>
-          <p:spPr>
-            <a:xfrm>
-              <a:off x="5323025" y="4980625"/>
-              <a:ext cx="88925" cy="88925"/>
-            </a:xfrm>
-            <a:custGeom>
-              <a:avLst/>
-              <a:gdLst/>
-              <a:ahLst/>
-              <a:cxnLst/>
-              <a:rect l="l" t="t" r="r" b="b"/>
-              <a:pathLst>
-                <a:path w="3557" h="3557" fill="none" extrusionOk="0">
-                  <a:moveTo>
-                    <a:pt x="3191" y="2850"/>
-                  </a:moveTo>
-                  <a:lnTo>
-                    <a:pt x="3191" y="2850"/>
-                  </a:lnTo>
-                  <a:lnTo>
-                    <a:pt x="3313" y="2680"/>
-                  </a:lnTo>
-                  <a:lnTo>
-                    <a:pt x="3410" y="2509"/>
-                  </a:lnTo>
-                  <a:lnTo>
-                    <a:pt x="3483" y="2314"/>
-                  </a:lnTo>
-                  <a:lnTo>
-                    <a:pt x="3532" y="2095"/>
-                  </a:lnTo>
-                  <a:lnTo>
-                    <a:pt x="3532" y="2095"/>
-                  </a:lnTo>
-                  <a:lnTo>
-                    <a:pt x="3556" y="1925"/>
-                  </a:lnTo>
-                  <a:lnTo>
-                    <a:pt x="3556" y="1730"/>
-                  </a:lnTo>
-                  <a:lnTo>
-                    <a:pt x="3556" y="1559"/>
-                  </a:lnTo>
-                  <a:lnTo>
-                    <a:pt x="3508" y="1389"/>
-                  </a:lnTo>
-                  <a:lnTo>
-                    <a:pt x="3459" y="1218"/>
-                  </a:lnTo>
-                  <a:lnTo>
-                    <a:pt x="3410" y="1072"/>
-                  </a:lnTo>
-                  <a:lnTo>
-                    <a:pt x="3337" y="902"/>
-                  </a:lnTo>
-                  <a:lnTo>
-                    <a:pt x="3240" y="756"/>
-                  </a:lnTo>
-                  <a:lnTo>
-                    <a:pt x="3142" y="634"/>
-                  </a:lnTo>
-                  <a:lnTo>
-                    <a:pt x="3021" y="512"/>
-                  </a:lnTo>
-                  <a:lnTo>
-                    <a:pt x="2899" y="390"/>
-                  </a:lnTo>
-                  <a:lnTo>
-                    <a:pt x="2753" y="293"/>
-                  </a:lnTo>
-                  <a:lnTo>
-                    <a:pt x="2606" y="196"/>
-                  </a:lnTo>
-                  <a:lnTo>
-                    <a:pt x="2436" y="122"/>
-                  </a:lnTo>
-                  <a:lnTo>
-                    <a:pt x="2266" y="74"/>
-                  </a:lnTo>
-                  <a:lnTo>
-                    <a:pt x="2095" y="25"/>
-                  </a:lnTo>
-                  <a:lnTo>
-                    <a:pt x="2095" y="25"/>
-                  </a:lnTo>
-                  <a:lnTo>
-                    <a:pt x="1925" y="1"/>
-                  </a:lnTo>
-                  <a:lnTo>
-                    <a:pt x="1730" y="1"/>
-                  </a:lnTo>
-                  <a:lnTo>
-                    <a:pt x="1559" y="1"/>
-                  </a:lnTo>
-                  <a:lnTo>
-                    <a:pt x="1389" y="25"/>
-                  </a:lnTo>
-                  <a:lnTo>
-                    <a:pt x="1218" y="74"/>
-                  </a:lnTo>
-                  <a:lnTo>
-                    <a:pt x="1072" y="147"/>
-                  </a:lnTo>
-                  <a:lnTo>
-                    <a:pt x="902" y="220"/>
-                  </a:lnTo>
-                  <a:lnTo>
-                    <a:pt x="756" y="317"/>
-                  </a:lnTo>
-                  <a:lnTo>
-                    <a:pt x="634" y="415"/>
-                  </a:lnTo>
-                  <a:lnTo>
-                    <a:pt x="512" y="537"/>
-                  </a:lnTo>
-                  <a:lnTo>
-                    <a:pt x="390" y="658"/>
-                  </a:lnTo>
-                  <a:lnTo>
-                    <a:pt x="293" y="804"/>
-                  </a:lnTo>
-                  <a:lnTo>
-                    <a:pt x="195" y="951"/>
-                  </a:lnTo>
-                  <a:lnTo>
-                    <a:pt x="122" y="1097"/>
-                  </a:lnTo>
-                  <a:lnTo>
-                    <a:pt x="74" y="1267"/>
-                  </a:lnTo>
-                  <a:lnTo>
-                    <a:pt x="25" y="1462"/>
-                  </a:lnTo>
-                  <a:lnTo>
-                    <a:pt x="25" y="1462"/>
-                  </a:lnTo>
-                  <a:lnTo>
-                    <a:pt x="1" y="1633"/>
-                  </a:lnTo>
-                  <a:lnTo>
-                    <a:pt x="1" y="1803"/>
-                  </a:lnTo>
-                  <a:lnTo>
-                    <a:pt x="1" y="1998"/>
-                  </a:lnTo>
-                  <a:lnTo>
-                    <a:pt x="25" y="2168"/>
-                  </a:lnTo>
-                  <a:lnTo>
-                    <a:pt x="74" y="2339"/>
-                  </a:lnTo>
-                  <a:lnTo>
-                    <a:pt x="147" y="2485"/>
-                  </a:lnTo>
-                  <a:lnTo>
-                    <a:pt x="220" y="2655"/>
-                  </a:lnTo>
-                  <a:lnTo>
-                    <a:pt x="317" y="2777"/>
-                  </a:lnTo>
-                  <a:lnTo>
-                    <a:pt x="415" y="2923"/>
-                  </a:lnTo>
-                  <a:lnTo>
-                    <a:pt x="536" y="3045"/>
-                  </a:lnTo>
-                  <a:lnTo>
-                    <a:pt x="658" y="3167"/>
-                  </a:lnTo>
-                  <a:lnTo>
-                    <a:pt x="804" y="3264"/>
-                  </a:lnTo>
-                  <a:lnTo>
-                    <a:pt x="950" y="3362"/>
-                  </a:lnTo>
-                  <a:lnTo>
-                    <a:pt x="1096" y="3435"/>
-                  </a:lnTo>
-                  <a:lnTo>
-                    <a:pt x="1267" y="3483"/>
-                  </a:lnTo>
-                  <a:lnTo>
-                    <a:pt x="1462" y="3532"/>
-                  </a:lnTo>
-                  <a:lnTo>
-                    <a:pt x="1462" y="3532"/>
-                  </a:lnTo>
-                  <a:lnTo>
-                    <a:pt x="1705" y="3557"/>
-                  </a:lnTo>
-                  <a:lnTo>
-                    <a:pt x="1973" y="3557"/>
-                  </a:lnTo>
-                  <a:lnTo>
-                    <a:pt x="2217" y="3508"/>
-                  </a:lnTo>
-                  <a:lnTo>
-                    <a:pt x="2460" y="3435"/>
-                  </a:lnTo>
-                </a:path>
-              </a:pathLst>
-            </a:custGeom>
-            <a:noFill/>
-            <a:ln w="12175" cap="rnd" cmpd="sng">
-              <a:solidFill>
-                <a:schemeClr val="accent5"/>
-              </a:solidFill>
-              <a:prstDash val="solid"/>
-              <a:round/>
-              <a:headEnd type="none" w="sm" len="sm"/>
-              <a:tailEnd type="none" w="sm" len="sm"/>
-            </a:ln>
-          </p:spPr>
-          <p:txBody>
-            <a:bodyPr spcFirstLastPara="1" wrap="square" lIns="91425" tIns="91425" rIns="91425" bIns="91425" anchor="ctr" anchorCtr="0">
-              <a:noAutofit/>
-            </a:bodyPr>
-            <a:lstStyle/>
-            <a:p>
-              <a:pPr marL="0" lvl="0" indent="0" algn="l" rtl="0">
-                <a:spcBef>
-                  <a:spcPts val="0"/>
-                </a:spcBef>
-                <a:spcAft>
-                  <a:spcPts val="0"/>
-                </a:spcAft>
-                <a:buNone/>
-              </a:pPr>
-              <a:endParaRPr/>
-            </a:p>
-          </p:txBody>
-        </p:sp>
-        <p:sp>
-          <p:nvSpPr>
-            <p:cNvPr id="16" name="Google Shape;1269;p46">
-              <a:extLst>
-                <a:ext uri="{FF2B5EF4-FFF2-40B4-BE49-F238E27FC236}">
-                  <a16:creationId xmlns:a16="http://schemas.microsoft.com/office/drawing/2014/main" id="{758AA347-DC5C-DD4D-9EA8-C3D552DBC07F}"/>
-                </a:ext>
-              </a:extLst>
-            </p:cNvPr>
-            <p:cNvSpPr/>
-            <p:nvPr/>
-          </p:nvSpPr>
-          <p:spPr>
-            <a:xfrm>
-              <a:off x="5233525" y="5255225"/>
-              <a:ext cx="89525" cy="89525"/>
-            </a:xfrm>
-            <a:custGeom>
-              <a:avLst/>
-              <a:gdLst/>
-              <a:ahLst/>
-              <a:cxnLst/>
-              <a:rect l="l" t="t" r="r" b="b"/>
-              <a:pathLst>
-                <a:path w="3581" h="3581" fill="none" extrusionOk="0">
-                  <a:moveTo>
-                    <a:pt x="3215" y="707"/>
-                  </a:moveTo>
-                  <a:lnTo>
-                    <a:pt x="3215" y="707"/>
-                  </a:lnTo>
-                  <a:lnTo>
-                    <a:pt x="3093" y="585"/>
-                  </a:lnTo>
-                  <a:lnTo>
-                    <a:pt x="2972" y="464"/>
-                  </a:lnTo>
-                  <a:lnTo>
-                    <a:pt x="2850" y="342"/>
-                  </a:lnTo>
-                  <a:lnTo>
-                    <a:pt x="2679" y="244"/>
-                  </a:lnTo>
-                  <a:lnTo>
-                    <a:pt x="2679" y="244"/>
-                  </a:lnTo>
-                  <a:lnTo>
-                    <a:pt x="2533" y="171"/>
-                  </a:lnTo>
-                  <a:lnTo>
-                    <a:pt x="2363" y="98"/>
-                  </a:lnTo>
-                  <a:lnTo>
-                    <a:pt x="2192" y="50"/>
-                  </a:lnTo>
-                  <a:lnTo>
-                    <a:pt x="2022" y="25"/>
-                  </a:lnTo>
-                  <a:lnTo>
-                    <a:pt x="1851" y="1"/>
-                  </a:lnTo>
-                  <a:lnTo>
-                    <a:pt x="1681" y="25"/>
-                  </a:lnTo>
-                  <a:lnTo>
-                    <a:pt x="1510" y="25"/>
-                  </a:lnTo>
-                  <a:lnTo>
-                    <a:pt x="1340" y="74"/>
-                  </a:lnTo>
-                  <a:lnTo>
-                    <a:pt x="1169" y="123"/>
-                  </a:lnTo>
-                  <a:lnTo>
-                    <a:pt x="1023" y="196"/>
-                  </a:lnTo>
-                  <a:lnTo>
-                    <a:pt x="877" y="269"/>
-                  </a:lnTo>
-                  <a:lnTo>
-                    <a:pt x="731" y="366"/>
-                  </a:lnTo>
-                  <a:lnTo>
-                    <a:pt x="585" y="488"/>
-                  </a:lnTo>
-                  <a:lnTo>
-                    <a:pt x="463" y="610"/>
-                  </a:lnTo>
-                  <a:lnTo>
-                    <a:pt x="341" y="731"/>
-                  </a:lnTo>
-                  <a:lnTo>
-                    <a:pt x="244" y="902"/>
-                  </a:lnTo>
-                  <a:lnTo>
-                    <a:pt x="244" y="902"/>
-                  </a:lnTo>
-                  <a:lnTo>
-                    <a:pt x="171" y="1048"/>
-                  </a:lnTo>
-                  <a:lnTo>
-                    <a:pt x="98" y="1219"/>
-                  </a:lnTo>
-                  <a:lnTo>
-                    <a:pt x="49" y="1389"/>
-                  </a:lnTo>
-                  <a:lnTo>
-                    <a:pt x="25" y="1560"/>
-                  </a:lnTo>
-                  <a:lnTo>
-                    <a:pt x="0" y="1730"/>
-                  </a:lnTo>
-                  <a:lnTo>
-                    <a:pt x="0" y="1900"/>
-                  </a:lnTo>
-                  <a:lnTo>
-                    <a:pt x="25" y="2071"/>
-                  </a:lnTo>
-                  <a:lnTo>
-                    <a:pt x="73" y="2241"/>
-                  </a:lnTo>
-                  <a:lnTo>
-                    <a:pt x="122" y="2412"/>
-                  </a:lnTo>
-                  <a:lnTo>
-                    <a:pt x="195" y="2558"/>
-                  </a:lnTo>
-                  <a:lnTo>
-                    <a:pt x="268" y="2729"/>
-                  </a:lnTo>
-                  <a:lnTo>
-                    <a:pt x="366" y="2850"/>
-                  </a:lnTo>
-                  <a:lnTo>
-                    <a:pt x="463" y="2996"/>
-                  </a:lnTo>
-                  <a:lnTo>
-                    <a:pt x="609" y="3118"/>
-                  </a:lnTo>
-                  <a:lnTo>
-                    <a:pt x="731" y="3240"/>
-                  </a:lnTo>
-                  <a:lnTo>
-                    <a:pt x="901" y="3337"/>
-                  </a:lnTo>
-                  <a:lnTo>
-                    <a:pt x="901" y="3337"/>
-                  </a:lnTo>
-                  <a:lnTo>
-                    <a:pt x="1048" y="3410"/>
-                  </a:lnTo>
-                  <a:lnTo>
-                    <a:pt x="1218" y="3484"/>
-                  </a:lnTo>
-                  <a:lnTo>
-                    <a:pt x="1389" y="3532"/>
-                  </a:lnTo>
-                  <a:lnTo>
-                    <a:pt x="1559" y="3557"/>
-                  </a:lnTo>
-                  <a:lnTo>
-                    <a:pt x="1730" y="3581"/>
-                  </a:lnTo>
-                  <a:lnTo>
-                    <a:pt x="1900" y="3581"/>
-                  </a:lnTo>
-                  <a:lnTo>
-                    <a:pt x="2071" y="3557"/>
-                  </a:lnTo>
-                  <a:lnTo>
-                    <a:pt x="2241" y="3508"/>
-                  </a:lnTo>
-                  <a:lnTo>
-                    <a:pt x="2411" y="3459"/>
-                  </a:lnTo>
-                  <a:lnTo>
-                    <a:pt x="2558" y="3410"/>
-                  </a:lnTo>
-                  <a:lnTo>
-                    <a:pt x="2704" y="3313"/>
-                  </a:lnTo>
-                  <a:lnTo>
-                    <a:pt x="2850" y="3216"/>
-                  </a:lnTo>
-                  <a:lnTo>
-                    <a:pt x="2996" y="3118"/>
-                  </a:lnTo>
-                  <a:lnTo>
-                    <a:pt x="3118" y="2996"/>
-                  </a:lnTo>
-                  <a:lnTo>
-                    <a:pt x="3240" y="2850"/>
-                  </a:lnTo>
-                  <a:lnTo>
-                    <a:pt x="3337" y="2704"/>
-                  </a:lnTo>
-                  <a:lnTo>
-                    <a:pt x="3337" y="2704"/>
-                  </a:lnTo>
-                  <a:lnTo>
-                    <a:pt x="3459" y="2412"/>
-                  </a:lnTo>
-                  <a:lnTo>
-                    <a:pt x="3532" y="2144"/>
-                  </a:lnTo>
-                  <a:lnTo>
-                    <a:pt x="3581" y="1852"/>
-                  </a:lnTo>
-                  <a:lnTo>
-                    <a:pt x="3556" y="1560"/>
-                  </a:lnTo>
-                </a:path>
-              </a:pathLst>
-            </a:custGeom>
-            <a:noFill/>
-            <a:ln w="12175" cap="rnd" cmpd="sng">
-              <a:solidFill>
-                <a:schemeClr val="accent5"/>
-              </a:solidFill>
-              <a:prstDash val="solid"/>
-              <a:round/>
-              <a:headEnd type="none" w="sm" len="sm"/>
-              <a:tailEnd type="none" w="sm" len="sm"/>
-            </a:ln>
-          </p:spPr>
-          <p:txBody>
-            <a:bodyPr spcFirstLastPara="1" wrap="square" lIns="91425" tIns="91425" rIns="91425" bIns="91425" anchor="ctr" anchorCtr="0">
-              <a:noAutofit/>
-            </a:bodyPr>
-            <a:lstStyle/>
-            <a:p>
-              <a:pPr marL="0" lvl="0" indent="0" algn="l" rtl="0">
-                <a:spcBef>
-                  <a:spcPts val="0"/>
-                </a:spcBef>
-                <a:spcAft>
-                  <a:spcPts val="0"/>
-                </a:spcAft>
-                <a:buNone/>
-              </a:pPr>
-              <a:endParaRPr/>
-            </a:p>
-          </p:txBody>
-        </p:sp>
-        <p:sp>
-          <p:nvSpPr>
-            <p:cNvPr id="17" name="Google Shape;1270;p46">
-              <a:extLst>
-                <a:ext uri="{FF2B5EF4-FFF2-40B4-BE49-F238E27FC236}">
-                  <a16:creationId xmlns:a16="http://schemas.microsoft.com/office/drawing/2014/main" id="{8EC91DD6-0CE9-1749-84C1-314D649DFCD6}"/>
-                </a:ext>
-              </a:extLst>
-            </p:cNvPr>
-            <p:cNvSpPr/>
-            <p:nvPr/>
-          </p:nvSpPr>
-          <p:spPr>
-            <a:xfrm>
-              <a:off x="5453325" y="5382475"/>
-              <a:ext cx="88925" cy="88325"/>
-            </a:xfrm>
-            <a:custGeom>
-              <a:avLst/>
-              <a:gdLst/>
-              <a:ahLst/>
-              <a:cxnLst/>
-              <a:rect l="l" t="t" r="r" b="b"/>
-              <a:pathLst>
-                <a:path w="3557" h="3533" fill="none" extrusionOk="0">
-                  <a:moveTo>
-                    <a:pt x="1389" y="1"/>
-                  </a:moveTo>
-                  <a:lnTo>
-                    <a:pt x="1389" y="1"/>
-                  </a:lnTo>
-                  <a:lnTo>
-                    <a:pt x="1194" y="50"/>
-                  </a:lnTo>
-                  <a:lnTo>
-                    <a:pt x="999" y="147"/>
-                  </a:lnTo>
-                  <a:lnTo>
-                    <a:pt x="804" y="245"/>
-                  </a:lnTo>
-                  <a:lnTo>
-                    <a:pt x="634" y="366"/>
-                  </a:lnTo>
-                  <a:lnTo>
-                    <a:pt x="634" y="366"/>
-                  </a:lnTo>
-                  <a:lnTo>
-                    <a:pt x="488" y="488"/>
-                  </a:lnTo>
-                  <a:lnTo>
-                    <a:pt x="390" y="634"/>
-                  </a:lnTo>
-                  <a:lnTo>
-                    <a:pt x="268" y="780"/>
-                  </a:lnTo>
-                  <a:lnTo>
-                    <a:pt x="195" y="926"/>
-                  </a:lnTo>
-                  <a:lnTo>
-                    <a:pt x="122" y="1073"/>
-                  </a:lnTo>
-                  <a:lnTo>
-                    <a:pt x="74" y="1243"/>
-                  </a:lnTo>
-                  <a:lnTo>
-                    <a:pt x="25" y="1414"/>
-                  </a:lnTo>
-                  <a:lnTo>
-                    <a:pt x="0" y="1584"/>
-                  </a:lnTo>
-                  <a:lnTo>
-                    <a:pt x="0" y="1755"/>
-                  </a:lnTo>
-                  <a:lnTo>
-                    <a:pt x="0" y="1925"/>
-                  </a:lnTo>
-                  <a:lnTo>
-                    <a:pt x="25" y="2096"/>
-                  </a:lnTo>
-                  <a:lnTo>
-                    <a:pt x="74" y="2266"/>
-                  </a:lnTo>
-                  <a:lnTo>
-                    <a:pt x="122" y="2412"/>
-                  </a:lnTo>
-                  <a:lnTo>
-                    <a:pt x="195" y="2583"/>
-                  </a:lnTo>
-                  <a:lnTo>
-                    <a:pt x="293" y="2729"/>
-                  </a:lnTo>
-                  <a:lnTo>
-                    <a:pt x="415" y="2875"/>
-                  </a:lnTo>
-                  <a:lnTo>
-                    <a:pt x="415" y="2875"/>
-                  </a:lnTo>
-                  <a:lnTo>
-                    <a:pt x="536" y="3021"/>
-                  </a:lnTo>
-                  <a:lnTo>
-                    <a:pt x="658" y="3143"/>
-                  </a:lnTo>
-                  <a:lnTo>
-                    <a:pt x="804" y="3240"/>
-                  </a:lnTo>
-                  <a:lnTo>
-                    <a:pt x="950" y="3313"/>
-                  </a:lnTo>
-                  <a:lnTo>
-                    <a:pt x="1121" y="3386"/>
-                  </a:lnTo>
-                  <a:lnTo>
-                    <a:pt x="1267" y="3459"/>
-                  </a:lnTo>
-                  <a:lnTo>
-                    <a:pt x="1437" y="3484"/>
-                  </a:lnTo>
-                  <a:lnTo>
-                    <a:pt x="1608" y="3508"/>
-                  </a:lnTo>
-                  <a:lnTo>
-                    <a:pt x="1778" y="3532"/>
-                  </a:lnTo>
-                  <a:lnTo>
-                    <a:pt x="1949" y="3508"/>
-                  </a:lnTo>
-                  <a:lnTo>
-                    <a:pt x="2119" y="3484"/>
-                  </a:lnTo>
-                  <a:lnTo>
-                    <a:pt x="2290" y="3435"/>
-                  </a:lnTo>
-                  <a:lnTo>
-                    <a:pt x="2460" y="3386"/>
-                  </a:lnTo>
-                  <a:lnTo>
-                    <a:pt x="2606" y="3313"/>
-                  </a:lnTo>
-                  <a:lnTo>
-                    <a:pt x="2777" y="3216"/>
-                  </a:lnTo>
-                  <a:lnTo>
-                    <a:pt x="2923" y="3118"/>
-                  </a:lnTo>
-                  <a:lnTo>
-                    <a:pt x="2923" y="3118"/>
-                  </a:lnTo>
-                  <a:lnTo>
-                    <a:pt x="3045" y="2997"/>
-                  </a:lnTo>
-                  <a:lnTo>
-                    <a:pt x="3167" y="2851"/>
-                  </a:lnTo>
-                  <a:lnTo>
-                    <a:pt x="3264" y="2704"/>
-                  </a:lnTo>
-                  <a:lnTo>
-                    <a:pt x="3361" y="2558"/>
-                  </a:lnTo>
-                  <a:lnTo>
-                    <a:pt x="3435" y="2412"/>
-                  </a:lnTo>
-                  <a:lnTo>
-                    <a:pt x="3483" y="2242"/>
-                  </a:lnTo>
-                  <a:lnTo>
-                    <a:pt x="3532" y="2071"/>
-                  </a:lnTo>
-                  <a:lnTo>
-                    <a:pt x="3556" y="1901"/>
-                  </a:lnTo>
-                  <a:lnTo>
-                    <a:pt x="3556" y="1730"/>
-                  </a:lnTo>
-                  <a:lnTo>
-                    <a:pt x="3556" y="1560"/>
-                  </a:lnTo>
-                  <a:lnTo>
-                    <a:pt x="3532" y="1389"/>
-                  </a:lnTo>
-                  <a:lnTo>
-                    <a:pt x="3483" y="1219"/>
-                  </a:lnTo>
-                  <a:lnTo>
-                    <a:pt x="3410" y="1048"/>
-                  </a:lnTo>
-                  <a:lnTo>
-                    <a:pt x="3337" y="902"/>
-                  </a:lnTo>
-                  <a:lnTo>
-                    <a:pt x="3264" y="756"/>
-                  </a:lnTo>
-                  <a:lnTo>
-                    <a:pt x="3142" y="610"/>
-                  </a:lnTo>
-                  <a:lnTo>
-                    <a:pt x="3142" y="610"/>
-                  </a:lnTo>
-                  <a:lnTo>
-                    <a:pt x="2972" y="415"/>
-                  </a:lnTo>
-                  <a:lnTo>
-                    <a:pt x="2753" y="245"/>
-                  </a:lnTo>
-                  <a:lnTo>
-                    <a:pt x="2533" y="123"/>
-                  </a:lnTo>
-                  <a:lnTo>
-                    <a:pt x="2314" y="50"/>
-                  </a:lnTo>
-                </a:path>
-              </a:pathLst>
-            </a:custGeom>
-            <a:noFill/>
-            <a:ln w="12175" cap="rnd" cmpd="sng">
-              <a:solidFill>
-                <a:schemeClr val="accent5"/>
-              </a:solidFill>
-              <a:prstDash val="solid"/>
-              <a:round/>
-              <a:headEnd type="none" w="sm" len="sm"/>
-              <a:tailEnd type="none" w="sm" len="sm"/>
-            </a:ln>
-          </p:spPr>
-          <p:txBody>
-            <a:bodyPr spcFirstLastPara="1" wrap="square" lIns="91425" tIns="91425" rIns="91425" bIns="91425" anchor="ctr" anchorCtr="0">
-              <a:noAutofit/>
-            </a:bodyPr>
-            <a:lstStyle/>
-            <a:p>
-              <a:pPr marL="0" lvl="0" indent="0" algn="l" rtl="0">
-                <a:spcBef>
-                  <a:spcPts val="0"/>
-                </a:spcBef>
-                <a:spcAft>
-                  <a:spcPts val="0"/>
-                </a:spcAft>
-                <a:buNone/>
-              </a:pPr>
-              <a:endParaRPr/>
-            </a:p>
-          </p:txBody>
-        </p:sp>
-        <p:sp>
-          <p:nvSpPr>
-            <p:cNvPr id="18" name="Google Shape;1271;p46">
-              <a:extLst>
-                <a:ext uri="{FF2B5EF4-FFF2-40B4-BE49-F238E27FC236}">
-                  <a16:creationId xmlns:a16="http://schemas.microsoft.com/office/drawing/2014/main" id="{15F84645-710B-A242-BEC2-225B0378600B}"/>
-                </a:ext>
-              </a:extLst>
-            </p:cNvPr>
-            <p:cNvSpPr/>
-            <p:nvPr/>
-          </p:nvSpPr>
-          <p:spPr>
-            <a:xfrm>
-              <a:off x="5682875" y="5188875"/>
-              <a:ext cx="88925" cy="89525"/>
-            </a:xfrm>
-            <a:custGeom>
-              <a:avLst/>
-              <a:gdLst/>
-              <a:ahLst/>
-              <a:cxnLst/>
-              <a:rect l="l" t="t" r="r" b="b"/>
-              <a:pathLst>
-                <a:path w="3557" h="3581" fill="none" extrusionOk="0">
-                  <a:moveTo>
-                    <a:pt x="0" y="2022"/>
-                  </a:moveTo>
-                  <a:lnTo>
-                    <a:pt x="0" y="2022"/>
-                  </a:lnTo>
-                  <a:lnTo>
-                    <a:pt x="25" y="2216"/>
-                  </a:lnTo>
-                  <a:lnTo>
-                    <a:pt x="98" y="2411"/>
-                  </a:lnTo>
-                  <a:lnTo>
-                    <a:pt x="98" y="2411"/>
-                  </a:lnTo>
-                  <a:lnTo>
-                    <a:pt x="171" y="2557"/>
-                  </a:lnTo>
-                  <a:lnTo>
-                    <a:pt x="244" y="2728"/>
-                  </a:lnTo>
-                  <a:lnTo>
-                    <a:pt x="341" y="2874"/>
-                  </a:lnTo>
-                  <a:lnTo>
-                    <a:pt x="463" y="2996"/>
-                  </a:lnTo>
-                  <a:lnTo>
-                    <a:pt x="585" y="3118"/>
-                  </a:lnTo>
-                  <a:lnTo>
-                    <a:pt x="707" y="3239"/>
-                  </a:lnTo>
-                  <a:lnTo>
-                    <a:pt x="853" y="3337"/>
-                  </a:lnTo>
-                  <a:lnTo>
-                    <a:pt x="999" y="3410"/>
-                  </a:lnTo>
-                  <a:lnTo>
-                    <a:pt x="1169" y="3483"/>
-                  </a:lnTo>
-                  <a:lnTo>
-                    <a:pt x="1340" y="3532"/>
-                  </a:lnTo>
-                  <a:lnTo>
-                    <a:pt x="1510" y="3556"/>
-                  </a:lnTo>
-                  <a:lnTo>
-                    <a:pt x="1681" y="3580"/>
-                  </a:lnTo>
-                  <a:lnTo>
-                    <a:pt x="1851" y="3580"/>
-                  </a:lnTo>
-                  <a:lnTo>
-                    <a:pt x="2022" y="3556"/>
-                  </a:lnTo>
-                  <a:lnTo>
-                    <a:pt x="2192" y="3532"/>
-                  </a:lnTo>
-                  <a:lnTo>
-                    <a:pt x="2363" y="3459"/>
-                  </a:lnTo>
-                  <a:lnTo>
-                    <a:pt x="2363" y="3459"/>
-                  </a:lnTo>
-                  <a:lnTo>
-                    <a:pt x="2533" y="3410"/>
-                  </a:lnTo>
-                  <a:lnTo>
-                    <a:pt x="2704" y="3312"/>
-                  </a:lnTo>
-                  <a:lnTo>
-                    <a:pt x="2850" y="3215"/>
-                  </a:lnTo>
-                  <a:lnTo>
-                    <a:pt x="2972" y="3093"/>
-                  </a:lnTo>
-                  <a:lnTo>
-                    <a:pt x="3093" y="2971"/>
-                  </a:lnTo>
-                  <a:lnTo>
-                    <a:pt x="3215" y="2850"/>
-                  </a:lnTo>
-                  <a:lnTo>
-                    <a:pt x="3288" y="2704"/>
-                  </a:lnTo>
-                  <a:lnTo>
-                    <a:pt x="3386" y="2557"/>
-                  </a:lnTo>
-                  <a:lnTo>
-                    <a:pt x="3434" y="2387"/>
-                  </a:lnTo>
-                  <a:lnTo>
-                    <a:pt x="3483" y="2216"/>
-                  </a:lnTo>
-                  <a:lnTo>
-                    <a:pt x="3532" y="2070"/>
-                  </a:lnTo>
-                  <a:lnTo>
-                    <a:pt x="3556" y="1875"/>
-                  </a:lnTo>
-                  <a:lnTo>
-                    <a:pt x="3556" y="1705"/>
-                  </a:lnTo>
-                  <a:lnTo>
-                    <a:pt x="3532" y="1534"/>
-                  </a:lnTo>
-                  <a:lnTo>
-                    <a:pt x="3507" y="1364"/>
-                  </a:lnTo>
-                  <a:lnTo>
-                    <a:pt x="3434" y="1194"/>
-                  </a:lnTo>
-                  <a:lnTo>
-                    <a:pt x="3434" y="1194"/>
-                  </a:lnTo>
-                  <a:lnTo>
-                    <a:pt x="3361" y="1023"/>
-                  </a:lnTo>
-                  <a:lnTo>
-                    <a:pt x="3288" y="853"/>
-                  </a:lnTo>
-                  <a:lnTo>
-                    <a:pt x="3191" y="706"/>
-                  </a:lnTo>
-                  <a:lnTo>
-                    <a:pt x="3069" y="585"/>
-                  </a:lnTo>
-                  <a:lnTo>
-                    <a:pt x="2947" y="463"/>
-                  </a:lnTo>
-                  <a:lnTo>
-                    <a:pt x="2825" y="341"/>
-                  </a:lnTo>
-                  <a:lnTo>
-                    <a:pt x="2679" y="268"/>
-                  </a:lnTo>
-                  <a:lnTo>
-                    <a:pt x="2533" y="171"/>
-                  </a:lnTo>
-                  <a:lnTo>
-                    <a:pt x="2363" y="122"/>
-                  </a:lnTo>
-                  <a:lnTo>
-                    <a:pt x="2192" y="73"/>
-                  </a:lnTo>
-                  <a:lnTo>
-                    <a:pt x="2022" y="24"/>
-                  </a:lnTo>
-                  <a:lnTo>
-                    <a:pt x="1851" y="24"/>
-                  </a:lnTo>
-                  <a:lnTo>
-                    <a:pt x="1681" y="0"/>
-                  </a:lnTo>
-                  <a:lnTo>
-                    <a:pt x="1510" y="24"/>
-                  </a:lnTo>
-                  <a:lnTo>
-                    <a:pt x="1340" y="73"/>
-                  </a:lnTo>
-                  <a:lnTo>
-                    <a:pt x="1169" y="122"/>
-                  </a:lnTo>
-                  <a:lnTo>
-                    <a:pt x="1169" y="122"/>
-                  </a:lnTo>
-                  <a:lnTo>
-                    <a:pt x="974" y="195"/>
-                  </a:lnTo>
-                  <a:lnTo>
-                    <a:pt x="804" y="292"/>
-                  </a:lnTo>
-                  <a:lnTo>
-                    <a:pt x="658" y="390"/>
-                  </a:lnTo>
-                  <a:lnTo>
-                    <a:pt x="512" y="512"/>
-                  </a:lnTo>
-                  <a:lnTo>
-                    <a:pt x="390" y="658"/>
-                  </a:lnTo>
-                  <a:lnTo>
-                    <a:pt x="293" y="804"/>
-                  </a:lnTo>
-                  <a:lnTo>
-                    <a:pt x="195" y="950"/>
-                  </a:lnTo>
-                  <a:lnTo>
-                    <a:pt x="122" y="1120"/>
-                  </a:lnTo>
-                </a:path>
-              </a:pathLst>
-            </a:custGeom>
-            <a:noFill/>
-            <a:ln w="12175" cap="rnd" cmpd="sng">
-              <a:solidFill>
-                <a:schemeClr val="accent5"/>
-              </a:solidFill>
-              <a:prstDash val="solid"/>
-              <a:round/>
-              <a:headEnd type="none" w="sm" len="sm"/>
-              <a:tailEnd type="none" w="sm" len="sm"/>
-            </a:ln>
-          </p:spPr>
-          <p:txBody>
-            <a:bodyPr spcFirstLastPara="1" wrap="square" lIns="91425" tIns="91425" rIns="91425" bIns="91425" anchor="ctr" anchorCtr="0">
-              <a:noAutofit/>
-            </a:bodyPr>
-            <a:lstStyle/>
-            <a:p>
-              <a:pPr marL="0" lvl="0" indent="0" algn="l" rtl="0">
-                <a:spcBef>
-                  <a:spcPts val="0"/>
-                </a:spcBef>
-                <a:spcAft>
-                  <a:spcPts val="0"/>
-                </a:spcAft>
-                <a:buNone/>
-              </a:pPr>
-              <a:endParaRPr/>
-            </a:p>
-          </p:txBody>
-        </p:sp>
-        <p:sp>
-          <p:nvSpPr>
-            <p:cNvPr id="19" name="Google Shape;1272;p46">
-              <a:extLst>
-                <a:ext uri="{FF2B5EF4-FFF2-40B4-BE49-F238E27FC236}">
-                  <a16:creationId xmlns:a16="http://schemas.microsoft.com/office/drawing/2014/main" id="{BEA088A1-B34D-A343-AF34-DC2C84A47497}"/>
-                </a:ext>
-              </a:extLst>
-            </p:cNvPr>
-            <p:cNvSpPr/>
-            <p:nvPr/>
-          </p:nvSpPr>
-          <p:spPr>
-            <a:xfrm>
-              <a:off x="5411925" y="5110925"/>
-              <a:ext cx="188775" cy="189400"/>
-            </a:xfrm>
-            <a:custGeom>
-              <a:avLst/>
-              <a:gdLst/>
-              <a:ahLst/>
-              <a:cxnLst/>
-              <a:rect l="l" t="t" r="r" b="b"/>
-              <a:pathLst>
-                <a:path w="7551" h="7576" fill="none" extrusionOk="0">
-                  <a:moveTo>
-                    <a:pt x="0" y="3776"/>
-                  </a:moveTo>
-                  <a:lnTo>
-                    <a:pt x="0" y="3776"/>
-                  </a:lnTo>
-                  <a:lnTo>
-                    <a:pt x="25" y="3410"/>
-                  </a:lnTo>
-                  <a:lnTo>
-                    <a:pt x="73" y="3021"/>
-                  </a:lnTo>
-                  <a:lnTo>
-                    <a:pt x="171" y="2655"/>
-                  </a:lnTo>
-                  <a:lnTo>
-                    <a:pt x="293" y="2314"/>
-                  </a:lnTo>
-                  <a:lnTo>
-                    <a:pt x="463" y="1973"/>
-                  </a:lnTo>
-                  <a:lnTo>
-                    <a:pt x="658" y="1681"/>
-                  </a:lnTo>
-                  <a:lnTo>
-                    <a:pt x="877" y="1389"/>
-                  </a:lnTo>
-                  <a:lnTo>
-                    <a:pt x="1121" y="1121"/>
-                  </a:lnTo>
-                  <a:lnTo>
-                    <a:pt x="1389" y="877"/>
-                  </a:lnTo>
-                  <a:lnTo>
-                    <a:pt x="1656" y="658"/>
-                  </a:lnTo>
-                  <a:lnTo>
-                    <a:pt x="1973" y="463"/>
-                  </a:lnTo>
-                  <a:lnTo>
-                    <a:pt x="2314" y="293"/>
-                  </a:lnTo>
-                  <a:lnTo>
-                    <a:pt x="2655" y="171"/>
-                  </a:lnTo>
-                  <a:lnTo>
-                    <a:pt x="3020" y="74"/>
-                  </a:lnTo>
-                  <a:lnTo>
-                    <a:pt x="3386" y="25"/>
-                  </a:lnTo>
-                  <a:lnTo>
-                    <a:pt x="3775" y="1"/>
-                  </a:lnTo>
-                  <a:lnTo>
-                    <a:pt x="3775" y="1"/>
-                  </a:lnTo>
-                  <a:lnTo>
-                    <a:pt x="4165" y="25"/>
-                  </a:lnTo>
-                  <a:lnTo>
-                    <a:pt x="4555" y="74"/>
-                  </a:lnTo>
-                  <a:lnTo>
-                    <a:pt x="4896" y="171"/>
-                  </a:lnTo>
-                  <a:lnTo>
-                    <a:pt x="5261" y="293"/>
-                  </a:lnTo>
-                  <a:lnTo>
-                    <a:pt x="5578" y="463"/>
-                  </a:lnTo>
-                  <a:lnTo>
-                    <a:pt x="5894" y="658"/>
-                  </a:lnTo>
-                  <a:lnTo>
-                    <a:pt x="6186" y="877"/>
-                  </a:lnTo>
-                  <a:lnTo>
-                    <a:pt x="6454" y="1121"/>
-                  </a:lnTo>
-                  <a:lnTo>
-                    <a:pt x="6698" y="1389"/>
-                  </a:lnTo>
-                  <a:lnTo>
-                    <a:pt x="6917" y="1681"/>
-                  </a:lnTo>
-                  <a:lnTo>
-                    <a:pt x="7112" y="1973"/>
-                  </a:lnTo>
-                  <a:lnTo>
-                    <a:pt x="7258" y="2314"/>
-                  </a:lnTo>
-                  <a:lnTo>
-                    <a:pt x="7404" y="2655"/>
-                  </a:lnTo>
-                  <a:lnTo>
-                    <a:pt x="7477" y="3021"/>
-                  </a:lnTo>
-                  <a:lnTo>
-                    <a:pt x="7550" y="3410"/>
-                  </a:lnTo>
-                  <a:lnTo>
-                    <a:pt x="7550" y="3776"/>
-                  </a:lnTo>
-                  <a:lnTo>
-                    <a:pt x="7550" y="3776"/>
-                  </a:lnTo>
-                  <a:lnTo>
-                    <a:pt x="7550" y="4165"/>
-                  </a:lnTo>
-                  <a:lnTo>
-                    <a:pt x="7477" y="4555"/>
-                  </a:lnTo>
-                  <a:lnTo>
-                    <a:pt x="7404" y="4920"/>
-                  </a:lnTo>
-                  <a:lnTo>
-                    <a:pt x="7258" y="5261"/>
-                  </a:lnTo>
-                  <a:lnTo>
-                    <a:pt x="7112" y="5578"/>
-                  </a:lnTo>
-                  <a:lnTo>
-                    <a:pt x="6917" y="5895"/>
-                  </a:lnTo>
-                  <a:lnTo>
-                    <a:pt x="6698" y="6187"/>
-                  </a:lnTo>
-                  <a:lnTo>
-                    <a:pt x="6454" y="6455"/>
-                  </a:lnTo>
-                  <a:lnTo>
-                    <a:pt x="6186" y="6698"/>
-                  </a:lnTo>
-                  <a:lnTo>
-                    <a:pt x="5894" y="6917"/>
-                  </a:lnTo>
-                  <a:lnTo>
-                    <a:pt x="5578" y="7112"/>
-                  </a:lnTo>
-                  <a:lnTo>
-                    <a:pt x="5261" y="7258"/>
-                  </a:lnTo>
-                  <a:lnTo>
-                    <a:pt x="4896" y="7405"/>
-                  </a:lnTo>
-                  <a:lnTo>
-                    <a:pt x="4555" y="7478"/>
-                  </a:lnTo>
-                  <a:lnTo>
-                    <a:pt x="4165" y="7551"/>
-                  </a:lnTo>
-                  <a:lnTo>
-                    <a:pt x="3775" y="7575"/>
-                  </a:lnTo>
-                  <a:lnTo>
-                    <a:pt x="3775" y="7575"/>
-                  </a:lnTo>
-                  <a:lnTo>
-                    <a:pt x="3386" y="7551"/>
-                  </a:lnTo>
-                  <a:lnTo>
-                    <a:pt x="3020" y="7478"/>
-                  </a:lnTo>
-                  <a:lnTo>
-                    <a:pt x="2655" y="7405"/>
-                  </a:lnTo>
-                  <a:lnTo>
-                    <a:pt x="2314" y="7258"/>
-                  </a:lnTo>
-                  <a:lnTo>
-                    <a:pt x="1973" y="7112"/>
-                  </a:lnTo>
-                  <a:lnTo>
-                    <a:pt x="1656" y="6917"/>
-                  </a:lnTo>
-                  <a:lnTo>
-                    <a:pt x="1389" y="6698"/>
-                  </a:lnTo>
-                  <a:lnTo>
-                    <a:pt x="1121" y="6455"/>
-                  </a:lnTo>
-                  <a:lnTo>
-                    <a:pt x="877" y="6187"/>
-                  </a:lnTo>
-                  <a:lnTo>
-                    <a:pt x="658" y="5895"/>
-                  </a:lnTo>
-                  <a:lnTo>
-                    <a:pt x="463" y="5578"/>
-                  </a:lnTo>
-                  <a:lnTo>
-                    <a:pt x="293" y="5261"/>
-                  </a:lnTo>
-                  <a:lnTo>
-                    <a:pt x="171" y="4920"/>
-                  </a:lnTo>
-                  <a:lnTo>
-                    <a:pt x="73" y="4555"/>
-                  </a:lnTo>
-                  <a:lnTo>
-                    <a:pt x="25" y="4165"/>
-                  </a:lnTo>
-                  <a:lnTo>
-                    <a:pt x="0" y="3776"/>
-                  </a:lnTo>
-                  <a:lnTo>
-                    <a:pt x="0" y="3776"/>
-                  </a:lnTo>
-                  <a:close/>
-                </a:path>
-              </a:pathLst>
-            </a:custGeom>
-            <a:noFill/>
-            <a:ln w="12175" cap="rnd" cmpd="sng">
-              <a:solidFill>
-                <a:schemeClr val="accent5"/>
-              </a:solidFill>
-              <a:prstDash val="solid"/>
-              <a:round/>
-              <a:headEnd type="none" w="sm" len="sm"/>
-              <a:tailEnd type="none" w="sm" len="sm"/>
-            </a:ln>
-          </p:spPr>
-          <p:txBody>
-            <a:bodyPr spcFirstLastPara="1" wrap="square" lIns="91425" tIns="91425" rIns="91425" bIns="91425" anchor="ctr" anchorCtr="0">
-              <a:noAutofit/>
-            </a:bodyPr>
-            <a:lstStyle/>
-            <a:p>
-              <a:pPr marL="0" lvl="0" indent="0" algn="l" rtl="0">
-                <a:spcBef>
-                  <a:spcPts val="0"/>
-                </a:spcBef>
-                <a:spcAft>
-                  <a:spcPts val="0"/>
-                </a:spcAft>
-                <a:buNone/>
-              </a:pPr>
-              <a:endParaRPr/>
-            </a:p>
-          </p:txBody>
-        </p:sp>
-        <p:sp>
-          <p:nvSpPr>
-            <p:cNvPr id="20" name="Google Shape;1273;p46">
-              <a:extLst>
-                <a:ext uri="{FF2B5EF4-FFF2-40B4-BE49-F238E27FC236}">
-                  <a16:creationId xmlns:a16="http://schemas.microsoft.com/office/drawing/2014/main" id="{7A821E93-6107-FA4A-8FE1-BC8BA8A22E13}"/>
-                </a:ext>
-              </a:extLst>
-            </p:cNvPr>
-            <p:cNvSpPr/>
-            <p:nvPr/>
-          </p:nvSpPr>
-          <p:spPr>
-            <a:xfrm>
-              <a:off x="5367475" y="5025075"/>
-              <a:ext cx="81600" cy="105975"/>
-            </a:xfrm>
-            <a:custGeom>
-              <a:avLst/>
-              <a:gdLst/>
-              <a:ahLst/>
-              <a:cxnLst/>
-              <a:rect l="l" t="t" r="r" b="b"/>
-              <a:pathLst>
-                <a:path w="3264" h="4239" fill="none" extrusionOk="0">
-                  <a:moveTo>
-                    <a:pt x="0" y="1"/>
-                  </a:moveTo>
-                  <a:lnTo>
-                    <a:pt x="3264" y="4238"/>
-                  </a:lnTo>
-                </a:path>
-              </a:pathLst>
-            </a:custGeom>
-            <a:noFill/>
-            <a:ln w="12175" cap="rnd" cmpd="sng">
-              <a:solidFill>
-                <a:schemeClr val="accent5"/>
-              </a:solidFill>
-              <a:prstDash val="solid"/>
-              <a:round/>
-              <a:headEnd type="none" w="sm" len="sm"/>
-              <a:tailEnd type="none" w="sm" len="sm"/>
-            </a:ln>
-          </p:spPr>
-          <p:txBody>
-            <a:bodyPr spcFirstLastPara="1" wrap="square" lIns="91425" tIns="91425" rIns="91425" bIns="91425" anchor="ctr" anchorCtr="0">
-              <a:noAutofit/>
-            </a:bodyPr>
-            <a:lstStyle/>
-            <a:p>
-              <a:pPr marL="0" lvl="0" indent="0" algn="l" rtl="0">
-                <a:spcBef>
-                  <a:spcPts val="0"/>
-                </a:spcBef>
-                <a:spcAft>
-                  <a:spcPts val="0"/>
-                </a:spcAft>
-                <a:buNone/>
-              </a:pPr>
-              <a:endParaRPr/>
-            </a:p>
-          </p:txBody>
-        </p:sp>
-        <p:sp>
-          <p:nvSpPr>
-            <p:cNvPr id="21" name="Google Shape;1274;p46">
-              <a:extLst>
-                <a:ext uri="{FF2B5EF4-FFF2-40B4-BE49-F238E27FC236}">
-                  <a16:creationId xmlns:a16="http://schemas.microsoft.com/office/drawing/2014/main" id="{592D34BF-710A-3B4F-86F0-9FB6A224D17D}"/>
-                </a:ext>
-              </a:extLst>
-            </p:cNvPr>
-            <p:cNvSpPr/>
-            <p:nvPr/>
-          </p:nvSpPr>
-          <p:spPr>
-            <a:xfrm>
-              <a:off x="5567800" y="4999500"/>
-              <a:ext cx="115100" cy="133975"/>
-            </a:xfrm>
-            <a:custGeom>
-              <a:avLst/>
-              <a:gdLst/>
-              <a:ahLst/>
-              <a:cxnLst/>
-              <a:rect l="l" t="t" r="r" b="b"/>
-              <a:pathLst>
-                <a:path w="4604" h="5359" fill="none" extrusionOk="0">
-                  <a:moveTo>
-                    <a:pt x="0" y="5359"/>
-                  </a:moveTo>
-                  <a:lnTo>
-                    <a:pt x="4603" y="1"/>
-                  </a:lnTo>
-                </a:path>
-              </a:pathLst>
-            </a:custGeom>
-            <a:noFill/>
-            <a:ln w="12175" cap="rnd" cmpd="sng">
-              <a:solidFill>
-                <a:schemeClr val="accent5"/>
-              </a:solidFill>
-              <a:prstDash val="solid"/>
-              <a:round/>
-              <a:headEnd type="none" w="sm" len="sm"/>
-              <a:tailEnd type="none" w="sm" len="sm"/>
-            </a:ln>
-          </p:spPr>
-          <p:txBody>
-            <a:bodyPr spcFirstLastPara="1" wrap="square" lIns="91425" tIns="91425" rIns="91425" bIns="91425" anchor="ctr" anchorCtr="0">
-              <a:noAutofit/>
-            </a:bodyPr>
-            <a:lstStyle/>
-            <a:p>
-              <a:pPr marL="0" lvl="0" indent="0" algn="l" rtl="0">
-                <a:spcBef>
-                  <a:spcPts val="0"/>
-                </a:spcBef>
-                <a:spcAft>
-                  <a:spcPts val="0"/>
-                </a:spcAft>
-                <a:buNone/>
-              </a:pPr>
-              <a:endParaRPr/>
-            </a:p>
-          </p:txBody>
-        </p:sp>
-        <p:sp>
-          <p:nvSpPr>
-            <p:cNvPr id="22" name="Google Shape;1275;p46">
-              <a:extLst>
-                <a:ext uri="{FF2B5EF4-FFF2-40B4-BE49-F238E27FC236}">
-                  <a16:creationId xmlns:a16="http://schemas.microsoft.com/office/drawing/2014/main" id="{9783EBEA-45A0-E84B-982E-966F9EB1B51F}"/>
-                </a:ext>
-              </a:extLst>
-            </p:cNvPr>
-            <p:cNvSpPr/>
-            <p:nvPr/>
-          </p:nvSpPr>
-          <p:spPr>
-            <a:xfrm>
-              <a:off x="5600075" y="5217475"/>
-              <a:ext cx="127275" cy="16475"/>
-            </a:xfrm>
-            <a:custGeom>
-              <a:avLst/>
-              <a:gdLst/>
-              <a:ahLst/>
-              <a:cxnLst/>
-              <a:rect l="l" t="t" r="r" b="b"/>
-              <a:pathLst>
-                <a:path w="5091" h="659" fill="none" extrusionOk="0">
-                  <a:moveTo>
-                    <a:pt x="5090" y="658"/>
-                  </a:moveTo>
-                  <a:lnTo>
-                    <a:pt x="0" y="1"/>
-                  </a:lnTo>
-                </a:path>
-              </a:pathLst>
-            </a:custGeom>
-            <a:noFill/>
-            <a:ln w="12175" cap="rnd" cmpd="sng">
-              <a:solidFill>
-                <a:schemeClr val="accent5"/>
-              </a:solidFill>
-              <a:prstDash val="solid"/>
-              <a:round/>
-              <a:headEnd type="none" w="sm" len="sm"/>
-              <a:tailEnd type="none" w="sm" len="sm"/>
-            </a:ln>
-          </p:spPr>
-          <p:txBody>
-            <a:bodyPr spcFirstLastPara="1" wrap="square" lIns="91425" tIns="91425" rIns="91425" bIns="91425" anchor="ctr" anchorCtr="0">
-              <a:noAutofit/>
-            </a:bodyPr>
-            <a:lstStyle/>
-            <a:p>
-              <a:pPr marL="0" lvl="0" indent="0" algn="l" rtl="0">
-                <a:spcBef>
-                  <a:spcPts val="0"/>
-                </a:spcBef>
-                <a:spcAft>
-                  <a:spcPts val="0"/>
-                </a:spcAft>
-                <a:buNone/>
-              </a:pPr>
-              <a:endParaRPr/>
-            </a:p>
-          </p:txBody>
-        </p:sp>
-        <p:sp>
-          <p:nvSpPr>
-            <p:cNvPr id="23" name="Google Shape;1276;p46">
-              <a:extLst>
-                <a:ext uri="{FF2B5EF4-FFF2-40B4-BE49-F238E27FC236}">
-                  <a16:creationId xmlns:a16="http://schemas.microsoft.com/office/drawing/2014/main" id="{E80841A0-5A92-7B42-8B2B-29C7AC9340A8}"/>
-                </a:ext>
-              </a:extLst>
-            </p:cNvPr>
-            <p:cNvSpPr/>
-            <p:nvPr/>
-          </p:nvSpPr>
-          <p:spPr>
-            <a:xfrm>
-              <a:off x="5497775" y="5299675"/>
-              <a:ext cx="4900" cy="126675"/>
-            </a:xfrm>
-            <a:custGeom>
-              <a:avLst/>
-              <a:gdLst/>
-              <a:ahLst/>
-              <a:cxnLst/>
-              <a:rect l="l" t="t" r="r" b="b"/>
-              <a:pathLst>
-                <a:path w="196" h="5067" fill="none" extrusionOk="0">
-                  <a:moveTo>
-                    <a:pt x="0" y="5067"/>
-                  </a:moveTo>
-                  <a:lnTo>
-                    <a:pt x="195" y="1"/>
-                  </a:lnTo>
-                </a:path>
-              </a:pathLst>
-            </a:custGeom>
-            <a:noFill/>
-            <a:ln w="12175" cap="rnd" cmpd="sng">
-              <a:solidFill>
-                <a:schemeClr val="accent5"/>
-              </a:solidFill>
-              <a:prstDash val="solid"/>
-              <a:round/>
-              <a:headEnd type="none" w="sm" len="sm"/>
-              <a:tailEnd type="none" w="sm" len="sm"/>
-            </a:ln>
-          </p:spPr>
-          <p:txBody>
-            <a:bodyPr spcFirstLastPara="1" wrap="square" lIns="91425" tIns="91425" rIns="91425" bIns="91425" anchor="ctr" anchorCtr="0">
-              <a:noAutofit/>
-            </a:bodyPr>
-            <a:lstStyle/>
-            <a:p>
-              <a:pPr marL="0" lvl="0" indent="0" algn="l" rtl="0">
-                <a:spcBef>
-                  <a:spcPts val="0"/>
-                </a:spcBef>
-                <a:spcAft>
-                  <a:spcPts val="0"/>
-                </a:spcAft>
-                <a:buNone/>
-              </a:pPr>
-              <a:endParaRPr/>
-            </a:p>
-          </p:txBody>
-        </p:sp>
-        <p:sp>
-          <p:nvSpPr>
-            <p:cNvPr id="24" name="Google Shape;1277;p46">
-              <a:extLst>
-                <a:ext uri="{FF2B5EF4-FFF2-40B4-BE49-F238E27FC236}">
-                  <a16:creationId xmlns:a16="http://schemas.microsoft.com/office/drawing/2014/main" id="{B26695ED-AF84-334A-93D1-109E80567EC6}"/>
-                </a:ext>
-              </a:extLst>
-            </p:cNvPr>
-            <p:cNvSpPr/>
-            <p:nvPr/>
-          </p:nvSpPr>
-          <p:spPr>
-            <a:xfrm>
-              <a:off x="5277975" y="5241825"/>
-              <a:ext cx="141275" cy="58500"/>
-            </a:xfrm>
-            <a:custGeom>
-              <a:avLst/>
-              <a:gdLst/>
-              <a:ahLst/>
-              <a:cxnLst/>
-              <a:rect l="l" t="t" r="r" b="b"/>
-              <a:pathLst>
-                <a:path w="5651" h="2340" fill="none" extrusionOk="0">
-                  <a:moveTo>
-                    <a:pt x="0" y="2339"/>
-                  </a:moveTo>
-                  <a:lnTo>
-                    <a:pt x="5651" y="1"/>
-                  </a:lnTo>
-                </a:path>
-              </a:pathLst>
-            </a:custGeom>
-            <a:noFill/>
-            <a:ln w="12175" cap="rnd" cmpd="sng">
-              <a:solidFill>
-                <a:schemeClr val="accent5"/>
-              </a:solidFill>
-              <a:prstDash val="solid"/>
-              <a:round/>
-              <a:headEnd type="none" w="sm" len="sm"/>
-              <a:tailEnd type="none" w="sm" len="sm"/>
-            </a:ln>
-          </p:spPr>
-          <p:txBody>
-            <a:bodyPr spcFirstLastPara="1" wrap="square" lIns="91425" tIns="91425" rIns="91425" bIns="91425" anchor="ctr" anchorCtr="0">
-              <a:noAutofit/>
-            </a:bodyPr>
-            <a:lstStyle/>
-            <a:p>
-              <a:pPr marL="0" lvl="0" indent="0" algn="l" rtl="0">
-                <a:spcBef>
-                  <a:spcPts val="0"/>
-                </a:spcBef>
-                <a:spcAft>
-                  <a:spcPts val="0"/>
-                </a:spcAft>
-                <a:buNone/>
-              </a:pPr>
-              <a:endParaRPr/>
-            </a:p>
-          </p:txBody>
-        </p:sp>
-      </p:grpSp>
-      <p:pic>
-        <p:nvPicPr>
-          <p:cNvPr id="2" name="Immagine 1">
-            <a:extLst>
-              <a:ext uri="{FF2B5EF4-FFF2-40B4-BE49-F238E27FC236}">
-                <a16:creationId xmlns:a16="http://schemas.microsoft.com/office/drawing/2014/main" id="{EEFC6727-31A2-1445-BD42-D20E7912CE4A}"/>
-              </a:ext>
-            </a:extLst>
-          </p:cNvPr>
-          <p:cNvPicPr>
-            <a:picLocks noChangeAspect="1"/>
-          </p:cNvPicPr>
-          <p:nvPr/>
-        </p:nvPicPr>
-        <p:blipFill>
-          <a:blip r:embed="rId3"/>
-          <a:stretch>
-            <a:fillRect/>
-          </a:stretch>
-        </p:blipFill>
-        <p:spPr>
-          <a:xfrm>
-            <a:off x="137968" y="1513957"/>
-            <a:ext cx="8369300" cy="3429000"/>
-          </a:xfrm>
-          <a:prstGeom prst="rect">
-            <a:avLst/>
-          </a:prstGeom>
-        </p:spPr>
-      </p:pic>
-    </p:spTree>
-    <p:extLst>
-      <p:ext uri="{BB962C8B-B14F-4D97-AF65-F5344CB8AC3E}">
-        <p14:creationId xmlns:p14="http://schemas.microsoft.com/office/powerpoint/2010/main" val="1895599761"/>
-      </p:ext>
-    </p:extLst>
-  </p:cSld>
-  <p:clrMapOvr>
-    <a:masterClrMapping/>
-  </p:clrMapOvr>
-</p:sld>
-</file>
-
-<file path=ppt/slides/slide5.xml><?xml version="1.0" encoding="utf-8"?>
-<p:sld xmlns:a="http://schemas.openxmlformats.org/drawingml/2006/main" xmlns:r="http://schemas.openxmlformats.org/officeDocument/2006/relationships" xmlns:p="http://schemas.openxmlformats.org/presentationml/2006/main">
-  <p:cSld>
-    <p:spTree>
-      <p:nvGrpSpPr>
-        <p:cNvPr id="1" name="Shape 235"/>
-        <p:cNvGrpSpPr/>
-        <p:nvPr/>
-      </p:nvGrpSpPr>
-      <p:grpSpPr>
-        <a:xfrm>
-          <a:off x="0" y="0"/>
-          <a:ext cx="0" cy="0"/>
-          <a:chOff x="0" y="0"/>
-          <a:chExt cx="0" cy="0"/>
-        </a:xfrm>
-      </p:grpSpPr>
-      <p:sp>
-        <p:nvSpPr>
-          <p:cNvPr id="236" name="Google Shape;236;p16"/>
-          <p:cNvSpPr txBox="1">
-            <a:spLocks noGrp="1"/>
-          </p:cNvSpPr>
-          <p:nvPr>
-            <p:ph type="title"/>
-          </p:nvPr>
-        </p:nvSpPr>
-        <p:spPr>
-          <a:xfrm>
-            <a:off x="814275" y="392575"/>
-            <a:ext cx="5492400" cy="766200"/>
-          </a:xfrm>
-          <a:prstGeom prst="rect">
-            <a:avLst/>
-          </a:prstGeom>
-        </p:spPr>
-        <p:txBody>
-          <a:bodyPr spcFirstLastPara="1" wrap="square" lIns="91425" tIns="91425" rIns="91425" bIns="91425" anchor="ctr" anchorCtr="0">
-            <a:noAutofit/>
-          </a:bodyPr>
-          <a:lstStyle/>
-          <a:p>
-            <a:pPr marL="0" lvl="0" indent="0" algn="l" rtl="0">
-              <a:spcBef>
-                <a:spcPts val="0"/>
-              </a:spcBef>
-              <a:spcAft>
-                <a:spcPts val="0"/>
-              </a:spcAft>
-              <a:buNone/>
-            </a:pPr>
-            <a:r>
-              <a:rPr lang="en" dirty="0"/>
               <a:t>Components – Client side: login and permissions</a:t>
             </a:r>
             <a:endParaRPr dirty="0"/>
@@ -12624,160 +3726,9 @@
             </a:pPr>
             <a:fld id="{00000000-1234-1234-1234-123412341234}" type="slidenum">
               <a:rPr lang="en"/>
-              <a:t>5</a:t>
+              <a:t>1</a:t>
             </a:fld>
             <a:endParaRPr/>
-          </a:p>
-        </p:txBody>
-      </p:sp>
-      <p:sp>
-        <p:nvSpPr>
-          <p:cNvPr id="2" name="CasellaDiTesto 1">
-            <a:extLst>
-              <a:ext uri="{FF2B5EF4-FFF2-40B4-BE49-F238E27FC236}">
-                <a16:creationId xmlns:a16="http://schemas.microsoft.com/office/drawing/2014/main" id="{B979F12E-07E5-7A4A-8FD2-D503650EFED5}"/>
-              </a:ext>
-            </a:extLst>
-          </p:cNvPr>
-          <p:cNvSpPr txBox="1"/>
-          <p:nvPr/>
-        </p:nvSpPr>
-        <p:spPr>
-          <a:xfrm>
-            <a:off x="7202313" y="353806"/>
-            <a:ext cx="1732627" cy="1815882"/>
-          </a:xfrm>
-          <a:prstGeom prst="rect">
-            <a:avLst/>
-          </a:prstGeom>
-          <a:noFill/>
-        </p:spPr>
-        <p:txBody>
-          <a:bodyPr wrap="square" rtlCol="0">
-            <a:spAutoFit/>
-          </a:bodyPr>
-          <a:lstStyle/>
-          <a:p>
-            <a:r>
-              <a:rPr lang="en-GB" b="1" dirty="0">
-                <a:latin typeface="Courier New" panose="02070309020205020404" pitchFamily="49" charset="0"/>
-                <a:cs typeface="Courier New" panose="02070309020205020404" pitchFamily="49" charset="0"/>
-              </a:rPr>
-              <a:t>N.B: </a:t>
-            </a:r>
-            <a:r>
-              <a:rPr lang="en-GB" b="1" dirty="0" err="1">
-                <a:latin typeface="Courier New" panose="02070309020205020404" pitchFamily="49" charset="0"/>
-                <a:cs typeface="Courier New" panose="02070309020205020404" pitchFamily="49" charset="0"/>
-              </a:rPr>
-              <a:t>quello</a:t>
-            </a:r>
-            <a:r>
-              <a:rPr lang="en-GB" b="1" dirty="0">
-                <a:latin typeface="Courier New" panose="02070309020205020404" pitchFamily="49" charset="0"/>
-                <a:cs typeface="Courier New" panose="02070309020205020404" pitchFamily="49" charset="0"/>
-              </a:rPr>
-              <a:t> </a:t>
-            </a:r>
-            <a:r>
-              <a:rPr lang="en-GB" b="1" dirty="0" err="1">
-                <a:latin typeface="Courier New" panose="02070309020205020404" pitchFamily="49" charset="0"/>
-                <a:cs typeface="Courier New" panose="02070309020205020404" pitchFamily="49" charset="0"/>
-              </a:rPr>
-              <a:t>che</a:t>
-            </a:r>
-            <a:r>
-              <a:rPr lang="en-GB" b="1" dirty="0">
-                <a:latin typeface="Courier New" panose="02070309020205020404" pitchFamily="49" charset="0"/>
-                <a:cs typeface="Courier New" panose="02070309020205020404" pitchFamily="49" charset="0"/>
-              </a:rPr>
-              <a:t> </a:t>
-            </a:r>
-            <a:r>
-              <a:rPr lang="en-GB" b="1" dirty="0" err="1">
-                <a:latin typeface="Courier New" panose="02070309020205020404" pitchFamily="49" charset="0"/>
-                <a:cs typeface="Courier New" panose="02070309020205020404" pitchFamily="49" charset="0"/>
-              </a:rPr>
-              <a:t>c’è</a:t>
-            </a:r>
-            <a:r>
-              <a:rPr lang="en-GB" b="1" dirty="0">
-                <a:latin typeface="Courier New" panose="02070309020205020404" pitchFamily="49" charset="0"/>
-                <a:cs typeface="Courier New" panose="02070309020205020404" pitchFamily="49" charset="0"/>
-              </a:rPr>
-              <a:t> </a:t>
-            </a:r>
-            <a:r>
-              <a:rPr lang="en-GB" b="1" dirty="0" err="1">
-                <a:latin typeface="Courier New" panose="02070309020205020404" pitchFamily="49" charset="0"/>
-                <a:cs typeface="Courier New" panose="02070309020205020404" pitchFamily="49" charset="0"/>
-              </a:rPr>
-              <a:t>scritto</a:t>
-            </a:r>
-            <a:r>
-              <a:rPr lang="en-GB" b="1" dirty="0">
-                <a:latin typeface="Courier New" panose="02070309020205020404" pitchFamily="49" charset="0"/>
-                <a:cs typeface="Courier New" panose="02070309020205020404" pitchFamily="49" charset="0"/>
-              </a:rPr>
-              <a:t> fa </a:t>
-            </a:r>
-            <a:r>
-              <a:rPr lang="en-GB" b="1" dirty="0" err="1">
-                <a:latin typeface="Courier New" panose="02070309020205020404" pitchFamily="49" charset="0"/>
-                <a:cs typeface="Courier New" panose="02070309020205020404" pitchFamily="49" charset="0"/>
-              </a:rPr>
-              <a:t>riferimento</a:t>
-            </a:r>
-            <a:r>
-              <a:rPr lang="en-GB" b="1" dirty="0">
-                <a:latin typeface="Courier New" panose="02070309020205020404" pitchFamily="49" charset="0"/>
-                <a:cs typeface="Courier New" panose="02070309020205020404" pitchFamily="49" charset="0"/>
-              </a:rPr>
-              <a:t> a dopo </a:t>
-            </a:r>
-            <a:r>
-              <a:rPr lang="en-GB" b="1" dirty="0" err="1">
-                <a:latin typeface="Courier New" panose="02070309020205020404" pitchFamily="49" charset="0"/>
-                <a:cs typeface="Courier New" panose="02070309020205020404" pitchFamily="49" charset="0"/>
-              </a:rPr>
-              <a:t>l’eventuale</a:t>
-            </a:r>
-            <a:r>
-              <a:rPr lang="en-GB" b="1" dirty="0">
-                <a:latin typeface="Courier New" panose="02070309020205020404" pitchFamily="49" charset="0"/>
-                <a:cs typeface="Courier New" panose="02070309020205020404" pitchFamily="49" charset="0"/>
-              </a:rPr>
-              <a:t> </a:t>
-            </a:r>
-            <a:r>
-              <a:rPr lang="en-GB" b="1" dirty="0" err="1">
-                <a:latin typeface="Courier New" panose="02070309020205020404" pitchFamily="49" charset="0"/>
-                <a:cs typeface="Courier New" panose="02070309020205020404" pitchFamily="49" charset="0"/>
-              </a:rPr>
-              <a:t>modifica</a:t>
-            </a:r>
-            <a:r>
-              <a:rPr lang="en-GB" b="1" dirty="0">
-                <a:latin typeface="Courier New" panose="02070309020205020404" pitchFamily="49" charset="0"/>
-                <a:cs typeface="Courier New" panose="02070309020205020404" pitchFamily="49" charset="0"/>
-              </a:rPr>
-              <a:t> ai </a:t>
-            </a:r>
-            <a:r>
-              <a:rPr lang="en-GB" b="1" dirty="0" err="1">
-                <a:latin typeface="Courier New" panose="02070309020205020404" pitchFamily="49" charset="0"/>
-                <a:cs typeface="Courier New" panose="02070309020205020404" pitchFamily="49" charset="0"/>
-              </a:rPr>
-              <a:t>filtri</a:t>
-            </a:r>
-            <a:r>
-              <a:rPr lang="en-GB" b="1" dirty="0">
-                <a:latin typeface="Courier New" panose="02070309020205020404" pitchFamily="49" charset="0"/>
-                <a:cs typeface="Courier New" panose="02070309020205020404" pitchFamily="49" charset="0"/>
-              </a:rPr>
-              <a:t>!!!!!!!</a:t>
-            </a:r>
-            <a:endParaRPr lang="it-IT" dirty="0"/>
           </a:p>
         </p:txBody>
       </p:sp>
@@ -12797,8 +3748,8 @@
         </p:nvSpPr>
         <p:spPr>
           <a:xfrm>
-            <a:off x="252853" y="1705058"/>
-            <a:ext cx="8398800" cy="2377384"/>
+            <a:off x="261206" y="1582089"/>
+            <a:ext cx="8398800" cy="1979322"/>
           </a:xfrm>
           <a:prstGeom prst="rect">
             <a:avLst/>
@@ -13093,7 +4044,7 @@
             </a:r>
             <a:r>
               <a:rPr lang="en-GB" sz="1500" noProof="1"/>
-              <a:t>: checks if the logged user is an admin.</a:t>
+              <a:t>: checks if the logged user (if any) is an admin.</a:t>
             </a:r>
             <a:br>
               <a:rPr lang="en-GB" sz="1500" noProof="1"/>
@@ -13124,41 +4075,14 @@
             </a:r>
             <a:r>
               <a:rPr lang="en-GB" sz="1500" noProof="1"/>
-              <a:t>: checks if the logged user is a normal user (i.e., not an admin).</a:t>
+              <a:t>: checks if the logged user (if any) is a visitor (i.e., not an admin).</a:t>
             </a:r>
             <a:br>
               <a:rPr lang="en-GB" sz="1500" noProof="1"/>
             </a:br>
             <a:r>
               <a:rPr lang="en-GB" sz="1500" noProof="1"/>
-              <a:t>It applies to all the user pages </a:t>
-            </a:r>
-          </a:p>
-          <a:p>
-            <a:pPr>
-              <a:spcBef>
-                <a:spcPts val="1200"/>
-              </a:spcBef>
-              <a:buSzPct val="120000"/>
-            </a:pPr>
-            <a:r>
-              <a:rPr lang="en-GB" sz="1500" noProof="1">
-                <a:latin typeface="Roboto Mono" pitchFamily="49" charset="0"/>
-                <a:ea typeface="Roboto Mono" pitchFamily="49" charset="0"/>
-                <a:cs typeface="Courier New" panose="02070309020205020404" pitchFamily="49" charset="0"/>
-              </a:rPr>
-              <a:t>LoginFilter</a:t>
-            </a:r>
-            <a:r>
-              <a:rPr lang="en-GB" sz="1500" noProof="1"/>
-              <a:t>: checks if an user has logged in.</a:t>
-            </a:r>
-            <a:br>
-              <a:rPr lang="en-GB" sz="1500" noProof="1"/>
-            </a:br>
-            <a:r>
-              <a:rPr lang="en-GB" sz="1500" noProof="1"/>
-              <a:t>Applies to all the pages with the exception of the login page</a:t>
+              <a:t>It applies to all the user pages</a:t>
             </a:r>
           </a:p>
         </p:txBody>
@@ -14111,7 +5035,7 @@
 </p:sld>
 </file>
 
-<file path=ppt/slides/slide6.xml><?xml version="1.0" encoding="utf-8"?>
+<file path=ppt/slides/slide2.xml><?xml version="1.0" encoding="utf-8"?>
 <p:sld xmlns:a="http://schemas.openxmlformats.org/drawingml/2006/main" xmlns:r="http://schemas.openxmlformats.org/officeDocument/2006/relationships" xmlns:p="http://schemas.openxmlformats.org/presentationml/2006/main">
   <p:cSld>
     <p:spTree>
@@ -14206,7 +5130,7 @@
             </a:pPr>
             <a:fld id="{00000000-1234-1234-1234-123412341234}" type="slidenum">
               <a:rPr lang="en"/>
-              <a:t>6</a:t>
+              <a:t>2</a:t>
             </a:fld>
             <a:endParaRPr/>
           </a:p>
@@ -15277,7 +6201,7 @@
 </p:sld>
 </file>
 
-<file path=ppt/slides/slide7.xml><?xml version="1.0" encoding="utf-8"?>
+<file path=ppt/slides/slide3.xml><?xml version="1.0" encoding="utf-8"?>
 <p:sld xmlns:a="http://schemas.openxmlformats.org/drawingml/2006/main" xmlns:r="http://schemas.openxmlformats.org/officeDocument/2006/relationships" xmlns:p="http://schemas.openxmlformats.org/presentationml/2006/main">
   <p:cSld>
     <p:spTree>
@@ -15372,7 +6296,7 @@
             </a:pPr>
             <a:fld id="{00000000-1234-1234-1234-123412341234}" type="slidenum">
               <a:rPr lang="en"/>
-              <a:t>7</a:t>
+              <a:t>3</a:t>
             </a:fld>
             <a:endParaRPr/>
           </a:p>
@@ -16486,7 +7410,7 @@
 </p:sld>
 </file>
 
-<file path=ppt/slides/slide8.xml><?xml version="1.0" encoding="utf-8"?>
+<file path=ppt/slides/slide4.xml><?xml version="1.0" encoding="utf-8"?>
 <p:sld xmlns:a="http://schemas.openxmlformats.org/drawingml/2006/main" xmlns:r="http://schemas.openxmlformats.org/officeDocument/2006/relationships" xmlns:p="http://schemas.openxmlformats.org/presentationml/2006/main">
   <p:cSld>
     <p:spTree>
@@ -16581,7 +7505,7 @@
             </a:pPr>
             <a:fld id="{00000000-1234-1234-1234-123412341234}" type="slidenum">
               <a:rPr lang="en"/>
-              <a:t>8</a:t>
+              <a:t>4</a:t>
             </a:fld>
             <a:endParaRPr/>
           </a:p>
@@ -17740,7 +8664,7 @@
 </p:sld>
 </file>
 
-<file path=ppt/slides/slide9.xml><?xml version="1.0" encoding="utf-8"?>
+<file path=ppt/slides/slide5.xml><?xml version="1.0" encoding="utf-8"?>
 <p:sld xmlns:a="http://schemas.openxmlformats.org/drawingml/2006/main" xmlns:r="http://schemas.openxmlformats.org/officeDocument/2006/relationships" xmlns:p="http://schemas.openxmlformats.org/presentationml/2006/main">
   <p:cSld>
     <p:spTree>
@@ -17835,7 +8759,7 @@
             </a:pPr>
             <a:fld id="{00000000-1234-1234-1234-123412341234}" type="slidenum">
               <a:rPr lang="en"/>
-              <a:t>9</a:t>
+              <a:t>5</a:t>
             </a:fld>
             <a:endParaRPr/>
           </a:p>
@@ -18329,6 +9253,581 @@
     <p:extLst>
       <p:ext uri="{BB962C8B-B14F-4D97-AF65-F5344CB8AC3E}">
         <p14:creationId xmlns:p14="http://schemas.microsoft.com/office/powerpoint/2010/main" val="2451133887"/>
+      </p:ext>
+    </p:extLst>
+  </p:cSld>
+  <p:clrMapOvr>
+    <a:masterClrMapping/>
+  </p:clrMapOvr>
+</p:sld>
+</file>
+
+<file path=ppt/slides/slide6.xml><?xml version="1.0" encoding="utf-8"?>
+<p:sld xmlns:a="http://schemas.openxmlformats.org/drawingml/2006/main" xmlns:r="http://schemas.openxmlformats.org/officeDocument/2006/relationships" xmlns:p="http://schemas.openxmlformats.org/presentationml/2006/main">
+  <p:cSld>
+    <p:spTree>
+      <p:nvGrpSpPr>
+        <p:cNvPr id="1" name="Shape 235"/>
+        <p:cNvGrpSpPr/>
+        <p:nvPr/>
+      </p:nvGrpSpPr>
+      <p:grpSpPr>
+        <a:xfrm>
+          <a:off x="0" y="0"/>
+          <a:ext cx="0" cy="0"/>
+          <a:chOff x="0" y="0"/>
+          <a:chExt cx="0" cy="0"/>
+        </a:xfrm>
+      </p:grpSpPr>
+      <p:sp>
+        <p:nvSpPr>
+          <p:cNvPr id="236" name="Google Shape;236;p16"/>
+          <p:cNvSpPr txBox="1">
+            <a:spLocks noGrp="1"/>
+          </p:cNvSpPr>
+          <p:nvPr>
+            <p:ph type="title"/>
+          </p:nvPr>
+        </p:nvSpPr>
+        <p:spPr>
+          <a:xfrm>
+            <a:off x="814275" y="392575"/>
+            <a:ext cx="5492400" cy="766200"/>
+          </a:xfrm>
+          <a:prstGeom prst="rect">
+            <a:avLst/>
+          </a:prstGeom>
+        </p:spPr>
+        <p:txBody>
+          <a:bodyPr spcFirstLastPara="1" wrap="square" lIns="91425" tIns="91425" rIns="91425" bIns="91425" anchor="ctr" anchorCtr="0">
+            <a:noAutofit/>
+          </a:bodyPr>
+          <a:lstStyle/>
+          <a:p>
+            <a:pPr lvl="0"/>
+            <a:r>
+              <a:rPr lang="en" dirty="0"/>
+              <a:t>Views: administrator</a:t>
+            </a:r>
+            <a:endParaRPr dirty="0"/>
+          </a:p>
+        </p:txBody>
+      </p:sp>
+      <p:sp>
+        <p:nvSpPr>
+          <p:cNvPr id="238" name="Google Shape;238;p16"/>
+          <p:cNvSpPr txBox="1">
+            <a:spLocks noGrp="1"/>
+          </p:cNvSpPr>
+          <p:nvPr>
+            <p:ph type="sldNum" idx="12"/>
+          </p:nvPr>
+        </p:nvSpPr>
+        <p:spPr>
+          <a:xfrm>
+            <a:off x="7618000" y="4636500"/>
+            <a:ext cx="1487400" cy="315600"/>
+          </a:xfrm>
+          <a:prstGeom prst="rect">
+            <a:avLst/>
+          </a:prstGeom>
+        </p:spPr>
+        <p:txBody>
+          <a:bodyPr spcFirstLastPara="1" wrap="square" lIns="91425" tIns="91425" rIns="91425" bIns="91425" anchor="ctr" anchorCtr="0">
+            <a:noAutofit/>
+          </a:bodyPr>
+          <a:lstStyle/>
+          <a:p>
+            <a:pPr marL="0" lvl="0" indent="0" algn="r" rtl="0">
+              <a:spcBef>
+                <a:spcPts val="0"/>
+              </a:spcBef>
+              <a:spcAft>
+                <a:spcPts val="0"/>
+              </a:spcAft>
+              <a:buNone/>
+            </a:pPr>
+            <a:fld id="{00000000-1234-1234-1234-123412341234}" type="slidenum">
+              <a:rPr lang="en"/>
+              <a:t>6</a:t>
+            </a:fld>
+            <a:endParaRPr/>
+          </a:p>
+        </p:txBody>
+      </p:sp>
+      <p:sp>
+        <p:nvSpPr>
+          <p:cNvPr id="25" name="Google Shape;193;p12">
+            <a:extLst>
+              <a:ext uri="{FF2B5EF4-FFF2-40B4-BE49-F238E27FC236}">
+                <a16:creationId xmlns:a16="http://schemas.microsoft.com/office/drawing/2014/main" id="{DC8A4BBC-0CC8-DF4A-90F1-4C9EFA84B777}"/>
+              </a:ext>
+            </a:extLst>
+          </p:cNvPr>
+          <p:cNvSpPr txBox="1">
+            <a:spLocks noGrp="1"/>
+          </p:cNvSpPr>
+          <p:nvPr>
+            <p:ph type="body" idx="1"/>
+          </p:nvPr>
+        </p:nvSpPr>
+        <p:spPr>
+          <a:xfrm>
+            <a:off x="61388" y="1268537"/>
+            <a:ext cx="8398800" cy="2944019"/>
+          </a:xfrm>
+          <a:prstGeom prst="rect">
+            <a:avLst/>
+          </a:prstGeom>
+        </p:spPr>
+        <p:txBody>
+          <a:bodyPr spcFirstLastPara="1" wrap="square" lIns="91425" tIns="91425" rIns="91425" bIns="91425" anchor="ctr" anchorCtr="0">
+            <a:noAutofit/>
+          </a:bodyPr>
+          <a:lstStyle/>
+          <a:p>
+            <a:pPr>
+              <a:spcBef>
+                <a:spcPts val="1200"/>
+              </a:spcBef>
+              <a:buSzPct val="120000"/>
+            </a:pPr>
+            <a:r>
+              <a:rPr lang="en-GB" sz="1500" noProof="1">
+                <a:latin typeface="Roboto Mono" pitchFamily="49" charset="0"/>
+                <a:ea typeface="Roboto Mono" pitchFamily="49" charset="0"/>
+                <a:cs typeface="Courier New" panose="02070309020205020404" pitchFamily="49" charset="0"/>
+              </a:rPr>
+              <a:t>adminHome.html</a:t>
+            </a:r>
+            <a:r>
+              <a:rPr lang="en-GB" sz="1500" noProof="1"/>
+              <a:t>: </a:t>
+            </a:r>
+            <a:r>
+              <a:rPr lang="en-GB" sz="1600" dirty="0"/>
+              <a:t>the home page of an administrator. It contains the product of the day and the links for the creation, the inspection and the deletion pages.</a:t>
+            </a:r>
+            <a:endParaRPr lang="en-GB" sz="1500" noProof="1"/>
+          </a:p>
+          <a:p>
+            <a:pPr>
+              <a:spcBef>
+                <a:spcPts val="1200"/>
+              </a:spcBef>
+              <a:buSzPct val="120000"/>
+            </a:pPr>
+            <a:r>
+              <a:rPr lang="en-GB" sz="1500" noProof="1">
+                <a:latin typeface="Roboto Mono" pitchFamily="49" charset="0"/>
+                <a:ea typeface="Roboto Mono" pitchFamily="49" charset="0"/>
+                <a:cs typeface="Courier New" panose="02070309020205020404" pitchFamily="49" charset="0"/>
+              </a:rPr>
+              <a:t>creationPage.html</a:t>
+            </a:r>
+            <a:r>
+              <a:rPr lang="en-GB" sz="1500" noProof="1"/>
+              <a:t>: the creation page for a product. It includes the form for creating the product</a:t>
+            </a:r>
+          </a:p>
+          <a:p>
+            <a:pPr>
+              <a:spcBef>
+                <a:spcPts val="1200"/>
+              </a:spcBef>
+              <a:buSzPct val="120000"/>
+            </a:pPr>
+            <a:r>
+              <a:rPr lang="en-GB" sz="1500" noProof="1">
+                <a:latin typeface="Roboto Mono" pitchFamily="49" charset="0"/>
+                <a:ea typeface="Roboto Mono" pitchFamily="49" charset="0"/>
+                <a:cs typeface="Courier New" panose="02070309020205020404" pitchFamily="49" charset="0"/>
+              </a:rPr>
+              <a:t>inspectionPage.html</a:t>
+            </a:r>
+            <a:r>
+              <a:rPr lang="en-GB" sz="1500" noProof="1"/>
+              <a:t>: the inspection page for a past product. It allows to inspect the reviews of a past date </a:t>
+            </a:r>
+          </a:p>
+          <a:p>
+            <a:pPr>
+              <a:spcBef>
+                <a:spcPts val="1200"/>
+              </a:spcBef>
+              <a:buSzPct val="120000"/>
+            </a:pPr>
+            <a:r>
+              <a:rPr lang="en-GB" sz="1500" noProof="1">
+                <a:latin typeface="Roboto Mono" pitchFamily="49" charset="0"/>
+                <a:ea typeface="Roboto Mono" pitchFamily="49" charset="0"/>
+                <a:cs typeface="Courier New" panose="02070309020205020404" pitchFamily="49" charset="0"/>
+              </a:rPr>
+              <a:t>deletionPage.html</a:t>
+            </a:r>
+            <a:r>
+              <a:rPr lang="en-GB" sz="1500" noProof="1"/>
+              <a:t>: the deletion page for erasing the questionnaire data of a past product</a:t>
+            </a:r>
+          </a:p>
+        </p:txBody>
+      </p:sp>
+      <p:grpSp>
+        <p:nvGrpSpPr>
+          <p:cNvPr id="26" name="Google Shape;1014;p46">
+            <a:extLst>
+              <a:ext uri="{FF2B5EF4-FFF2-40B4-BE49-F238E27FC236}">
+                <a16:creationId xmlns:a16="http://schemas.microsoft.com/office/drawing/2014/main" id="{36B0FC23-0F8A-D945-9326-369654E1FE14}"/>
+              </a:ext>
+            </a:extLst>
+          </p:cNvPr>
+          <p:cNvGrpSpPr/>
+          <p:nvPr/>
+        </p:nvGrpSpPr>
+        <p:grpSpPr>
+          <a:xfrm>
+            <a:off x="222577" y="599765"/>
+            <a:ext cx="349624" cy="331179"/>
+            <a:chOff x="2583100" y="2973775"/>
+            <a:chExt cx="461550" cy="437200"/>
+          </a:xfrm>
+        </p:grpSpPr>
+        <p:sp>
+          <p:nvSpPr>
+            <p:cNvPr id="27" name="Google Shape;1015;p46">
+              <a:extLst>
+                <a:ext uri="{FF2B5EF4-FFF2-40B4-BE49-F238E27FC236}">
+                  <a16:creationId xmlns:a16="http://schemas.microsoft.com/office/drawing/2014/main" id="{18A24707-8497-9746-82E8-F4378AE7771B}"/>
+                </a:ext>
+              </a:extLst>
+            </p:cNvPr>
+            <p:cNvSpPr/>
+            <p:nvPr/>
+          </p:nvSpPr>
+          <p:spPr>
+            <a:xfrm>
+              <a:off x="2701225" y="3315975"/>
+              <a:ext cx="225300" cy="95000"/>
+            </a:xfrm>
+            <a:custGeom>
+              <a:avLst/>
+              <a:gdLst/>
+              <a:ahLst/>
+              <a:cxnLst/>
+              <a:rect l="l" t="t" r="r" b="b"/>
+              <a:pathLst>
+                <a:path w="9012" h="3800" fill="none" extrusionOk="0">
+                  <a:moveTo>
+                    <a:pt x="2947" y="0"/>
+                  </a:moveTo>
+                  <a:lnTo>
+                    <a:pt x="2947" y="2947"/>
+                  </a:lnTo>
+                  <a:lnTo>
+                    <a:pt x="853" y="2947"/>
+                  </a:lnTo>
+                  <a:lnTo>
+                    <a:pt x="853" y="2947"/>
+                  </a:lnTo>
+                  <a:lnTo>
+                    <a:pt x="682" y="2947"/>
+                  </a:lnTo>
+                  <a:lnTo>
+                    <a:pt x="512" y="2996"/>
+                  </a:lnTo>
+                  <a:lnTo>
+                    <a:pt x="365" y="3093"/>
+                  </a:lnTo>
+                  <a:lnTo>
+                    <a:pt x="244" y="3191"/>
+                  </a:lnTo>
+                  <a:lnTo>
+                    <a:pt x="146" y="3313"/>
+                  </a:lnTo>
+                  <a:lnTo>
+                    <a:pt x="49" y="3459"/>
+                  </a:lnTo>
+                  <a:lnTo>
+                    <a:pt x="0" y="3629"/>
+                  </a:lnTo>
+                  <a:lnTo>
+                    <a:pt x="0" y="3800"/>
+                  </a:lnTo>
+                  <a:lnTo>
+                    <a:pt x="9011" y="3800"/>
+                  </a:lnTo>
+                  <a:lnTo>
+                    <a:pt x="9011" y="3800"/>
+                  </a:lnTo>
+                  <a:lnTo>
+                    <a:pt x="9011" y="3629"/>
+                  </a:lnTo>
+                  <a:lnTo>
+                    <a:pt x="8963" y="3459"/>
+                  </a:lnTo>
+                  <a:lnTo>
+                    <a:pt x="8865" y="3313"/>
+                  </a:lnTo>
+                  <a:lnTo>
+                    <a:pt x="8768" y="3191"/>
+                  </a:lnTo>
+                  <a:lnTo>
+                    <a:pt x="8646" y="3093"/>
+                  </a:lnTo>
+                  <a:lnTo>
+                    <a:pt x="8500" y="2996"/>
+                  </a:lnTo>
+                  <a:lnTo>
+                    <a:pt x="8330" y="2947"/>
+                  </a:lnTo>
+                  <a:lnTo>
+                    <a:pt x="8159" y="2947"/>
+                  </a:lnTo>
+                  <a:lnTo>
+                    <a:pt x="6065" y="2947"/>
+                  </a:lnTo>
+                  <a:lnTo>
+                    <a:pt x="6065" y="0"/>
+                  </a:lnTo>
+                </a:path>
+              </a:pathLst>
+            </a:custGeom>
+            <a:noFill/>
+            <a:ln w="12175" cap="rnd" cmpd="sng">
+              <a:solidFill>
+                <a:schemeClr val="accent5"/>
+              </a:solidFill>
+              <a:prstDash val="solid"/>
+              <a:round/>
+              <a:headEnd type="none" w="sm" len="sm"/>
+              <a:tailEnd type="none" w="sm" len="sm"/>
+            </a:ln>
+          </p:spPr>
+          <p:txBody>
+            <a:bodyPr spcFirstLastPara="1" wrap="square" lIns="91425" tIns="91425" rIns="91425" bIns="91425" anchor="ctr" anchorCtr="0">
+              <a:noAutofit/>
+            </a:bodyPr>
+            <a:lstStyle/>
+            <a:p>
+              <a:pPr marL="0" lvl="0" indent="0" algn="l" rtl="0">
+                <a:spcBef>
+                  <a:spcPts val="0"/>
+                </a:spcBef>
+                <a:spcAft>
+                  <a:spcPts val="0"/>
+                </a:spcAft>
+                <a:buNone/>
+              </a:pPr>
+              <a:endParaRPr/>
+            </a:p>
+          </p:txBody>
+        </p:sp>
+        <p:sp>
+          <p:nvSpPr>
+            <p:cNvPr id="28" name="Google Shape;1016;p46">
+              <a:extLst>
+                <a:ext uri="{FF2B5EF4-FFF2-40B4-BE49-F238E27FC236}">
+                  <a16:creationId xmlns:a16="http://schemas.microsoft.com/office/drawing/2014/main" id="{B14D1393-5971-CC4D-8390-B80EEBE46938}"/>
+                </a:ext>
+              </a:extLst>
+            </p:cNvPr>
+            <p:cNvSpPr/>
+            <p:nvPr/>
+          </p:nvSpPr>
+          <p:spPr>
+            <a:xfrm>
+              <a:off x="2583100" y="2973775"/>
+              <a:ext cx="461550" cy="336125"/>
+            </a:xfrm>
+            <a:custGeom>
+              <a:avLst/>
+              <a:gdLst/>
+              <a:ahLst/>
+              <a:cxnLst/>
+              <a:rect l="l" t="t" r="r" b="b"/>
+              <a:pathLst>
+                <a:path w="18462" h="13445" fill="none" extrusionOk="0">
+                  <a:moveTo>
+                    <a:pt x="17974" y="1"/>
+                  </a:moveTo>
+                  <a:lnTo>
+                    <a:pt x="487" y="1"/>
+                  </a:lnTo>
+                  <a:lnTo>
+                    <a:pt x="487" y="1"/>
+                  </a:lnTo>
+                  <a:lnTo>
+                    <a:pt x="390" y="1"/>
+                  </a:lnTo>
+                  <a:lnTo>
+                    <a:pt x="317" y="50"/>
+                  </a:lnTo>
+                  <a:lnTo>
+                    <a:pt x="220" y="74"/>
+                  </a:lnTo>
+                  <a:lnTo>
+                    <a:pt x="146" y="147"/>
+                  </a:lnTo>
+                  <a:lnTo>
+                    <a:pt x="98" y="220"/>
+                  </a:lnTo>
+                  <a:lnTo>
+                    <a:pt x="49" y="293"/>
+                  </a:lnTo>
+                  <a:lnTo>
+                    <a:pt x="25" y="390"/>
+                  </a:lnTo>
+                  <a:lnTo>
+                    <a:pt x="0" y="488"/>
+                  </a:lnTo>
+                  <a:lnTo>
+                    <a:pt x="0" y="12958"/>
+                  </a:lnTo>
+                  <a:lnTo>
+                    <a:pt x="0" y="12958"/>
+                  </a:lnTo>
+                  <a:lnTo>
+                    <a:pt x="25" y="13055"/>
+                  </a:lnTo>
+                  <a:lnTo>
+                    <a:pt x="49" y="13152"/>
+                  </a:lnTo>
+                  <a:lnTo>
+                    <a:pt x="98" y="13226"/>
+                  </a:lnTo>
+                  <a:lnTo>
+                    <a:pt x="146" y="13299"/>
+                  </a:lnTo>
+                  <a:lnTo>
+                    <a:pt x="220" y="13372"/>
+                  </a:lnTo>
+                  <a:lnTo>
+                    <a:pt x="317" y="13396"/>
+                  </a:lnTo>
+                  <a:lnTo>
+                    <a:pt x="390" y="13445"/>
+                  </a:lnTo>
+                  <a:lnTo>
+                    <a:pt x="487" y="13445"/>
+                  </a:lnTo>
+                  <a:lnTo>
+                    <a:pt x="17974" y="13445"/>
+                  </a:lnTo>
+                  <a:lnTo>
+                    <a:pt x="17974" y="13445"/>
+                  </a:lnTo>
+                  <a:lnTo>
+                    <a:pt x="18072" y="13445"/>
+                  </a:lnTo>
+                  <a:lnTo>
+                    <a:pt x="18145" y="13396"/>
+                  </a:lnTo>
+                  <a:lnTo>
+                    <a:pt x="18242" y="13372"/>
+                  </a:lnTo>
+                  <a:lnTo>
+                    <a:pt x="18315" y="13299"/>
+                  </a:lnTo>
+                  <a:lnTo>
+                    <a:pt x="18364" y="13226"/>
+                  </a:lnTo>
+                  <a:lnTo>
+                    <a:pt x="18413" y="13152"/>
+                  </a:lnTo>
+                  <a:lnTo>
+                    <a:pt x="18437" y="13055"/>
+                  </a:lnTo>
+                  <a:lnTo>
+                    <a:pt x="18461" y="12958"/>
+                  </a:lnTo>
+                  <a:lnTo>
+                    <a:pt x="18461" y="488"/>
+                  </a:lnTo>
+                  <a:lnTo>
+                    <a:pt x="18461" y="488"/>
+                  </a:lnTo>
+                  <a:lnTo>
+                    <a:pt x="18437" y="390"/>
+                  </a:lnTo>
+                  <a:lnTo>
+                    <a:pt x="18413" y="293"/>
+                  </a:lnTo>
+                  <a:lnTo>
+                    <a:pt x="18364" y="220"/>
+                  </a:lnTo>
+                  <a:lnTo>
+                    <a:pt x="18315" y="147"/>
+                  </a:lnTo>
+                  <a:lnTo>
+                    <a:pt x="18242" y="74"/>
+                  </a:lnTo>
+                  <a:lnTo>
+                    <a:pt x="18145" y="50"/>
+                  </a:lnTo>
+                  <a:lnTo>
+                    <a:pt x="18072" y="1"/>
+                  </a:lnTo>
+                  <a:lnTo>
+                    <a:pt x="17974" y="1"/>
+                  </a:lnTo>
+                  <a:lnTo>
+                    <a:pt x="17974" y="1"/>
+                  </a:lnTo>
+                  <a:close/>
+                  <a:moveTo>
+                    <a:pt x="17000" y="11983"/>
+                  </a:moveTo>
+                  <a:lnTo>
+                    <a:pt x="1462" y="11983"/>
+                  </a:lnTo>
+                  <a:lnTo>
+                    <a:pt x="1462" y="1462"/>
+                  </a:lnTo>
+                  <a:lnTo>
+                    <a:pt x="17000" y="1462"/>
+                  </a:lnTo>
+                  <a:lnTo>
+                    <a:pt x="17000" y="11983"/>
+                  </a:lnTo>
+                  <a:close/>
+                </a:path>
+              </a:pathLst>
+            </a:custGeom>
+            <a:noFill/>
+            <a:ln w="12175" cap="rnd" cmpd="sng">
+              <a:solidFill>
+                <a:schemeClr val="accent5"/>
+              </a:solidFill>
+              <a:prstDash val="solid"/>
+              <a:round/>
+              <a:headEnd type="none" w="sm" len="sm"/>
+              <a:tailEnd type="none" w="sm" len="sm"/>
+            </a:ln>
+          </p:spPr>
+          <p:txBody>
+            <a:bodyPr spcFirstLastPara="1" wrap="square" lIns="91425" tIns="91425" rIns="91425" bIns="91425" anchor="ctr" anchorCtr="0">
+              <a:noAutofit/>
+            </a:bodyPr>
+            <a:lstStyle/>
+            <a:p>
+              <a:pPr marL="0" lvl="0" indent="0" algn="l" rtl="0">
+                <a:spcBef>
+                  <a:spcPts val="0"/>
+                </a:spcBef>
+                <a:spcAft>
+                  <a:spcPts val="0"/>
+                </a:spcAft>
+                <a:buNone/>
+              </a:pPr>
+              <a:endParaRPr/>
+            </a:p>
+          </p:txBody>
+        </p:sp>
+      </p:grpSp>
+    </p:spTree>
+    <p:extLst>
+      <p:ext uri="{BB962C8B-B14F-4D97-AF65-F5344CB8AC3E}">
+        <p14:creationId xmlns:p14="http://schemas.microsoft.com/office/powerpoint/2010/main" val="1699396584"/>
       </p:ext>
     </p:extLst>
   </p:cSld>
